--- a/doc/TECA Architecture.pptx
+++ b/doc/TECA Architecture.pptx
@@ -7,11 +7,16 @@
   <p:sldIdLst>
     <p:sldId id="256" r:id="rId2"/>
     <p:sldId id="257" r:id="rId3"/>
-    <p:sldId id="258" r:id="rId4"/>
-    <p:sldId id="262" r:id="rId5"/>
-    <p:sldId id="259" r:id="rId6"/>
+    <p:sldId id="266" r:id="rId4"/>
+    <p:sldId id="271" r:id="rId5"/>
+    <p:sldId id="269" r:id="rId6"/>
     <p:sldId id="260" r:id="rId7"/>
-    <p:sldId id="261" r:id="rId8"/>
+    <p:sldId id="270" r:id="rId8"/>
+    <p:sldId id="273" r:id="rId9"/>
+    <p:sldId id="267" r:id="rId10"/>
+    <p:sldId id="272" r:id="rId11"/>
+    <p:sldId id="265" r:id="rId12"/>
+    <p:sldId id="261" r:id="rId13"/>
   </p:sldIdLst>
   <p:sldSz cx="12192000" cy="6858000"/>
   <p:notesSz cx="6858000" cy="9144000"/>
@@ -110,6 +115,11 @@
       </a:defRPr>
     </a:lvl9pPr>
   </p:defaultTextStyle>
+  <p:extLst>
+    <p:ext uri="{EFAFB233-063F-42B5-8137-9DF3F51BA10A}">
+      <p15:sldGuideLst xmlns:p15="http://schemas.microsoft.com/office/powerpoint/2012/main"/>
+    </p:ext>
+  </p:extLst>
 </p:presentation>
 </file>
 
@@ -204,7 +214,7 @@
                   </a:solidFill>
                 </a:ln>
                 <a:solidFill>
-                  <a:srgbClr val="DF5327"/>
+                  <a:schemeClr val="tx1"/>
                 </a:solidFill>
                 <a:effectLst>
                   <a:outerShdw dist="38100" dir="2700000" algn="tl" rotWithShape="0">
@@ -221,7 +231,7 @@
           </a:lstStyle>
           <a:p>
             <a:r>
-              <a:rPr lang="en-US" smtClean="0"/>
+              <a:rPr lang="en-US" dirty="0" smtClean="0"/>
               <a:t>Click to edit Master title style</a:t>
             </a:r>
             <a:endParaRPr lang="en-US" dirty="0"/>
@@ -292,7 +302,7 @@
           </a:lstStyle>
           <a:p>
             <a:r>
-              <a:rPr lang="en-US" smtClean="0"/>
+              <a:rPr lang="en-US" dirty="0" smtClean="0"/>
               <a:t>Click to edit Master subtitle style</a:t>
             </a:r>
             <a:endParaRPr lang="en-US" dirty="0"/>
@@ -324,7 +334,7 @@
           <a:p>
             <a:fld id="{1A15B146-780A-4693-8F39-35C4C4A86711}" type="datetimeFigureOut">
               <a:rPr lang="en-US" smtClean="0"/>
-              <a:t>1/11/2015</a:t>
+              <a:t>1/20/2015</a:t>
             </a:fld>
             <a:endParaRPr lang="en-US"/>
           </a:p>
@@ -433,6 +443,13 @@
   <p:clrMapOvr>
     <a:masterClrMapping/>
   </p:clrMapOvr>
+  <p:timing>
+    <p:tnLst>
+      <p:par>
+        <p:cTn id="1" dur="indefinite" restart="never" nodeType="tmRoot"/>
+      </p:par>
+    </p:tnLst>
+  </p:timing>
 </p:sldLayout>
 </file>
 
@@ -545,7 +562,7 @@
           <a:p>
             <a:fld id="{1A15B146-780A-4693-8F39-35C4C4A86711}" type="datetimeFigureOut">
               <a:rPr lang="en-US" smtClean="0"/>
-              <a:t>1/11/2015</a:t>
+              <a:t>1/20/2015</a:t>
             </a:fld>
             <a:endParaRPr lang="en-US"/>
           </a:p>
@@ -725,7 +742,7 @@
           <a:p>
             <a:fld id="{1A15B146-780A-4693-8F39-35C4C4A86711}" type="datetimeFigureOut">
               <a:rPr lang="en-US" smtClean="0"/>
-              <a:t>1/11/2015</a:t>
+              <a:t>1/20/2015</a:t>
             </a:fld>
             <a:endParaRPr lang="en-US"/>
           </a:p>
@@ -816,10 +833,20 @@
         <p:spPr/>
         <p:txBody>
           <a:bodyPr/>
-          <a:lstStyle/>
-          <a:p>
-            <a:r>
-              <a:rPr lang="en-US" smtClean="0"/>
+          <a:lstStyle>
+            <a:lvl1pPr>
+              <a:defRPr>
+                <a:solidFill>
+                  <a:schemeClr val="accent3">
+                    <a:lumMod val="50000"/>
+                  </a:schemeClr>
+                </a:solidFill>
+              </a:defRPr>
+            </a:lvl1pPr>
+          </a:lstStyle>
+          <a:p>
+            <a:r>
+              <a:rPr lang="en-US" dirty="0" smtClean="0"/>
               <a:t>Click to edit Master title style</a:t>
             </a:r>
             <a:endParaRPr lang="en-US" dirty="0"/>
@@ -843,35 +870,35 @@
           <a:p>
             <a:pPr lvl="0"/>
             <a:r>
-              <a:rPr lang="en-US" smtClean="0"/>
+              <a:rPr lang="en-US" dirty="0" smtClean="0"/>
               <a:t>Click to edit Master text styles</a:t>
             </a:r>
           </a:p>
           <a:p>
             <a:pPr lvl="1"/>
             <a:r>
-              <a:rPr lang="en-US" smtClean="0"/>
+              <a:rPr lang="en-US" dirty="0" smtClean="0"/>
               <a:t>Second level</a:t>
             </a:r>
           </a:p>
           <a:p>
             <a:pPr lvl="2"/>
             <a:r>
-              <a:rPr lang="en-US" smtClean="0"/>
+              <a:rPr lang="en-US" dirty="0" smtClean="0"/>
               <a:t>Third level</a:t>
             </a:r>
           </a:p>
           <a:p>
             <a:pPr lvl="3"/>
             <a:r>
-              <a:rPr lang="en-US" smtClean="0"/>
+              <a:rPr lang="en-US" dirty="0" smtClean="0"/>
               <a:t>Fourth level</a:t>
             </a:r>
           </a:p>
           <a:p>
             <a:pPr lvl="4"/>
             <a:r>
-              <a:rPr lang="en-US" smtClean="0"/>
+              <a:rPr lang="en-US" dirty="0" smtClean="0"/>
               <a:t>Fifth level</a:t>
             </a:r>
             <a:endParaRPr lang="en-US" dirty="0"/>
@@ -895,7 +922,7 @@
           <a:p>
             <a:fld id="{1A15B146-780A-4693-8F39-35C4C4A86711}" type="datetimeFigureOut">
               <a:rPr lang="en-US" smtClean="0"/>
-              <a:t>1/11/2015</a:t>
+              <a:t>1/20/2015</a:t>
             </a:fld>
             <a:endParaRPr lang="en-US"/>
           </a:p>
@@ -953,6 +980,13 @@
   <p:clrMapOvr>
     <a:masterClrMapping/>
   </p:clrMapOvr>
+  <p:timing>
+    <p:tnLst>
+      <p:par>
+        <p:cTn id="1" dur="indefinite" restart="never" nodeType="tmRoot"/>
+      </p:par>
+    </p:tnLst>
+  </p:timing>
 </p:sldLayout>
 </file>
 
@@ -1169,7 +1203,7 @@
           <a:p>
             <a:fld id="{1A15B146-780A-4693-8F39-35C4C4A86711}" type="datetimeFigureOut">
               <a:rPr lang="en-US" smtClean="0"/>
-              <a:t>1/11/2015</a:t>
+              <a:t>1/20/2015</a:t>
             </a:fld>
             <a:endParaRPr lang="en-US"/>
           </a:p>
@@ -1492,7 +1526,7 @@
           <a:p>
             <a:fld id="{1A15B146-780A-4693-8F39-35C4C4A86711}" type="datetimeFigureOut">
               <a:rPr lang="en-US" smtClean="0"/>
-              <a:t>1/11/2015</a:t>
+              <a:t>1/20/2015</a:t>
             </a:fld>
             <a:endParaRPr lang="en-US"/>
           </a:p>
@@ -1916,7 +1950,7 @@
           <a:p>
             <a:fld id="{1A15B146-780A-4693-8F39-35C4C4A86711}" type="datetimeFigureOut">
               <a:rPr lang="en-US" smtClean="0"/>
-              <a:t>1/11/2015</a:t>
+              <a:t>1/20/2015</a:t>
             </a:fld>
             <a:endParaRPr lang="en-US"/>
           </a:p>
@@ -2034,7 +2068,7 @@
           <a:p>
             <a:fld id="{1A15B146-780A-4693-8F39-35C4C4A86711}" type="datetimeFigureOut">
               <a:rPr lang="en-US" smtClean="0"/>
-              <a:t>1/11/2015</a:t>
+              <a:t>1/20/2015</a:t>
             </a:fld>
             <a:endParaRPr lang="en-US"/>
           </a:p>
@@ -2129,7 +2163,7 @@
           <a:p>
             <a:fld id="{1A15B146-780A-4693-8F39-35C4C4A86711}" type="datetimeFigureOut">
               <a:rPr lang="en-US" smtClean="0"/>
-              <a:t>1/11/2015</a:t>
+              <a:t>1/20/2015</a:t>
             </a:fld>
             <a:endParaRPr lang="en-US"/>
           </a:p>
@@ -2419,7 +2453,7 @@
           <a:p>
             <a:fld id="{1A15B146-780A-4693-8F39-35C4C4A86711}" type="datetimeFigureOut">
               <a:rPr lang="en-US" smtClean="0"/>
-              <a:t>1/11/2015</a:t>
+              <a:t>1/20/2015</a:t>
             </a:fld>
             <a:endParaRPr lang="en-US"/>
           </a:p>
@@ -2691,7 +2725,7 @@
           <a:p>
             <a:fld id="{1A15B146-780A-4693-8F39-35C4C4A86711}" type="datetimeFigureOut">
               <a:rPr lang="en-US" smtClean="0"/>
-              <a:t>1/11/2015</a:t>
+              <a:t>1/20/2015</a:t>
             </a:fld>
             <a:endParaRPr lang="en-US"/>
           </a:p>
@@ -2945,7 +2979,7 @@
           <a:p>
             <a:fld id="{1A15B146-780A-4693-8F39-35C4C4A86711}" type="datetimeFigureOut">
               <a:rPr lang="en-US" smtClean="0"/>
-              <a:t>1/11/2015</a:t>
+              <a:t>1/20/2015</a:t>
             </a:fld>
             <a:endParaRPr lang="en-US"/>
           </a:p>
@@ -3471,6 +3505,397 @@
 </p:sld>
 </file>
 
+<file path=ppt/slides/slide10.xml><?xml version="1.0" encoding="utf-8"?>
+<p:sld xmlns:a="http://schemas.openxmlformats.org/drawingml/2006/main" xmlns:r="http://schemas.openxmlformats.org/officeDocument/2006/relationships" xmlns:p="http://schemas.openxmlformats.org/presentationml/2006/main">
+  <p:cSld>
+    <p:spTree>
+      <p:nvGrpSpPr>
+        <p:cNvPr id="1" name=""/>
+        <p:cNvGrpSpPr/>
+        <p:nvPr/>
+      </p:nvGrpSpPr>
+      <p:grpSpPr>
+        <a:xfrm>
+          <a:off x="0" y="0"/>
+          <a:ext cx="0" cy="0"/>
+          <a:chOff x="0" y="0"/>
+          <a:chExt cx="0" cy="0"/>
+        </a:xfrm>
+      </p:grpSpPr>
+      <p:sp>
+        <p:nvSpPr>
+          <p:cNvPr id="2" name="Title 1"/>
+          <p:cNvSpPr>
+            <a:spLocks noGrp="1"/>
+          </p:cNvSpPr>
+          <p:nvPr>
+            <p:ph type="title"/>
+          </p:nvPr>
+        </p:nvSpPr>
+        <p:spPr/>
+        <p:txBody>
+          <a:bodyPr/>
+          <a:lstStyle/>
+          <a:p>
+            <a:r>
+              <a:rPr lang="en-US" dirty="0" smtClean="0"/>
+              <a:t>Datasets</a:t>
+            </a:r>
+            <a:endParaRPr lang="en-US" dirty="0"/>
+          </a:p>
+        </p:txBody>
+      </p:sp>
+      <p:sp>
+        <p:nvSpPr>
+          <p:cNvPr id="3" name="Content Placeholder 2"/>
+          <p:cNvSpPr>
+            <a:spLocks noGrp="1"/>
+          </p:cNvSpPr>
+          <p:nvPr>
+            <p:ph idx="1"/>
+          </p:nvPr>
+        </p:nvSpPr>
+        <p:spPr/>
+        <p:txBody>
+          <a:bodyPr/>
+          <a:lstStyle/>
+          <a:p>
+            <a:r>
+              <a:rPr lang="en-US" dirty="0" smtClean="0"/>
+              <a:t>TODO</a:t>
+            </a:r>
+            <a:endParaRPr lang="en-US" dirty="0"/>
+          </a:p>
+        </p:txBody>
+      </p:sp>
+    </p:spTree>
+    <p:extLst>
+      <p:ext uri="{BB962C8B-B14F-4D97-AF65-F5344CB8AC3E}">
+        <p14:creationId xmlns:p14="http://schemas.microsoft.com/office/powerpoint/2010/main" val="67055979"/>
+      </p:ext>
+    </p:extLst>
+  </p:cSld>
+  <p:clrMapOvr>
+    <a:masterClrMapping/>
+  </p:clrMapOvr>
+  <p:timing>
+    <p:tnLst>
+      <p:par>
+        <p:cTn id="1" dur="indefinite" restart="never" nodeType="tmRoot"/>
+      </p:par>
+    </p:tnLst>
+  </p:timing>
+</p:sld>
+</file>
+
+<file path=ppt/slides/slide11.xml><?xml version="1.0" encoding="utf-8"?>
+<p:sld xmlns:a="http://schemas.openxmlformats.org/drawingml/2006/main" xmlns:r="http://schemas.openxmlformats.org/officeDocument/2006/relationships" xmlns:p="http://schemas.openxmlformats.org/presentationml/2006/main">
+  <p:cSld>
+    <p:spTree>
+      <p:nvGrpSpPr>
+        <p:cNvPr id="1" name=""/>
+        <p:cNvGrpSpPr/>
+        <p:nvPr/>
+      </p:nvGrpSpPr>
+      <p:grpSpPr>
+        <a:xfrm>
+          <a:off x="0" y="0"/>
+          <a:ext cx="0" cy="0"/>
+          <a:chOff x="0" y="0"/>
+          <a:chExt cx="0" cy="0"/>
+        </a:xfrm>
+      </p:grpSpPr>
+      <p:sp>
+        <p:nvSpPr>
+          <p:cNvPr id="2" name="Title 1"/>
+          <p:cNvSpPr>
+            <a:spLocks noGrp="1"/>
+          </p:cNvSpPr>
+          <p:nvPr>
+            <p:ph type="title"/>
+          </p:nvPr>
+        </p:nvSpPr>
+        <p:spPr/>
+        <p:txBody>
+          <a:bodyPr/>
+          <a:lstStyle/>
+          <a:p>
+            <a:r>
+              <a:rPr lang="en-US" dirty="0" smtClean="0"/>
+              <a:t>Caching w/ LRU eviction</a:t>
+            </a:r>
+            <a:endParaRPr lang="en-US" dirty="0"/>
+          </a:p>
+        </p:txBody>
+      </p:sp>
+      <p:sp>
+        <p:nvSpPr>
+          <p:cNvPr id="3" name="Content Placeholder 2"/>
+          <p:cNvSpPr>
+            <a:spLocks noGrp="1"/>
+          </p:cNvSpPr>
+          <p:nvPr>
+            <p:ph idx="1"/>
+          </p:nvPr>
+        </p:nvSpPr>
+        <p:spPr>
+          <a:xfrm>
+            <a:off x="1143000" y="2066925"/>
+            <a:ext cx="9872871" cy="4038600"/>
+          </a:xfrm>
+        </p:spPr>
+        <p:txBody>
+          <a:bodyPr/>
+          <a:lstStyle/>
+          <a:p>
+            <a:r>
+              <a:rPr lang="en-US" dirty="0" smtClean="0"/>
+              <a:t>each output port has an associative cache for generated data</a:t>
+            </a:r>
+          </a:p>
+          <a:p>
+            <a:pPr lvl="1"/>
+            <a:r>
+              <a:rPr lang="en-US" dirty="0"/>
+              <a:t>“requests” are associated with a dataset</a:t>
+            </a:r>
+            <a:r>
+              <a:rPr lang="en-US" dirty="0" smtClean="0"/>
+              <a:t>.</a:t>
+            </a:r>
+          </a:p>
+          <a:p>
+            <a:pPr lvl="2"/>
+            <a:r>
+              <a:rPr lang="en-US" dirty="0"/>
+              <a:t>optionally filtered via override</a:t>
+            </a:r>
+          </a:p>
+          <a:p>
+            <a:pPr lvl="3"/>
+            <a:r>
+              <a:rPr lang="en-US" dirty="0"/>
+              <a:t> each implementation can decide how to define pairing </a:t>
+            </a:r>
+            <a:r>
+              <a:rPr lang="en-US" dirty="0" smtClean="0"/>
+              <a:t>of requests </a:t>
+            </a:r>
+            <a:r>
+              <a:rPr lang="en-US" dirty="0"/>
+              <a:t>and cached data</a:t>
+            </a:r>
+            <a:r>
+              <a:rPr lang="en-US" dirty="0" smtClean="0"/>
+              <a:t>.</a:t>
+            </a:r>
+            <a:endParaRPr lang="en-US" dirty="0"/>
+          </a:p>
+          <a:p>
+            <a:pPr lvl="1"/>
+            <a:r>
+              <a:rPr lang="en-US" dirty="0" smtClean="0"/>
+              <a:t>upstream </a:t>
+            </a:r>
+            <a:r>
+              <a:rPr lang="en-US" dirty="0"/>
+              <a:t>requests are short circuited when there’s cache </a:t>
+            </a:r>
+            <a:r>
+              <a:rPr lang="en-US" dirty="0" smtClean="0"/>
+              <a:t>hit</a:t>
+            </a:r>
+          </a:p>
+          <a:p>
+            <a:pPr lvl="1"/>
+            <a:r>
+              <a:rPr lang="en-US" dirty="0" smtClean="0"/>
+              <a:t>each implementation decides at runtime how many datasets (</a:t>
+            </a:r>
+            <a:r>
+              <a:rPr lang="en-US" dirty="0"/>
+              <a:t>&gt;= 0 </a:t>
+            </a:r>
+            <a:r>
+              <a:rPr lang="en-US" dirty="0" smtClean="0"/>
+              <a:t>)to cache.</a:t>
+            </a:r>
+          </a:p>
+          <a:p>
+            <a:pPr lvl="2"/>
+            <a:r>
+              <a:rPr lang="en-US" dirty="0" smtClean="0"/>
+              <a:t>For example</a:t>
+            </a:r>
+          </a:p>
+          <a:p>
+            <a:pPr lvl="3"/>
+            <a:r>
+              <a:rPr lang="en-US" dirty="0" smtClean="0"/>
+              <a:t>simple filters/pipelines may disable caching to reduce memory footprint</a:t>
+            </a:r>
+          </a:p>
+          <a:p>
+            <a:pPr lvl="3"/>
+            <a:r>
+              <a:rPr lang="en-US" dirty="0" smtClean="0"/>
+              <a:t>a time averaging filter may set the cache size to the number of steps to be averaged over.</a:t>
+            </a:r>
+          </a:p>
+          <a:p>
+            <a:r>
+              <a:rPr lang="en-US" dirty="0" smtClean="0"/>
+              <a:t>cache is </a:t>
+            </a:r>
+            <a:r>
+              <a:rPr lang="en-US" dirty="0" err="1" smtClean="0"/>
+              <a:t>threadsafe</a:t>
+            </a:r>
+            <a:endParaRPr lang="en-US" dirty="0" smtClean="0"/>
+          </a:p>
+          <a:p>
+            <a:pPr lvl="2"/>
+            <a:endParaRPr lang="en-US" dirty="0" smtClean="0"/>
+          </a:p>
+          <a:p>
+            <a:pPr lvl="1"/>
+            <a:endParaRPr lang="en-US" dirty="0" smtClean="0"/>
+          </a:p>
+          <a:p>
+            <a:pPr lvl="1"/>
+            <a:endParaRPr lang="en-US" dirty="0"/>
+          </a:p>
+        </p:txBody>
+      </p:sp>
+    </p:spTree>
+    <p:extLst>
+      <p:ext uri="{BB962C8B-B14F-4D97-AF65-F5344CB8AC3E}">
+        <p14:creationId xmlns:p14="http://schemas.microsoft.com/office/powerpoint/2010/main" val="1904284361"/>
+      </p:ext>
+    </p:extLst>
+  </p:cSld>
+  <p:clrMapOvr>
+    <a:masterClrMapping/>
+  </p:clrMapOvr>
+  <p:timing>
+    <p:tnLst>
+      <p:par>
+        <p:cTn id="1" dur="indefinite" restart="never" nodeType="tmRoot"/>
+      </p:par>
+    </p:tnLst>
+  </p:timing>
+</p:sld>
+</file>
+
+<file path=ppt/slides/slide12.xml><?xml version="1.0" encoding="utf-8"?>
+<p:sld xmlns:a="http://schemas.openxmlformats.org/drawingml/2006/main" xmlns:r="http://schemas.openxmlformats.org/officeDocument/2006/relationships" xmlns:p="http://schemas.openxmlformats.org/presentationml/2006/main">
+  <p:cSld>
+    <p:spTree>
+      <p:nvGrpSpPr>
+        <p:cNvPr id="1" name=""/>
+        <p:cNvGrpSpPr/>
+        <p:nvPr/>
+      </p:nvGrpSpPr>
+      <p:grpSpPr>
+        <a:xfrm>
+          <a:off x="0" y="0"/>
+          <a:ext cx="0" cy="0"/>
+          <a:chOff x="0" y="0"/>
+          <a:chExt cx="0" cy="0"/>
+        </a:xfrm>
+      </p:grpSpPr>
+      <p:sp>
+        <p:nvSpPr>
+          <p:cNvPr id="2" name="Title 1"/>
+          <p:cNvSpPr>
+            <a:spLocks noGrp="1"/>
+          </p:cNvSpPr>
+          <p:nvPr>
+            <p:ph type="title"/>
+          </p:nvPr>
+        </p:nvSpPr>
+        <p:spPr/>
+        <p:txBody>
+          <a:bodyPr/>
+          <a:lstStyle/>
+          <a:p>
+            <a:r>
+              <a:rPr lang="en-US" dirty="0" smtClean="0"/>
+              <a:t>The Executive</a:t>
+            </a:r>
+            <a:endParaRPr lang="en-US" dirty="0"/>
+          </a:p>
+        </p:txBody>
+      </p:sp>
+      <p:sp>
+        <p:nvSpPr>
+          <p:cNvPr id="3" name="Content Placeholder 2"/>
+          <p:cNvSpPr>
+            <a:spLocks noGrp="1"/>
+          </p:cNvSpPr>
+          <p:nvPr>
+            <p:ph idx="1"/>
+          </p:nvPr>
+        </p:nvSpPr>
+        <p:spPr/>
+        <p:txBody>
+          <a:bodyPr/>
+          <a:lstStyle/>
+          <a:p>
+            <a:r>
+              <a:rPr lang="en-US" dirty="0" smtClean="0"/>
+              <a:t>Strategy pattern</a:t>
+            </a:r>
+          </a:p>
+          <a:p>
+            <a:r>
+              <a:rPr lang="en-US" dirty="0" smtClean="0"/>
+              <a:t>To run a pipeline set the desired executive and call “update”</a:t>
+            </a:r>
+          </a:p>
+          <a:p>
+            <a:r>
+              <a:rPr lang="en-US" dirty="0"/>
+              <a:t>Generates requests to drive the pipeline execution</a:t>
+            </a:r>
+          </a:p>
+          <a:p>
+            <a:pPr lvl="1"/>
+            <a:r>
+              <a:rPr lang="en-US" dirty="0" smtClean="0"/>
+              <a:t>Handles spatial/temporal domain decomposition and partitioning across MPI ranks	</a:t>
+            </a:r>
+          </a:p>
+          <a:p>
+            <a:pPr lvl="1"/>
+            <a:r>
+              <a:rPr lang="en-US" dirty="0" smtClean="0"/>
+              <a:t>A set of requests are assigned to a rank, the algorithm executes the local requests in parallel using threads</a:t>
+            </a:r>
+            <a:endParaRPr lang="en-US" dirty="0"/>
+          </a:p>
+        </p:txBody>
+      </p:sp>
+    </p:spTree>
+    <p:extLst>
+      <p:ext uri="{BB962C8B-B14F-4D97-AF65-F5344CB8AC3E}">
+        <p14:creationId xmlns:p14="http://schemas.microsoft.com/office/powerpoint/2010/main" val="3741734138"/>
+      </p:ext>
+    </p:extLst>
+  </p:cSld>
+  <p:clrMapOvr>
+    <a:masterClrMapping/>
+  </p:clrMapOvr>
+  <p:timing>
+    <p:tnLst>
+      <p:par>
+        <p:cTn id="1" dur="indefinite" restart="never" nodeType="tmRoot"/>
+      </p:par>
+    </p:tnLst>
+  </p:timing>
+</p:sld>
+</file>
+
 <file path=ppt/slides/slide2.xml><?xml version="1.0" encoding="utf-8"?>
 <p:sld xmlns:a="http://schemas.openxmlformats.org/drawingml/2006/main" xmlns:r="http://schemas.openxmlformats.org/officeDocument/2006/relationships" xmlns:p="http://schemas.openxmlformats.org/presentationml/2006/main">
   <p:cSld>
@@ -3662,13 +4087,13 @@
         </p:nvSpPr>
         <p:spPr>
           <a:xfrm>
-            <a:off x="1143001" y="2057400"/>
-            <a:ext cx="4928286" cy="4038600"/>
+            <a:off x="856648" y="2057400"/>
+            <a:ext cx="5500992" cy="4038600"/>
           </a:xfrm>
         </p:spPr>
         <p:txBody>
           <a:bodyPr>
-            <a:normAutofit lnSpcReduction="10000"/>
+            <a:normAutofit fontScale="92500" lnSpcReduction="10000"/>
           </a:bodyPr>
           <a:lstStyle/>
           <a:p>
@@ -3693,34 +4118,70 @@
             <a:pPr lvl="1"/>
             <a:r>
               <a:rPr lang="en-US" dirty="0" smtClean="0"/>
-              <a:t>Input Connections (0 or more)</a:t>
+              <a:t>Optional input connection(s)</a:t>
+            </a:r>
+          </a:p>
+          <a:p>
+            <a:pPr lvl="2"/>
+            <a:r>
+              <a:rPr lang="en-US" dirty="0" smtClean="0"/>
+              <a:t>If present accept a single output port</a:t>
             </a:r>
           </a:p>
           <a:p>
             <a:pPr lvl="1"/>
             <a:r>
               <a:rPr lang="en-US" dirty="0" smtClean="0"/>
-              <a:t>Output Ports (1 or more)</a:t>
-            </a:r>
-          </a:p>
-          <a:p>
+              <a:t>1 or more output </a:t>
+            </a:r>
+            <a:r>
+              <a:rPr lang="en-US" dirty="0"/>
+              <a:t>p</a:t>
+            </a:r>
             <a:r>
               <a:rPr lang="en-US" dirty="0" smtClean="0"/>
-              <a:t>Output ports are not datasets.</a:t>
-            </a:r>
-          </a:p>
-          <a:p>
-            <a:pPr lvl="1"/>
+              <a:t>orts</a:t>
+            </a:r>
+          </a:p>
+          <a:p>
+            <a:pPr lvl="2"/>
+            <a:r>
+              <a:rPr lang="en-US" dirty="0" smtClean="0"/>
+              <a:t>Can be connected to any number of input connections </a:t>
+            </a:r>
+          </a:p>
+          <a:p>
+            <a:pPr lvl="2"/>
+            <a:r>
+              <a:rPr lang="en-US" dirty="0" smtClean="0"/>
+              <a:t>Fan out  allows for caching data sharing</a:t>
+            </a:r>
+          </a:p>
+          <a:p>
+            <a:pPr lvl="2"/>
+            <a:r>
+              <a:rPr lang="en-US" dirty="0" smtClean="0"/>
+              <a:t>are not datasets</a:t>
+            </a:r>
+            <a:r>
+              <a:rPr lang="en-US" dirty="0"/>
+              <a:t>. </a:t>
+            </a:r>
+            <a:r>
+              <a:rPr lang="en-US" dirty="0" smtClean="0"/>
+              <a:t>are </a:t>
+            </a:r>
+            <a:r>
+              <a:rPr lang="en-US" dirty="0"/>
+              <a:t>for connecting/building the pipeline only.</a:t>
+            </a:r>
+            <a:endParaRPr lang="en-US" dirty="0" smtClean="0"/>
+          </a:p>
+          <a:p>
+            <a:pPr lvl="3"/>
             <a:r>
               <a:rPr lang="en-US" dirty="0" smtClean="0"/>
               <a:t> An output port may not produce data. Example: a writer. </a:t>
-            </a:r>
-          </a:p>
-          <a:p>
-            <a:pPr lvl="1"/>
-            <a:r>
-              <a:rPr lang="en-US" dirty="0" smtClean="0"/>
-              <a:t>Are for connecting/building the pipeline only. </a:t>
             </a:r>
           </a:p>
           <a:p>
@@ -3736,7 +4197,7 @@
         </p:nvGrpSpPr>
         <p:grpSpPr>
           <a:xfrm>
-            <a:off x="7907024" y="2717672"/>
+            <a:off x="6297448" y="1851791"/>
             <a:ext cx="1713470" cy="2097560"/>
             <a:chOff x="7858898" y="2573294"/>
             <a:chExt cx="1713470" cy="2097560"/>
@@ -3780,13 +4241,13 @@
                 <a:rPr lang="en-US" dirty="0" err="1" smtClean="0">
                   <a:ln w="0"/>
                   <a:solidFill>
-                    <a:schemeClr val="tx1"/>
+                    <a:prstClr val="black"/>
                   </a:solidFill>
                   <a:effectLst>
                     <a:outerShdw blurRad="38100" dist="19050" dir="2700000" algn="tl" rotWithShape="0">
-                      <a:schemeClr val="dk1">
+                      <a:prstClr val="black">
                         <a:alpha val="40000"/>
-                      </a:schemeClr>
+                      </a:prstClr>
                     </a:outerShdw>
                   </a:effectLst>
                 </a:rPr>
@@ -3795,13 +4256,13 @@
               <a:endParaRPr lang="en-US" dirty="0">
                 <a:ln w="0"/>
                 <a:solidFill>
-                  <a:schemeClr val="tx1"/>
+                  <a:prstClr val="black"/>
                 </a:solidFill>
                 <a:effectLst>
                   <a:outerShdw blurRad="38100" dist="19050" dir="2700000" algn="tl" rotWithShape="0">
-                    <a:schemeClr val="dk1">
+                    <a:prstClr val="black">
                       <a:alpha val="40000"/>
-                    </a:schemeClr>
+                    </a:prstClr>
                   </a:outerShdw>
                 </a:effectLst>
               </a:endParaRPr>
@@ -3844,7 +4305,11 @@
             <a:lstStyle/>
             <a:p>
               <a:pPr algn="ctr"/>
-              <a:endParaRPr lang="en-US"/>
+              <a:endParaRPr lang="en-US">
+                <a:solidFill>
+                  <a:prstClr val="white"/>
+                </a:solidFill>
+              </a:endParaRPr>
             </a:p>
           </p:txBody>
         </p:sp>
@@ -3882,7 +4347,11 @@
             <a:lstStyle/>
             <a:p>
               <a:pPr algn="ctr"/>
-              <a:endParaRPr lang="en-US"/>
+              <a:endParaRPr lang="en-US">
+                <a:solidFill>
+                  <a:prstClr val="black"/>
+                </a:solidFill>
+              </a:endParaRPr>
             </a:p>
           </p:txBody>
         </p:sp>
@@ -3920,7 +4389,11 @@
             <a:lstStyle/>
             <a:p>
               <a:pPr algn="ctr"/>
-              <a:endParaRPr lang="en-US"/>
+              <a:endParaRPr lang="en-US">
+                <a:solidFill>
+                  <a:prstClr val="black"/>
+                </a:solidFill>
+              </a:endParaRPr>
             </a:p>
           </p:txBody>
         </p:sp>
@@ -3960,7 +4433,11 @@
             <a:lstStyle/>
             <a:p>
               <a:pPr algn="ctr"/>
-              <a:endParaRPr lang="en-US"/>
+              <a:endParaRPr lang="en-US">
+                <a:solidFill>
+                  <a:prstClr val="white"/>
+                </a:solidFill>
+              </a:endParaRPr>
             </a:p>
           </p:txBody>
         </p:sp>
@@ -3998,7 +4475,11 @@
             <a:lstStyle/>
             <a:p>
               <a:pPr algn="ctr"/>
-              <a:endParaRPr lang="en-US"/>
+              <a:endParaRPr lang="en-US">
+                <a:solidFill>
+                  <a:prstClr val="black"/>
+                </a:solidFill>
+              </a:endParaRPr>
             </a:p>
           </p:txBody>
         </p:sp>
@@ -4036,7 +4517,11 @@
             <a:lstStyle/>
             <a:p>
               <a:pPr algn="ctr"/>
-              <a:endParaRPr lang="en-US"/>
+              <a:endParaRPr lang="en-US">
+                <a:solidFill>
+                  <a:prstClr val="black"/>
+                </a:solidFill>
+              </a:endParaRPr>
             </a:p>
           </p:txBody>
         </p:sp>
@@ -4074,7 +4559,11 @@
             <a:lstStyle/>
             <a:p>
               <a:pPr algn="ctr"/>
-              <a:endParaRPr lang="en-US"/>
+              <a:endParaRPr lang="en-US">
+                <a:solidFill>
+                  <a:prstClr val="black"/>
+                </a:solidFill>
+              </a:endParaRPr>
             </a:p>
           </p:txBody>
         </p:sp>
@@ -4114,7 +4603,11 @@
             <a:lstStyle/>
             <a:p>
               <a:pPr algn="ctr"/>
-              <a:endParaRPr lang="en-US"/>
+              <a:endParaRPr lang="en-US">
+                <a:solidFill>
+                  <a:prstClr val="white"/>
+                </a:solidFill>
+              </a:endParaRPr>
             </a:p>
           </p:txBody>
         </p:sp>
@@ -4154,7 +4647,11 @@
             <a:lstStyle/>
             <a:p>
               <a:pPr algn="ctr"/>
-              <a:endParaRPr lang="en-US"/>
+              <a:endParaRPr lang="en-US">
+                <a:solidFill>
+                  <a:prstClr val="white"/>
+                </a:solidFill>
+              </a:endParaRPr>
             </a:p>
           </p:txBody>
         </p:sp>
@@ -4194,7 +4691,11 @@
             <a:lstStyle/>
             <a:p>
               <a:pPr algn="ctr"/>
-              <a:endParaRPr lang="en-US"/>
+              <a:endParaRPr lang="en-US">
+                <a:solidFill>
+                  <a:prstClr val="white"/>
+                </a:solidFill>
+              </a:endParaRPr>
             </a:p>
           </p:txBody>
         </p:sp>
@@ -4234,7 +4735,11 @@
             <a:lstStyle/>
             <a:p>
               <a:pPr algn="ctr"/>
-              <a:endParaRPr lang="en-US"/>
+              <a:endParaRPr lang="en-US">
+                <a:solidFill>
+                  <a:prstClr val="white"/>
+                </a:solidFill>
+              </a:endParaRPr>
             </a:p>
           </p:txBody>
         </p:sp>
@@ -4274,7 +4779,11 @@
             <a:lstStyle/>
             <a:p>
               <a:pPr algn="ctr"/>
-              <a:endParaRPr lang="en-US"/>
+              <a:endParaRPr lang="en-US">
+                <a:solidFill>
+                  <a:prstClr val="white"/>
+                </a:solidFill>
+              </a:endParaRPr>
             </a:p>
           </p:txBody>
         </p:sp>
@@ -4314,7 +4823,11 @@
             <a:lstStyle/>
             <a:p>
               <a:pPr algn="ctr"/>
-              <a:endParaRPr lang="en-US"/>
+              <a:endParaRPr lang="en-US">
+                <a:solidFill>
+                  <a:prstClr val="white"/>
+                </a:solidFill>
+              </a:endParaRPr>
             </a:p>
           </p:txBody>
         </p:sp>
@@ -4354,7 +4867,1163 @@
             <a:lstStyle/>
             <a:p>
               <a:pPr algn="ctr"/>
+              <a:endParaRPr lang="en-US">
+                <a:solidFill>
+                  <a:prstClr val="white"/>
+                </a:solidFill>
+              </a:endParaRPr>
+            </a:p>
+          </p:txBody>
+        </p:sp>
+      </p:grpSp>
+      <p:grpSp>
+        <p:nvGrpSpPr>
+          <p:cNvPr id="76" name="Group 75"/>
+          <p:cNvGrpSpPr/>
+          <p:nvPr/>
+        </p:nvGrpSpPr>
+        <p:grpSpPr>
+          <a:xfrm>
+            <a:off x="8381523" y="1965960"/>
+            <a:ext cx="2946334" cy="2935545"/>
+            <a:chOff x="7962317" y="2911369"/>
+            <a:chExt cx="2946334" cy="2935545"/>
+          </a:xfrm>
+        </p:grpSpPr>
+        <p:sp>
+          <p:nvSpPr>
+            <p:cNvPr id="74" name="Freeform 73"/>
+            <p:cNvSpPr/>
+            <p:nvPr/>
+          </p:nvSpPr>
+          <p:spPr>
+            <a:xfrm>
+              <a:off x="8958290" y="4735534"/>
+              <a:ext cx="349873" cy="261228"/>
+            </a:xfrm>
+            <a:custGeom>
+              <a:avLst/>
+              <a:gdLst>
+                <a:gd name="connsiteX0" fmla="*/ 53824 w 570746"/>
+                <a:gd name="connsiteY0" fmla="*/ 0 h 702645"/>
+                <a:gd name="connsiteX1" fmla="*/ 44199 w 570746"/>
+                <a:gd name="connsiteY1" fmla="*/ 365760 h 702645"/>
+                <a:gd name="connsiteX2" fmla="*/ 535087 w 570746"/>
+                <a:gd name="connsiteY2" fmla="*/ 365760 h 702645"/>
+                <a:gd name="connsiteX3" fmla="*/ 535087 w 570746"/>
+                <a:gd name="connsiteY3" fmla="*/ 702645 h 702645"/>
+                <a:gd name="connsiteX0" fmla="*/ 53824 w 575283"/>
+                <a:gd name="connsiteY0" fmla="*/ 0 h 702645"/>
+                <a:gd name="connsiteX1" fmla="*/ 44199 w 575283"/>
+                <a:gd name="connsiteY1" fmla="*/ 365760 h 702645"/>
+                <a:gd name="connsiteX2" fmla="*/ 535087 w 575283"/>
+                <a:gd name="connsiteY2" fmla="*/ 365760 h 702645"/>
+                <a:gd name="connsiteX3" fmla="*/ 535087 w 575283"/>
+                <a:gd name="connsiteY3" fmla="*/ 702645 h 702645"/>
+                <a:gd name="connsiteX0" fmla="*/ 38936 w 560395"/>
+                <a:gd name="connsiteY0" fmla="*/ 0 h 702645"/>
+                <a:gd name="connsiteX1" fmla="*/ 29311 w 560395"/>
+                <a:gd name="connsiteY1" fmla="*/ 365760 h 702645"/>
+                <a:gd name="connsiteX2" fmla="*/ 520199 w 560395"/>
+                <a:gd name="connsiteY2" fmla="*/ 365760 h 702645"/>
+                <a:gd name="connsiteX3" fmla="*/ 520199 w 560395"/>
+                <a:gd name="connsiteY3" fmla="*/ 702645 h 702645"/>
+                <a:gd name="connsiteX0" fmla="*/ 38936 w 562962"/>
+                <a:gd name="connsiteY0" fmla="*/ 0 h 702645"/>
+                <a:gd name="connsiteX1" fmla="*/ 29311 w 562962"/>
+                <a:gd name="connsiteY1" fmla="*/ 365760 h 702645"/>
+                <a:gd name="connsiteX2" fmla="*/ 520199 w 562962"/>
+                <a:gd name="connsiteY2" fmla="*/ 365760 h 702645"/>
+                <a:gd name="connsiteX3" fmla="*/ 520199 w 562962"/>
+                <a:gd name="connsiteY3" fmla="*/ 702645 h 702645"/>
+                <a:gd name="connsiteX0" fmla="*/ 38936 w 562962"/>
+                <a:gd name="connsiteY0" fmla="*/ 0 h 654518"/>
+                <a:gd name="connsiteX1" fmla="*/ 29311 w 562962"/>
+                <a:gd name="connsiteY1" fmla="*/ 317633 h 654518"/>
+                <a:gd name="connsiteX2" fmla="*/ 520199 w 562962"/>
+                <a:gd name="connsiteY2" fmla="*/ 317633 h 654518"/>
+                <a:gd name="connsiteX3" fmla="*/ 520199 w 562962"/>
+                <a:gd name="connsiteY3" fmla="*/ 654518 h 654518"/>
+              </a:gdLst>
+              <a:ahLst/>
+              <a:cxnLst>
+                <a:cxn ang="0">
+                  <a:pos x="connsiteX0" y="connsiteY0"/>
+                </a:cxn>
+                <a:cxn ang="0">
+                  <a:pos x="connsiteX1" y="connsiteY1"/>
+                </a:cxn>
+                <a:cxn ang="0">
+                  <a:pos x="connsiteX2" y="connsiteY2"/>
+                </a:cxn>
+                <a:cxn ang="0">
+                  <a:pos x="connsiteX3" y="connsiteY3"/>
+                </a:cxn>
+              </a:cxnLst>
+              <a:rect l="l" t="t" r="r" b="b"/>
+              <a:pathLst>
+                <a:path w="562962" h="654518">
+                  <a:moveTo>
+                    <a:pt x="38936" y="0"/>
+                  </a:moveTo>
+                  <a:cubicBezTo>
+                    <a:pt x="61395" y="171651"/>
+                    <a:pt x="-50900" y="264694"/>
+                    <a:pt x="29311" y="317633"/>
+                  </a:cubicBezTo>
+                  <a:cubicBezTo>
+                    <a:pt x="109522" y="370572"/>
+                    <a:pt x="438384" y="261486"/>
+                    <a:pt x="520199" y="317633"/>
+                  </a:cubicBezTo>
+                  <a:cubicBezTo>
+                    <a:pt x="602014" y="373781"/>
+                    <a:pt x="545866" y="439554"/>
+                    <a:pt x="520199" y="654518"/>
+                  </a:cubicBezTo>
+                </a:path>
+              </a:pathLst>
+            </a:custGeom>
+            <a:noFill/>
+            <a:ln w="25400">
+              <a:solidFill>
+                <a:schemeClr val="tx1"/>
+              </a:solidFill>
+              <a:tailEnd type="triangle"/>
+            </a:ln>
+          </p:spPr>
+          <p:style>
+            <a:lnRef idx="2">
+              <a:schemeClr val="accent1">
+                <a:shade val="50000"/>
+              </a:schemeClr>
+            </a:lnRef>
+            <a:fillRef idx="1">
+              <a:schemeClr val="accent1"/>
+            </a:fillRef>
+            <a:effectRef idx="0">
+              <a:schemeClr val="accent1"/>
+            </a:effectRef>
+            <a:fontRef idx="minor">
+              <a:schemeClr val="lt1"/>
+            </a:fontRef>
+          </p:style>
+          <p:txBody>
+            <a:bodyPr rtlCol="0" anchor="ctr"/>
+            <a:lstStyle/>
+            <a:p>
+              <a:pPr algn="ctr"/>
               <a:endParaRPr lang="en-US"/>
+            </a:p>
+          </p:txBody>
+        </p:sp>
+        <p:sp>
+          <p:nvSpPr>
+            <p:cNvPr id="75" name="Freeform 74"/>
+            <p:cNvSpPr/>
+            <p:nvPr/>
+          </p:nvSpPr>
+          <p:spPr>
+            <a:xfrm flipH="1">
+              <a:off x="9457686" y="4732167"/>
+              <a:ext cx="349873" cy="261228"/>
+            </a:xfrm>
+            <a:custGeom>
+              <a:avLst/>
+              <a:gdLst>
+                <a:gd name="connsiteX0" fmla="*/ 53824 w 570746"/>
+                <a:gd name="connsiteY0" fmla="*/ 0 h 702645"/>
+                <a:gd name="connsiteX1" fmla="*/ 44199 w 570746"/>
+                <a:gd name="connsiteY1" fmla="*/ 365760 h 702645"/>
+                <a:gd name="connsiteX2" fmla="*/ 535087 w 570746"/>
+                <a:gd name="connsiteY2" fmla="*/ 365760 h 702645"/>
+                <a:gd name="connsiteX3" fmla="*/ 535087 w 570746"/>
+                <a:gd name="connsiteY3" fmla="*/ 702645 h 702645"/>
+                <a:gd name="connsiteX0" fmla="*/ 53824 w 575283"/>
+                <a:gd name="connsiteY0" fmla="*/ 0 h 702645"/>
+                <a:gd name="connsiteX1" fmla="*/ 44199 w 575283"/>
+                <a:gd name="connsiteY1" fmla="*/ 365760 h 702645"/>
+                <a:gd name="connsiteX2" fmla="*/ 535087 w 575283"/>
+                <a:gd name="connsiteY2" fmla="*/ 365760 h 702645"/>
+                <a:gd name="connsiteX3" fmla="*/ 535087 w 575283"/>
+                <a:gd name="connsiteY3" fmla="*/ 702645 h 702645"/>
+                <a:gd name="connsiteX0" fmla="*/ 38936 w 560395"/>
+                <a:gd name="connsiteY0" fmla="*/ 0 h 702645"/>
+                <a:gd name="connsiteX1" fmla="*/ 29311 w 560395"/>
+                <a:gd name="connsiteY1" fmla="*/ 365760 h 702645"/>
+                <a:gd name="connsiteX2" fmla="*/ 520199 w 560395"/>
+                <a:gd name="connsiteY2" fmla="*/ 365760 h 702645"/>
+                <a:gd name="connsiteX3" fmla="*/ 520199 w 560395"/>
+                <a:gd name="connsiteY3" fmla="*/ 702645 h 702645"/>
+                <a:gd name="connsiteX0" fmla="*/ 38936 w 562962"/>
+                <a:gd name="connsiteY0" fmla="*/ 0 h 702645"/>
+                <a:gd name="connsiteX1" fmla="*/ 29311 w 562962"/>
+                <a:gd name="connsiteY1" fmla="*/ 365760 h 702645"/>
+                <a:gd name="connsiteX2" fmla="*/ 520199 w 562962"/>
+                <a:gd name="connsiteY2" fmla="*/ 365760 h 702645"/>
+                <a:gd name="connsiteX3" fmla="*/ 520199 w 562962"/>
+                <a:gd name="connsiteY3" fmla="*/ 702645 h 702645"/>
+                <a:gd name="connsiteX0" fmla="*/ 38936 w 562962"/>
+                <a:gd name="connsiteY0" fmla="*/ 0 h 654518"/>
+                <a:gd name="connsiteX1" fmla="*/ 29311 w 562962"/>
+                <a:gd name="connsiteY1" fmla="*/ 317633 h 654518"/>
+                <a:gd name="connsiteX2" fmla="*/ 520199 w 562962"/>
+                <a:gd name="connsiteY2" fmla="*/ 317633 h 654518"/>
+                <a:gd name="connsiteX3" fmla="*/ 520199 w 562962"/>
+                <a:gd name="connsiteY3" fmla="*/ 654518 h 654518"/>
+              </a:gdLst>
+              <a:ahLst/>
+              <a:cxnLst>
+                <a:cxn ang="0">
+                  <a:pos x="connsiteX0" y="connsiteY0"/>
+                </a:cxn>
+                <a:cxn ang="0">
+                  <a:pos x="connsiteX1" y="connsiteY1"/>
+                </a:cxn>
+                <a:cxn ang="0">
+                  <a:pos x="connsiteX2" y="connsiteY2"/>
+                </a:cxn>
+                <a:cxn ang="0">
+                  <a:pos x="connsiteX3" y="connsiteY3"/>
+                </a:cxn>
+              </a:cxnLst>
+              <a:rect l="l" t="t" r="r" b="b"/>
+              <a:pathLst>
+                <a:path w="562962" h="654518">
+                  <a:moveTo>
+                    <a:pt x="38936" y="0"/>
+                  </a:moveTo>
+                  <a:cubicBezTo>
+                    <a:pt x="61395" y="171651"/>
+                    <a:pt x="-50900" y="264694"/>
+                    <a:pt x="29311" y="317633"/>
+                  </a:cubicBezTo>
+                  <a:cubicBezTo>
+                    <a:pt x="109522" y="370572"/>
+                    <a:pt x="438384" y="261486"/>
+                    <a:pt x="520199" y="317633"/>
+                  </a:cubicBezTo>
+                  <a:cubicBezTo>
+                    <a:pt x="602014" y="373781"/>
+                    <a:pt x="545866" y="439554"/>
+                    <a:pt x="520199" y="654518"/>
+                  </a:cubicBezTo>
+                </a:path>
+              </a:pathLst>
+            </a:custGeom>
+            <a:noFill/>
+            <a:ln w="25400">
+              <a:solidFill>
+                <a:schemeClr val="tx1"/>
+              </a:solidFill>
+              <a:tailEnd type="triangle"/>
+            </a:ln>
+          </p:spPr>
+          <p:style>
+            <a:lnRef idx="2">
+              <a:schemeClr val="accent1">
+                <a:shade val="50000"/>
+              </a:schemeClr>
+            </a:lnRef>
+            <a:fillRef idx="1">
+              <a:schemeClr val="accent1"/>
+            </a:fillRef>
+            <a:effectRef idx="0">
+              <a:schemeClr val="accent1"/>
+            </a:effectRef>
+            <a:fontRef idx="minor">
+              <a:schemeClr val="lt1"/>
+            </a:fontRef>
+          </p:style>
+          <p:txBody>
+            <a:bodyPr rtlCol="0" anchor="ctr"/>
+            <a:lstStyle/>
+            <a:p>
+              <a:pPr algn="ctr"/>
+              <a:endParaRPr lang="en-US"/>
+            </a:p>
+          </p:txBody>
+        </p:sp>
+        <p:sp>
+          <p:nvSpPr>
+            <p:cNvPr id="24" name="Rectangle 23"/>
+            <p:cNvSpPr/>
+            <p:nvPr/>
+          </p:nvSpPr>
+          <p:spPr>
+            <a:xfrm>
+              <a:off x="9561687" y="2911369"/>
+              <a:ext cx="395129" cy="339409"/>
+            </a:xfrm>
+            <a:prstGeom prst="rect">
+              <a:avLst/>
+            </a:prstGeom>
+          </p:spPr>
+          <p:style>
+            <a:lnRef idx="1">
+              <a:schemeClr val="accent4"/>
+            </a:lnRef>
+            <a:fillRef idx="3">
+              <a:schemeClr val="accent4"/>
+            </a:fillRef>
+            <a:effectRef idx="2">
+              <a:schemeClr val="accent4"/>
+            </a:effectRef>
+            <a:fontRef idx="minor">
+              <a:schemeClr val="lt1"/>
+            </a:fontRef>
+          </p:style>
+          <p:txBody>
+            <a:bodyPr rtlCol="0" anchor="ctr"/>
+            <a:lstStyle/>
+            <a:p>
+              <a:pPr algn="ctr"/>
+              <a:endParaRPr lang="en-US"/>
+            </a:p>
+          </p:txBody>
+        </p:sp>
+        <p:sp>
+          <p:nvSpPr>
+            <p:cNvPr id="25" name="Rectangle 24"/>
+            <p:cNvSpPr/>
+            <p:nvPr/>
+          </p:nvSpPr>
+          <p:spPr>
+            <a:xfrm>
+              <a:off x="9561687" y="3420483"/>
+              <a:ext cx="395129" cy="339409"/>
+            </a:xfrm>
+            <a:prstGeom prst="rect">
+              <a:avLst/>
+            </a:prstGeom>
+          </p:spPr>
+          <p:style>
+            <a:lnRef idx="1">
+              <a:schemeClr val="accent4"/>
+            </a:lnRef>
+            <a:fillRef idx="3">
+              <a:schemeClr val="accent4"/>
+            </a:fillRef>
+            <a:effectRef idx="2">
+              <a:schemeClr val="accent4"/>
+            </a:effectRef>
+            <a:fontRef idx="minor">
+              <a:schemeClr val="lt1"/>
+            </a:fontRef>
+          </p:style>
+          <p:txBody>
+            <a:bodyPr rtlCol="0" anchor="ctr"/>
+            <a:lstStyle/>
+            <a:p>
+              <a:pPr algn="ctr"/>
+              <a:endParaRPr lang="en-US"/>
+            </a:p>
+          </p:txBody>
+        </p:sp>
+        <p:sp>
+          <p:nvSpPr>
+            <p:cNvPr id="26" name="Rectangle 25"/>
+            <p:cNvSpPr/>
+            <p:nvPr/>
+          </p:nvSpPr>
+          <p:spPr>
+            <a:xfrm>
+              <a:off x="9561687" y="3932069"/>
+              <a:ext cx="395129" cy="339409"/>
+            </a:xfrm>
+            <a:prstGeom prst="rect">
+              <a:avLst/>
+            </a:prstGeom>
+          </p:spPr>
+          <p:style>
+            <a:lnRef idx="1">
+              <a:schemeClr val="accent4"/>
+            </a:lnRef>
+            <a:fillRef idx="3">
+              <a:schemeClr val="accent4"/>
+            </a:fillRef>
+            <a:effectRef idx="2">
+              <a:schemeClr val="accent4"/>
+            </a:effectRef>
+            <a:fontRef idx="minor">
+              <a:schemeClr val="lt1"/>
+            </a:fontRef>
+          </p:style>
+          <p:txBody>
+            <a:bodyPr rtlCol="0" anchor="ctr"/>
+            <a:lstStyle/>
+            <a:p>
+              <a:pPr algn="ctr"/>
+              <a:endParaRPr lang="en-US"/>
+            </a:p>
+          </p:txBody>
+        </p:sp>
+        <p:cxnSp>
+          <p:nvCxnSpPr>
+            <p:cNvPr id="27" name="Straight Arrow Connector 26"/>
+            <p:cNvCxnSpPr>
+              <a:stCxn id="24" idx="2"/>
+              <a:endCxn id="25" idx="0"/>
+            </p:cNvCxnSpPr>
+            <p:nvPr/>
+          </p:nvCxnSpPr>
+          <p:spPr>
+            <a:xfrm>
+              <a:off x="9759252" y="3250778"/>
+              <a:ext cx="0" cy="169705"/>
+            </a:xfrm>
+            <a:prstGeom prst="straightConnector1">
+              <a:avLst/>
+            </a:prstGeom>
+            <a:ln w="25400">
+              <a:solidFill>
+                <a:schemeClr val="tx2"/>
+              </a:solidFill>
+              <a:tailEnd type="triangle"/>
+            </a:ln>
+          </p:spPr>
+          <p:style>
+            <a:lnRef idx="1">
+              <a:schemeClr val="accent1"/>
+            </a:lnRef>
+            <a:fillRef idx="0">
+              <a:schemeClr val="accent1"/>
+            </a:fillRef>
+            <a:effectRef idx="0">
+              <a:schemeClr val="accent1"/>
+            </a:effectRef>
+            <a:fontRef idx="minor">
+              <a:schemeClr val="tx1"/>
+            </a:fontRef>
+          </p:style>
+        </p:cxnSp>
+        <p:cxnSp>
+          <p:nvCxnSpPr>
+            <p:cNvPr id="28" name="Straight Arrow Connector 27"/>
+            <p:cNvCxnSpPr>
+              <a:stCxn id="25" idx="2"/>
+              <a:endCxn id="26" idx="0"/>
+            </p:cNvCxnSpPr>
+            <p:nvPr/>
+          </p:nvCxnSpPr>
+          <p:spPr>
+            <a:xfrm>
+              <a:off x="9759252" y="3759892"/>
+              <a:ext cx="0" cy="172177"/>
+            </a:xfrm>
+            <a:prstGeom prst="straightConnector1">
+              <a:avLst/>
+            </a:prstGeom>
+            <a:ln w="25400">
+              <a:solidFill>
+                <a:schemeClr val="tx2"/>
+              </a:solidFill>
+              <a:tailEnd type="triangle"/>
+            </a:ln>
+          </p:spPr>
+          <p:style>
+            <a:lnRef idx="1">
+              <a:schemeClr val="accent1"/>
+            </a:lnRef>
+            <a:fillRef idx="0">
+              <a:schemeClr val="accent1"/>
+            </a:fillRef>
+            <a:effectRef idx="0">
+              <a:schemeClr val="accent1"/>
+            </a:effectRef>
+            <a:fontRef idx="minor">
+              <a:schemeClr val="tx1"/>
+            </a:fontRef>
+          </p:style>
+        </p:cxnSp>
+        <p:sp>
+          <p:nvSpPr>
+            <p:cNvPr id="29" name="Rectangle 28"/>
+            <p:cNvSpPr/>
+            <p:nvPr/>
+          </p:nvSpPr>
+          <p:spPr>
+            <a:xfrm>
+              <a:off x="9561687" y="4443655"/>
+              <a:ext cx="395129" cy="339409"/>
+            </a:xfrm>
+            <a:prstGeom prst="rect">
+              <a:avLst/>
+            </a:prstGeom>
+          </p:spPr>
+          <p:style>
+            <a:lnRef idx="1">
+              <a:schemeClr val="accent4"/>
+            </a:lnRef>
+            <a:fillRef idx="3">
+              <a:schemeClr val="accent4"/>
+            </a:fillRef>
+            <a:effectRef idx="2">
+              <a:schemeClr val="accent4"/>
+            </a:effectRef>
+            <a:fontRef idx="minor">
+              <a:schemeClr val="lt1"/>
+            </a:fontRef>
+          </p:style>
+          <p:txBody>
+            <a:bodyPr rtlCol="0" anchor="ctr"/>
+            <a:lstStyle/>
+            <a:p>
+              <a:pPr algn="ctr"/>
+              <a:endParaRPr lang="en-US"/>
+            </a:p>
+          </p:txBody>
+        </p:sp>
+        <p:cxnSp>
+          <p:nvCxnSpPr>
+            <p:cNvPr id="30" name="Straight Arrow Connector 29"/>
+            <p:cNvCxnSpPr>
+              <a:endCxn id="29" idx="0"/>
+            </p:cNvCxnSpPr>
+            <p:nvPr/>
+          </p:nvCxnSpPr>
+          <p:spPr>
+            <a:xfrm>
+              <a:off x="9759252" y="4271478"/>
+              <a:ext cx="0" cy="172177"/>
+            </a:xfrm>
+            <a:prstGeom prst="straightConnector1">
+              <a:avLst/>
+            </a:prstGeom>
+            <a:ln w="25400">
+              <a:solidFill>
+                <a:schemeClr val="tx2"/>
+              </a:solidFill>
+              <a:tailEnd type="triangle"/>
+            </a:ln>
+          </p:spPr>
+          <p:style>
+            <a:lnRef idx="1">
+              <a:schemeClr val="accent1"/>
+            </a:lnRef>
+            <a:fillRef idx="0">
+              <a:schemeClr val="accent1"/>
+            </a:fillRef>
+            <a:effectRef idx="0">
+              <a:schemeClr val="accent1"/>
+            </a:effectRef>
+            <a:fontRef idx="minor">
+              <a:schemeClr val="tx1"/>
+            </a:fontRef>
+          </p:style>
+        </p:cxnSp>
+        <p:sp>
+          <p:nvSpPr>
+            <p:cNvPr id="31" name="Rectangle 30"/>
+            <p:cNvSpPr/>
+            <p:nvPr/>
+          </p:nvSpPr>
+          <p:spPr>
+            <a:xfrm>
+              <a:off x="9195926" y="4996764"/>
+              <a:ext cx="395129" cy="339409"/>
+            </a:xfrm>
+            <a:prstGeom prst="rect">
+              <a:avLst/>
+            </a:prstGeom>
+          </p:spPr>
+          <p:style>
+            <a:lnRef idx="1">
+              <a:schemeClr val="accent4"/>
+            </a:lnRef>
+            <a:fillRef idx="3">
+              <a:schemeClr val="accent4"/>
+            </a:fillRef>
+            <a:effectRef idx="2">
+              <a:schemeClr val="accent4"/>
+            </a:effectRef>
+            <a:fontRef idx="minor">
+              <a:schemeClr val="lt1"/>
+            </a:fontRef>
+          </p:style>
+          <p:txBody>
+            <a:bodyPr rtlCol="0" anchor="ctr"/>
+            <a:lstStyle/>
+            <a:p>
+              <a:pPr algn="ctr"/>
+              <a:endParaRPr lang="en-US"/>
+            </a:p>
+          </p:txBody>
+        </p:sp>
+        <p:sp>
+          <p:nvSpPr>
+            <p:cNvPr id="33" name="TextBox 32"/>
+            <p:cNvSpPr txBox="1"/>
+            <p:nvPr/>
+          </p:nvSpPr>
+          <p:spPr>
+            <a:xfrm>
+              <a:off x="9956816" y="2944865"/>
+              <a:ext cx="951835" cy="276999"/>
+            </a:xfrm>
+            <a:prstGeom prst="rect">
+              <a:avLst/>
+            </a:prstGeom>
+            <a:noFill/>
+          </p:spPr>
+          <p:txBody>
+            <a:bodyPr wrap="square" rtlCol="0">
+              <a:noAutofit/>
+            </a:bodyPr>
+            <a:lstStyle/>
+            <a:p>
+              <a:r>
+                <a:rPr lang="en-US" sz="1200" dirty="0" err="1" smtClean="0"/>
+                <a:t>sim</a:t>
+              </a:r>
+              <a:r>
+                <a:rPr lang="en-US" sz="1200" dirty="0" smtClean="0"/>
+                <a:t>. reader</a:t>
+              </a:r>
+              <a:endParaRPr lang="en-US" sz="1200" dirty="0"/>
+            </a:p>
+          </p:txBody>
+        </p:sp>
+        <p:sp>
+          <p:nvSpPr>
+            <p:cNvPr id="34" name="TextBox 33"/>
+            <p:cNvSpPr txBox="1"/>
+            <p:nvPr/>
+          </p:nvSpPr>
+          <p:spPr>
+            <a:xfrm>
+              <a:off x="9956815" y="3454402"/>
+              <a:ext cx="782885" cy="276999"/>
+            </a:xfrm>
+            <a:prstGeom prst="rect">
+              <a:avLst/>
+            </a:prstGeom>
+            <a:noFill/>
+          </p:spPr>
+          <p:txBody>
+            <a:bodyPr wrap="none" rtlCol="0">
+              <a:normAutofit/>
+            </a:bodyPr>
+            <a:lstStyle/>
+            <a:p>
+              <a:r>
+                <a:rPr lang="en-US" sz="1200" dirty="0" smtClean="0"/>
+                <a:t>time </a:t>
+              </a:r>
+              <a:r>
+                <a:rPr lang="en-US" sz="1200" dirty="0" err="1" smtClean="0"/>
+                <a:t>avg</a:t>
+              </a:r>
+              <a:endParaRPr lang="en-US" sz="1200" dirty="0"/>
+            </a:p>
+          </p:txBody>
+        </p:sp>
+        <p:sp>
+          <p:nvSpPr>
+            <p:cNvPr id="35" name="TextBox 34"/>
+            <p:cNvSpPr txBox="1"/>
+            <p:nvPr/>
+          </p:nvSpPr>
+          <p:spPr>
+            <a:xfrm>
+              <a:off x="9956814" y="3969535"/>
+              <a:ext cx="782885" cy="276999"/>
+            </a:xfrm>
+            <a:prstGeom prst="rect">
+              <a:avLst/>
+            </a:prstGeom>
+            <a:noFill/>
+          </p:spPr>
+          <p:txBody>
+            <a:bodyPr wrap="none" rtlCol="0">
+              <a:normAutofit/>
+            </a:bodyPr>
+            <a:lstStyle/>
+            <a:p>
+              <a:r>
+                <a:rPr lang="en-US" sz="1200" dirty="0" smtClean="0"/>
+                <a:t>parallel comp/detect</a:t>
+              </a:r>
+              <a:endParaRPr lang="en-US" sz="1200" dirty="0"/>
+            </a:p>
+          </p:txBody>
+        </p:sp>
+        <p:sp>
+          <p:nvSpPr>
+            <p:cNvPr id="36" name="TextBox 35"/>
+            <p:cNvSpPr txBox="1"/>
+            <p:nvPr/>
+          </p:nvSpPr>
+          <p:spPr>
+            <a:xfrm>
+              <a:off x="9956813" y="4460234"/>
+              <a:ext cx="782885" cy="276999"/>
+            </a:xfrm>
+            <a:prstGeom prst="rect">
+              <a:avLst/>
+            </a:prstGeom>
+            <a:noFill/>
+          </p:spPr>
+          <p:txBody>
+            <a:bodyPr wrap="none" rtlCol="0">
+              <a:normAutofit/>
+            </a:bodyPr>
+            <a:lstStyle/>
+            <a:p>
+              <a:r>
+                <a:rPr lang="en-US" sz="1200" dirty="0" smtClean="0"/>
+                <a:t>reduce/stitch</a:t>
+              </a:r>
+              <a:endParaRPr lang="en-US" sz="1200" dirty="0"/>
+            </a:p>
+          </p:txBody>
+        </p:sp>
+        <p:sp>
+          <p:nvSpPr>
+            <p:cNvPr id="37" name="TextBox 36"/>
+            <p:cNvSpPr txBox="1"/>
+            <p:nvPr/>
+          </p:nvSpPr>
+          <p:spPr>
+            <a:xfrm>
+              <a:off x="9591051" y="5027968"/>
+              <a:ext cx="782885" cy="276999"/>
+            </a:xfrm>
+            <a:prstGeom prst="rect">
+              <a:avLst/>
+            </a:prstGeom>
+            <a:noFill/>
+          </p:spPr>
+          <p:txBody>
+            <a:bodyPr wrap="none" rtlCol="0">
+              <a:normAutofit/>
+            </a:bodyPr>
+            <a:lstStyle/>
+            <a:p>
+              <a:r>
+                <a:rPr lang="en-US" sz="1200" dirty="0" smtClean="0"/>
+                <a:t>serial comp/stats</a:t>
+              </a:r>
+              <a:endParaRPr lang="en-US" sz="1200" dirty="0"/>
+            </a:p>
+          </p:txBody>
+        </p:sp>
+        <p:sp>
+          <p:nvSpPr>
+            <p:cNvPr id="38" name="Rectangle 37"/>
+            <p:cNvSpPr/>
+            <p:nvPr/>
+          </p:nvSpPr>
+          <p:spPr>
+            <a:xfrm>
+              <a:off x="9195922" y="5507505"/>
+              <a:ext cx="395129" cy="339409"/>
+            </a:xfrm>
+            <a:prstGeom prst="rect">
+              <a:avLst/>
+            </a:prstGeom>
+          </p:spPr>
+          <p:style>
+            <a:lnRef idx="1">
+              <a:schemeClr val="accent4"/>
+            </a:lnRef>
+            <a:fillRef idx="3">
+              <a:schemeClr val="accent4"/>
+            </a:fillRef>
+            <a:effectRef idx="2">
+              <a:schemeClr val="accent4"/>
+            </a:effectRef>
+            <a:fontRef idx="minor">
+              <a:schemeClr val="lt1"/>
+            </a:fontRef>
+          </p:style>
+          <p:txBody>
+            <a:bodyPr rtlCol="0" anchor="ctr"/>
+            <a:lstStyle/>
+            <a:p>
+              <a:pPr algn="ctr"/>
+              <a:endParaRPr lang="en-US"/>
+            </a:p>
+          </p:txBody>
+        </p:sp>
+        <p:cxnSp>
+          <p:nvCxnSpPr>
+            <p:cNvPr id="39" name="Straight Arrow Connector 38"/>
+            <p:cNvCxnSpPr>
+              <a:endCxn id="38" idx="0"/>
+            </p:cNvCxnSpPr>
+            <p:nvPr/>
+          </p:nvCxnSpPr>
+          <p:spPr>
+            <a:xfrm>
+              <a:off x="9393487" y="5335328"/>
+              <a:ext cx="0" cy="172177"/>
+            </a:xfrm>
+            <a:prstGeom prst="straightConnector1">
+              <a:avLst/>
+            </a:prstGeom>
+            <a:ln w="25400">
+              <a:solidFill>
+                <a:schemeClr val="tx2"/>
+              </a:solidFill>
+              <a:tailEnd type="triangle"/>
+            </a:ln>
+          </p:spPr>
+          <p:style>
+            <a:lnRef idx="1">
+              <a:schemeClr val="accent1"/>
+            </a:lnRef>
+            <a:fillRef idx="0">
+              <a:schemeClr val="accent1"/>
+            </a:fillRef>
+            <a:effectRef idx="0">
+              <a:schemeClr val="accent1"/>
+            </a:effectRef>
+            <a:fontRef idx="minor">
+              <a:schemeClr val="tx1"/>
+            </a:fontRef>
+          </p:style>
+        </p:cxnSp>
+        <p:sp>
+          <p:nvSpPr>
+            <p:cNvPr id="40" name="TextBox 39"/>
+            <p:cNvSpPr txBox="1"/>
+            <p:nvPr/>
+          </p:nvSpPr>
+          <p:spPr>
+            <a:xfrm>
+              <a:off x="9591047" y="5538709"/>
+              <a:ext cx="782885" cy="276999"/>
+            </a:xfrm>
+            <a:prstGeom prst="rect">
+              <a:avLst/>
+            </a:prstGeom>
+            <a:noFill/>
+          </p:spPr>
+          <p:txBody>
+            <a:bodyPr wrap="none" rtlCol="0">
+              <a:normAutofit/>
+            </a:bodyPr>
+            <a:lstStyle/>
+            <a:p>
+              <a:r>
+                <a:rPr lang="en-US" sz="1200" dirty="0" smtClean="0"/>
+                <a:t>writer</a:t>
+              </a:r>
+              <a:endParaRPr lang="en-US" sz="1200" dirty="0"/>
+            </a:p>
+          </p:txBody>
+        </p:sp>
+        <p:grpSp>
+          <p:nvGrpSpPr>
+            <p:cNvPr id="8" name="Group 7"/>
+            <p:cNvGrpSpPr/>
+            <p:nvPr/>
+          </p:nvGrpSpPr>
+          <p:grpSpPr>
+            <a:xfrm>
+              <a:off x="7966734" y="3420483"/>
+              <a:ext cx="1193538" cy="512629"/>
+              <a:chOff x="8072145" y="2904339"/>
+              <a:chExt cx="1193538" cy="512629"/>
+            </a:xfrm>
+          </p:grpSpPr>
+          <p:sp>
+            <p:nvSpPr>
+              <p:cNvPr id="45" name="Rectangle 44"/>
+              <p:cNvSpPr/>
+              <p:nvPr/>
+            </p:nvSpPr>
+            <p:spPr>
+              <a:xfrm>
+                <a:off x="8870554" y="2904339"/>
+                <a:ext cx="395129" cy="339409"/>
+              </a:xfrm>
+              <a:prstGeom prst="rect">
+                <a:avLst/>
+              </a:prstGeom>
+            </p:spPr>
+            <p:style>
+              <a:lnRef idx="1">
+                <a:schemeClr val="accent4"/>
+              </a:lnRef>
+              <a:fillRef idx="3">
+                <a:schemeClr val="accent4"/>
+              </a:fillRef>
+              <a:effectRef idx="2">
+                <a:schemeClr val="accent4"/>
+              </a:effectRef>
+              <a:fontRef idx="minor">
+                <a:schemeClr val="lt1"/>
+              </a:fontRef>
+            </p:style>
+            <p:txBody>
+              <a:bodyPr rtlCol="0" anchor="ctr"/>
+              <a:lstStyle/>
+              <a:p>
+                <a:pPr algn="ctr"/>
+                <a:endParaRPr lang="en-US"/>
+              </a:p>
+            </p:txBody>
+          </p:sp>
+          <p:cxnSp>
+            <p:nvCxnSpPr>
+              <p:cNvPr id="46" name="Straight Arrow Connector 45"/>
+              <p:cNvCxnSpPr/>
+              <p:nvPr/>
+            </p:nvCxnSpPr>
+            <p:spPr>
+              <a:xfrm>
+                <a:off x="9068119" y="3244791"/>
+                <a:ext cx="0" cy="172177"/>
+              </a:xfrm>
+              <a:prstGeom prst="straightConnector1">
+                <a:avLst/>
+              </a:prstGeom>
+              <a:ln w="25400">
+                <a:solidFill>
+                  <a:schemeClr val="tx2"/>
+                </a:solidFill>
+                <a:tailEnd type="triangle"/>
+              </a:ln>
+            </p:spPr>
+            <p:style>
+              <a:lnRef idx="1">
+                <a:schemeClr val="accent1"/>
+              </a:lnRef>
+              <a:fillRef idx="0">
+                <a:schemeClr val="accent1"/>
+              </a:fillRef>
+              <a:effectRef idx="0">
+                <a:schemeClr val="accent1"/>
+              </a:effectRef>
+              <a:fontRef idx="minor">
+                <a:schemeClr val="tx1"/>
+              </a:fontRef>
+            </p:style>
+          </p:cxnSp>
+          <p:sp>
+            <p:nvSpPr>
+              <p:cNvPr id="47" name="TextBox 46"/>
+              <p:cNvSpPr txBox="1"/>
+              <p:nvPr/>
+            </p:nvSpPr>
+            <p:spPr>
+              <a:xfrm>
+                <a:off x="8072145" y="2920918"/>
+                <a:ext cx="782885" cy="276999"/>
+              </a:xfrm>
+              <a:prstGeom prst="rect">
+                <a:avLst/>
+              </a:prstGeom>
+              <a:noFill/>
+            </p:spPr>
+            <p:txBody>
+              <a:bodyPr wrap="none" rtlCol="0">
+                <a:normAutofit/>
+              </a:bodyPr>
+              <a:lstStyle/>
+              <a:p>
+                <a:pPr algn="r"/>
+                <a:r>
+                  <a:rPr lang="en-US" sz="1200" dirty="0" smtClean="0"/>
+                  <a:t>sat reader</a:t>
+                </a:r>
+                <a:endParaRPr lang="en-US" sz="1200" dirty="0"/>
+              </a:p>
+            </p:txBody>
+          </p:sp>
+        </p:grpSp>
+        <p:grpSp>
+          <p:nvGrpSpPr>
+            <p:cNvPr id="48" name="Group 47"/>
+            <p:cNvGrpSpPr/>
+            <p:nvPr/>
+          </p:nvGrpSpPr>
+          <p:grpSpPr>
+            <a:xfrm>
+              <a:off x="7962317" y="3935584"/>
+              <a:ext cx="1193538" cy="512629"/>
+              <a:chOff x="8072145" y="2904339"/>
+              <a:chExt cx="1193538" cy="512629"/>
+            </a:xfrm>
+          </p:grpSpPr>
+          <p:sp>
+            <p:nvSpPr>
+              <p:cNvPr id="49" name="Rectangle 48"/>
+              <p:cNvSpPr/>
+              <p:nvPr/>
+            </p:nvSpPr>
+            <p:spPr>
+              <a:xfrm>
+                <a:off x="8870554" y="2904339"/>
+                <a:ext cx="395129" cy="339409"/>
+              </a:xfrm>
+              <a:prstGeom prst="rect">
+                <a:avLst/>
+              </a:prstGeom>
+            </p:spPr>
+            <p:style>
+              <a:lnRef idx="1">
+                <a:schemeClr val="accent4"/>
+              </a:lnRef>
+              <a:fillRef idx="3">
+                <a:schemeClr val="accent4"/>
+              </a:fillRef>
+              <a:effectRef idx="2">
+                <a:schemeClr val="accent4"/>
+              </a:effectRef>
+              <a:fontRef idx="minor">
+                <a:schemeClr val="lt1"/>
+              </a:fontRef>
+            </p:style>
+            <p:txBody>
+              <a:bodyPr rtlCol="0" anchor="ctr"/>
+              <a:lstStyle/>
+              <a:p>
+                <a:pPr algn="ctr"/>
+                <a:endParaRPr lang="en-US"/>
+              </a:p>
+            </p:txBody>
+          </p:sp>
+          <p:cxnSp>
+            <p:nvCxnSpPr>
+              <p:cNvPr id="50" name="Straight Arrow Connector 49"/>
+              <p:cNvCxnSpPr/>
+              <p:nvPr/>
+            </p:nvCxnSpPr>
+            <p:spPr>
+              <a:xfrm>
+                <a:off x="9068119" y="3244791"/>
+                <a:ext cx="0" cy="172177"/>
+              </a:xfrm>
+              <a:prstGeom prst="straightConnector1">
+                <a:avLst/>
+              </a:prstGeom>
+              <a:ln w="25400">
+                <a:solidFill>
+                  <a:schemeClr val="tx2"/>
+                </a:solidFill>
+                <a:tailEnd type="triangle"/>
+              </a:ln>
+            </p:spPr>
+            <p:style>
+              <a:lnRef idx="1">
+                <a:schemeClr val="accent1"/>
+              </a:lnRef>
+              <a:fillRef idx="0">
+                <a:schemeClr val="accent1"/>
+              </a:fillRef>
+              <a:effectRef idx="0">
+                <a:schemeClr val="accent1"/>
+              </a:effectRef>
+              <a:fontRef idx="minor">
+                <a:schemeClr val="tx1"/>
+              </a:fontRef>
+            </p:style>
+          </p:cxnSp>
+          <p:sp>
+            <p:nvSpPr>
+              <p:cNvPr id="51" name="TextBox 50"/>
+              <p:cNvSpPr txBox="1"/>
+              <p:nvPr/>
+            </p:nvSpPr>
+            <p:spPr>
+              <a:xfrm>
+                <a:off x="8072145" y="2920918"/>
+                <a:ext cx="782885" cy="276999"/>
+              </a:xfrm>
+              <a:prstGeom prst="rect">
+                <a:avLst/>
+              </a:prstGeom>
+              <a:noFill/>
+            </p:spPr>
+            <p:txBody>
+              <a:bodyPr wrap="none" rtlCol="0">
+                <a:normAutofit/>
+              </a:bodyPr>
+              <a:lstStyle/>
+              <a:p>
+                <a:pPr algn="r"/>
+                <a:r>
+                  <a:rPr lang="en-US" sz="1200" dirty="0" smtClean="0"/>
+                  <a:t>time </a:t>
+                </a:r>
+                <a:r>
+                  <a:rPr lang="en-US" sz="1200" dirty="0" err="1" smtClean="0"/>
+                  <a:t>avg</a:t>
+                </a:r>
+                <a:endParaRPr lang="en-US" sz="1200" dirty="0"/>
+              </a:p>
+            </p:txBody>
+          </p:sp>
+        </p:grpSp>
+        <p:sp>
+          <p:nvSpPr>
+            <p:cNvPr id="53" name="Rectangle 52"/>
+            <p:cNvSpPr/>
+            <p:nvPr/>
+          </p:nvSpPr>
+          <p:spPr>
+            <a:xfrm>
+              <a:off x="8760726" y="4441956"/>
+              <a:ext cx="395129" cy="339409"/>
+            </a:xfrm>
+            <a:prstGeom prst="rect">
+              <a:avLst/>
+            </a:prstGeom>
+          </p:spPr>
+          <p:style>
+            <a:lnRef idx="1">
+              <a:schemeClr val="accent4"/>
+            </a:lnRef>
+            <a:fillRef idx="3">
+              <a:schemeClr val="accent4"/>
+            </a:fillRef>
+            <a:effectRef idx="2">
+              <a:schemeClr val="accent4"/>
+            </a:effectRef>
+            <a:fontRef idx="minor">
+              <a:schemeClr val="lt1"/>
+            </a:fontRef>
+          </p:style>
+          <p:txBody>
+            <a:bodyPr rtlCol="0" anchor="ctr"/>
+            <a:lstStyle/>
+            <a:p>
+              <a:pPr algn="ctr"/>
+              <a:endParaRPr lang="en-US"/>
+            </a:p>
+          </p:txBody>
+        </p:sp>
+        <p:sp>
+          <p:nvSpPr>
+            <p:cNvPr id="55" name="TextBox 54"/>
+            <p:cNvSpPr txBox="1"/>
+            <p:nvPr/>
+          </p:nvSpPr>
+          <p:spPr>
+            <a:xfrm>
+              <a:off x="7962317" y="4458535"/>
+              <a:ext cx="782885" cy="276999"/>
+            </a:xfrm>
+            <a:prstGeom prst="rect">
+              <a:avLst/>
+            </a:prstGeom>
+            <a:noFill/>
+          </p:spPr>
+          <p:txBody>
+            <a:bodyPr wrap="none" rtlCol="0">
+              <a:normAutofit/>
+            </a:bodyPr>
+            <a:lstStyle/>
+            <a:p>
+              <a:pPr algn="r"/>
+              <a:r>
+                <a:rPr lang="en-US" sz="1200" dirty="0" err="1" smtClean="0"/>
+                <a:t>remesh</a:t>
+              </a:r>
+              <a:endParaRPr lang="en-US" sz="1200" dirty="0"/>
             </a:p>
           </p:txBody>
         </p:sp>
@@ -4362,7 +6031,7 @@
     </p:spTree>
     <p:extLst>
       <p:ext uri="{BB962C8B-B14F-4D97-AF65-F5344CB8AC3E}">
-        <p14:creationId xmlns:p14="http://schemas.microsoft.com/office/powerpoint/2010/main" val="2517399757"/>
+        <p14:creationId xmlns:p14="http://schemas.microsoft.com/office/powerpoint/2010/main" val="3490304914"/>
       </p:ext>
     </p:extLst>
   </p:cSld>
@@ -4413,7 +6082,7 @@
           <a:p>
             <a:r>
               <a:rPr lang="en-US" dirty="0" smtClean="0"/>
-              <a:t>TECA Meta data</a:t>
+              <a:t>3 Phases of Execution</a:t>
             </a:r>
             <a:endParaRPr lang="en-US" dirty="0"/>
           </a:p>
@@ -4429,28 +6098,96 @@
             <p:ph idx="1"/>
           </p:nvPr>
         </p:nvSpPr>
-        <p:spPr/>
+        <p:spPr>
+          <a:xfrm>
+            <a:off x="1143001" y="1965960"/>
+            <a:ext cx="7192478" cy="4492592"/>
+          </a:xfrm>
+        </p:spPr>
         <p:txBody>
-          <a:bodyPr/>
+          <a:bodyPr>
+            <a:normAutofit fontScale="92500" lnSpcReduction="10000"/>
+          </a:bodyPr>
           <a:lstStyle/>
           <a:p>
             <a:r>
+              <a:rPr lang="en-US" dirty="0" smtClean="0">
+                <a:solidFill>
+                  <a:srgbClr val="0070C0"/>
+                </a:solidFill>
+              </a:rPr>
+              <a:t>Report</a:t>
+            </a:r>
+          </a:p>
+          <a:p>
+            <a:pPr lvl="1"/>
+            <a:r>
               <a:rPr lang="en-US" dirty="0" smtClean="0"/>
-              <a:t>All information both downstream reporting of data and upstream requests for data are made through </a:t>
+              <a:t>The first end to end pipeline pass algorithms are asked to report any new data that they can produce. For some this will be a no-op, passing through what’s on their inputs.</a:t>
+            </a:r>
+          </a:p>
+          <a:p>
+            <a:r>
+              <a:rPr lang="en-US" dirty="0" smtClean="0">
+                <a:solidFill>
+                  <a:srgbClr val="00B050"/>
+                </a:solidFill>
+              </a:rPr>
+              <a:t>Request</a:t>
+            </a:r>
+          </a:p>
+          <a:p>
+            <a:pPr lvl="1"/>
+            <a:r>
+              <a:rPr lang="en-US" dirty="0" smtClean="0"/>
+              <a:t>For each request made of it an algorithms generates requests that are sent upstream to produce the data it needs. </a:t>
+            </a:r>
+          </a:p>
+          <a:p>
+            <a:pPr lvl="1"/>
+            <a:r>
+              <a:rPr lang="en-US" dirty="0" smtClean="0"/>
+              <a:t>Requests are mapped round-</a:t>
             </a:r>
             <a:r>
               <a:rPr lang="en-US" dirty="0" err="1" smtClean="0"/>
-              <a:t>teca_meta_data</a:t>
+              <a:t>robbin</a:t>
             </a:r>
             <a:r>
               <a:rPr lang="en-US" dirty="0" smtClean="0"/>
-              <a:t> objects</a:t>
-            </a:r>
-          </a:p>
-          <a:p>
+              <a:t> to input connections. </a:t>
+            </a:r>
+            <a:r>
+              <a:rPr lang="en-US" dirty="0" err="1" smtClean="0"/>
+              <a:t>ie</a:t>
+            </a:r>
             <a:r>
               <a:rPr lang="en-US" dirty="0" smtClean="0"/>
-              <a:t>Dictionary of name value pairs</a:t>
+              <a:t>. Multiple requests can be made from multiple input connections.</a:t>
+            </a:r>
+          </a:p>
+          <a:p>
+            <a:pPr lvl="1"/>
+            <a:r>
+              <a:rPr lang="en-US" dirty="0" smtClean="0"/>
+              <a:t>The resulting datasets are available during the execute phase</a:t>
+            </a:r>
+          </a:p>
+          <a:p>
+            <a:r>
+              <a:rPr lang="en-US" dirty="0" smtClean="0">
+                <a:solidFill>
+                  <a:srgbClr val="C00000"/>
+                </a:solidFill>
+              </a:rPr>
+              <a:t>Execute</a:t>
+            </a:r>
+          </a:p>
+          <a:p>
+            <a:pPr lvl="1"/>
+            <a:r>
+              <a:rPr lang="en-US" dirty="0" smtClean="0"/>
+              <a:t>The algorithm is passed the datasets produced by its upstream requests and the request made of it and is required to generate the dataset to fulfil this request.</a:t>
             </a:r>
           </a:p>
           <a:p>
@@ -4458,10 +6195,1987 @@
           </a:p>
         </p:txBody>
       </p:sp>
+      <p:sp>
+        <p:nvSpPr>
+          <p:cNvPr id="18" name="Freeform 17"/>
+          <p:cNvSpPr/>
+          <p:nvPr/>
+        </p:nvSpPr>
+        <p:spPr>
+          <a:xfrm>
+            <a:off x="9331452" y="4568648"/>
+            <a:ext cx="349873" cy="261228"/>
+          </a:xfrm>
+          <a:custGeom>
+            <a:avLst/>
+            <a:gdLst>
+              <a:gd name="connsiteX0" fmla="*/ 53824 w 570746"/>
+              <a:gd name="connsiteY0" fmla="*/ 0 h 702645"/>
+              <a:gd name="connsiteX1" fmla="*/ 44199 w 570746"/>
+              <a:gd name="connsiteY1" fmla="*/ 365760 h 702645"/>
+              <a:gd name="connsiteX2" fmla="*/ 535087 w 570746"/>
+              <a:gd name="connsiteY2" fmla="*/ 365760 h 702645"/>
+              <a:gd name="connsiteX3" fmla="*/ 535087 w 570746"/>
+              <a:gd name="connsiteY3" fmla="*/ 702645 h 702645"/>
+              <a:gd name="connsiteX0" fmla="*/ 53824 w 575283"/>
+              <a:gd name="connsiteY0" fmla="*/ 0 h 702645"/>
+              <a:gd name="connsiteX1" fmla="*/ 44199 w 575283"/>
+              <a:gd name="connsiteY1" fmla="*/ 365760 h 702645"/>
+              <a:gd name="connsiteX2" fmla="*/ 535087 w 575283"/>
+              <a:gd name="connsiteY2" fmla="*/ 365760 h 702645"/>
+              <a:gd name="connsiteX3" fmla="*/ 535087 w 575283"/>
+              <a:gd name="connsiteY3" fmla="*/ 702645 h 702645"/>
+              <a:gd name="connsiteX0" fmla="*/ 38936 w 560395"/>
+              <a:gd name="connsiteY0" fmla="*/ 0 h 702645"/>
+              <a:gd name="connsiteX1" fmla="*/ 29311 w 560395"/>
+              <a:gd name="connsiteY1" fmla="*/ 365760 h 702645"/>
+              <a:gd name="connsiteX2" fmla="*/ 520199 w 560395"/>
+              <a:gd name="connsiteY2" fmla="*/ 365760 h 702645"/>
+              <a:gd name="connsiteX3" fmla="*/ 520199 w 560395"/>
+              <a:gd name="connsiteY3" fmla="*/ 702645 h 702645"/>
+              <a:gd name="connsiteX0" fmla="*/ 38936 w 562962"/>
+              <a:gd name="connsiteY0" fmla="*/ 0 h 702645"/>
+              <a:gd name="connsiteX1" fmla="*/ 29311 w 562962"/>
+              <a:gd name="connsiteY1" fmla="*/ 365760 h 702645"/>
+              <a:gd name="connsiteX2" fmla="*/ 520199 w 562962"/>
+              <a:gd name="connsiteY2" fmla="*/ 365760 h 702645"/>
+              <a:gd name="connsiteX3" fmla="*/ 520199 w 562962"/>
+              <a:gd name="connsiteY3" fmla="*/ 702645 h 702645"/>
+              <a:gd name="connsiteX0" fmla="*/ 38936 w 562962"/>
+              <a:gd name="connsiteY0" fmla="*/ 0 h 654518"/>
+              <a:gd name="connsiteX1" fmla="*/ 29311 w 562962"/>
+              <a:gd name="connsiteY1" fmla="*/ 317633 h 654518"/>
+              <a:gd name="connsiteX2" fmla="*/ 520199 w 562962"/>
+              <a:gd name="connsiteY2" fmla="*/ 317633 h 654518"/>
+              <a:gd name="connsiteX3" fmla="*/ 520199 w 562962"/>
+              <a:gd name="connsiteY3" fmla="*/ 654518 h 654518"/>
+            </a:gdLst>
+            <a:ahLst/>
+            <a:cxnLst>
+              <a:cxn ang="0">
+                <a:pos x="connsiteX0" y="connsiteY0"/>
+              </a:cxn>
+              <a:cxn ang="0">
+                <a:pos x="connsiteX1" y="connsiteY1"/>
+              </a:cxn>
+              <a:cxn ang="0">
+                <a:pos x="connsiteX2" y="connsiteY2"/>
+              </a:cxn>
+              <a:cxn ang="0">
+                <a:pos x="connsiteX3" y="connsiteY3"/>
+              </a:cxn>
+            </a:cxnLst>
+            <a:rect l="l" t="t" r="r" b="b"/>
+            <a:pathLst>
+              <a:path w="562962" h="654518">
+                <a:moveTo>
+                  <a:pt x="38936" y="0"/>
+                </a:moveTo>
+                <a:cubicBezTo>
+                  <a:pt x="61395" y="171651"/>
+                  <a:pt x="-50900" y="264694"/>
+                  <a:pt x="29311" y="317633"/>
+                </a:cubicBezTo>
+                <a:cubicBezTo>
+                  <a:pt x="109522" y="370572"/>
+                  <a:pt x="438384" y="261486"/>
+                  <a:pt x="520199" y="317633"/>
+                </a:cubicBezTo>
+                <a:cubicBezTo>
+                  <a:pt x="602014" y="373781"/>
+                  <a:pt x="545866" y="439554"/>
+                  <a:pt x="520199" y="654518"/>
+                </a:cubicBezTo>
+              </a:path>
+            </a:pathLst>
+          </a:custGeom>
+          <a:noFill/>
+          <a:ln w="25400">
+            <a:solidFill>
+              <a:schemeClr val="tx1"/>
+            </a:solidFill>
+            <a:tailEnd type="triangle"/>
+          </a:ln>
+        </p:spPr>
+        <p:style>
+          <a:lnRef idx="2">
+            <a:schemeClr val="accent1">
+              <a:shade val="50000"/>
+            </a:schemeClr>
+          </a:lnRef>
+          <a:fillRef idx="1">
+            <a:schemeClr val="accent1"/>
+          </a:fillRef>
+          <a:effectRef idx="0">
+            <a:schemeClr val="accent1"/>
+          </a:effectRef>
+          <a:fontRef idx="minor">
+            <a:schemeClr val="lt1"/>
+          </a:fontRef>
+        </p:style>
+        <p:txBody>
+          <a:bodyPr rtlCol="0" anchor="ctr"/>
+          <a:lstStyle/>
+          <a:p>
+            <a:pPr algn="ctr"/>
+            <a:endParaRPr lang="en-US"/>
+          </a:p>
+        </p:txBody>
+      </p:sp>
+      <p:sp>
+        <p:nvSpPr>
+          <p:cNvPr id="19" name="Freeform 18"/>
+          <p:cNvSpPr/>
+          <p:nvPr/>
+        </p:nvSpPr>
+        <p:spPr>
+          <a:xfrm flipH="1">
+            <a:off x="9830848" y="4565281"/>
+            <a:ext cx="349873" cy="261228"/>
+          </a:xfrm>
+          <a:custGeom>
+            <a:avLst/>
+            <a:gdLst>
+              <a:gd name="connsiteX0" fmla="*/ 53824 w 570746"/>
+              <a:gd name="connsiteY0" fmla="*/ 0 h 702645"/>
+              <a:gd name="connsiteX1" fmla="*/ 44199 w 570746"/>
+              <a:gd name="connsiteY1" fmla="*/ 365760 h 702645"/>
+              <a:gd name="connsiteX2" fmla="*/ 535087 w 570746"/>
+              <a:gd name="connsiteY2" fmla="*/ 365760 h 702645"/>
+              <a:gd name="connsiteX3" fmla="*/ 535087 w 570746"/>
+              <a:gd name="connsiteY3" fmla="*/ 702645 h 702645"/>
+              <a:gd name="connsiteX0" fmla="*/ 53824 w 575283"/>
+              <a:gd name="connsiteY0" fmla="*/ 0 h 702645"/>
+              <a:gd name="connsiteX1" fmla="*/ 44199 w 575283"/>
+              <a:gd name="connsiteY1" fmla="*/ 365760 h 702645"/>
+              <a:gd name="connsiteX2" fmla="*/ 535087 w 575283"/>
+              <a:gd name="connsiteY2" fmla="*/ 365760 h 702645"/>
+              <a:gd name="connsiteX3" fmla="*/ 535087 w 575283"/>
+              <a:gd name="connsiteY3" fmla="*/ 702645 h 702645"/>
+              <a:gd name="connsiteX0" fmla="*/ 38936 w 560395"/>
+              <a:gd name="connsiteY0" fmla="*/ 0 h 702645"/>
+              <a:gd name="connsiteX1" fmla="*/ 29311 w 560395"/>
+              <a:gd name="connsiteY1" fmla="*/ 365760 h 702645"/>
+              <a:gd name="connsiteX2" fmla="*/ 520199 w 560395"/>
+              <a:gd name="connsiteY2" fmla="*/ 365760 h 702645"/>
+              <a:gd name="connsiteX3" fmla="*/ 520199 w 560395"/>
+              <a:gd name="connsiteY3" fmla="*/ 702645 h 702645"/>
+              <a:gd name="connsiteX0" fmla="*/ 38936 w 562962"/>
+              <a:gd name="connsiteY0" fmla="*/ 0 h 702645"/>
+              <a:gd name="connsiteX1" fmla="*/ 29311 w 562962"/>
+              <a:gd name="connsiteY1" fmla="*/ 365760 h 702645"/>
+              <a:gd name="connsiteX2" fmla="*/ 520199 w 562962"/>
+              <a:gd name="connsiteY2" fmla="*/ 365760 h 702645"/>
+              <a:gd name="connsiteX3" fmla="*/ 520199 w 562962"/>
+              <a:gd name="connsiteY3" fmla="*/ 702645 h 702645"/>
+              <a:gd name="connsiteX0" fmla="*/ 38936 w 562962"/>
+              <a:gd name="connsiteY0" fmla="*/ 0 h 654518"/>
+              <a:gd name="connsiteX1" fmla="*/ 29311 w 562962"/>
+              <a:gd name="connsiteY1" fmla="*/ 317633 h 654518"/>
+              <a:gd name="connsiteX2" fmla="*/ 520199 w 562962"/>
+              <a:gd name="connsiteY2" fmla="*/ 317633 h 654518"/>
+              <a:gd name="connsiteX3" fmla="*/ 520199 w 562962"/>
+              <a:gd name="connsiteY3" fmla="*/ 654518 h 654518"/>
+            </a:gdLst>
+            <a:ahLst/>
+            <a:cxnLst>
+              <a:cxn ang="0">
+                <a:pos x="connsiteX0" y="connsiteY0"/>
+              </a:cxn>
+              <a:cxn ang="0">
+                <a:pos x="connsiteX1" y="connsiteY1"/>
+              </a:cxn>
+              <a:cxn ang="0">
+                <a:pos x="connsiteX2" y="connsiteY2"/>
+              </a:cxn>
+              <a:cxn ang="0">
+                <a:pos x="connsiteX3" y="connsiteY3"/>
+              </a:cxn>
+            </a:cxnLst>
+            <a:rect l="l" t="t" r="r" b="b"/>
+            <a:pathLst>
+              <a:path w="562962" h="654518">
+                <a:moveTo>
+                  <a:pt x="38936" y="0"/>
+                </a:moveTo>
+                <a:cubicBezTo>
+                  <a:pt x="61395" y="171651"/>
+                  <a:pt x="-50900" y="264694"/>
+                  <a:pt x="29311" y="317633"/>
+                </a:cubicBezTo>
+                <a:cubicBezTo>
+                  <a:pt x="109522" y="370572"/>
+                  <a:pt x="438384" y="261486"/>
+                  <a:pt x="520199" y="317633"/>
+                </a:cubicBezTo>
+                <a:cubicBezTo>
+                  <a:pt x="602014" y="373781"/>
+                  <a:pt x="545866" y="439554"/>
+                  <a:pt x="520199" y="654518"/>
+                </a:cubicBezTo>
+              </a:path>
+            </a:pathLst>
+          </a:custGeom>
+          <a:noFill/>
+          <a:ln w="25400">
+            <a:solidFill>
+              <a:schemeClr val="tx1"/>
+            </a:solidFill>
+            <a:tailEnd type="triangle"/>
+          </a:ln>
+        </p:spPr>
+        <p:style>
+          <a:lnRef idx="2">
+            <a:schemeClr val="accent1">
+              <a:shade val="50000"/>
+            </a:schemeClr>
+          </a:lnRef>
+          <a:fillRef idx="1">
+            <a:schemeClr val="accent1"/>
+          </a:fillRef>
+          <a:effectRef idx="0">
+            <a:schemeClr val="accent1"/>
+          </a:effectRef>
+          <a:fontRef idx="minor">
+            <a:schemeClr val="lt1"/>
+          </a:fontRef>
+        </p:style>
+        <p:txBody>
+          <a:bodyPr rtlCol="0" anchor="ctr"/>
+          <a:lstStyle/>
+          <a:p>
+            <a:pPr algn="ctr"/>
+            <a:endParaRPr lang="en-US"/>
+          </a:p>
+        </p:txBody>
+      </p:sp>
+      <p:sp>
+        <p:nvSpPr>
+          <p:cNvPr id="20" name="Rectangle 19"/>
+          <p:cNvSpPr/>
+          <p:nvPr/>
+        </p:nvSpPr>
+        <p:spPr>
+          <a:xfrm>
+            <a:off x="9934849" y="2744483"/>
+            <a:ext cx="395129" cy="339409"/>
+          </a:xfrm>
+          <a:prstGeom prst="rect">
+            <a:avLst/>
+          </a:prstGeom>
+        </p:spPr>
+        <p:style>
+          <a:lnRef idx="1">
+            <a:schemeClr val="accent4"/>
+          </a:lnRef>
+          <a:fillRef idx="3">
+            <a:schemeClr val="accent4"/>
+          </a:fillRef>
+          <a:effectRef idx="2">
+            <a:schemeClr val="accent4"/>
+          </a:effectRef>
+          <a:fontRef idx="minor">
+            <a:schemeClr val="lt1"/>
+          </a:fontRef>
+        </p:style>
+        <p:txBody>
+          <a:bodyPr rtlCol="0" anchor="ctr"/>
+          <a:lstStyle/>
+          <a:p>
+            <a:pPr algn="ctr"/>
+            <a:endParaRPr lang="en-US"/>
+          </a:p>
+        </p:txBody>
+      </p:sp>
+      <p:sp>
+        <p:nvSpPr>
+          <p:cNvPr id="22" name="Rectangle 21"/>
+          <p:cNvSpPr/>
+          <p:nvPr/>
+        </p:nvSpPr>
+        <p:spPr>
+          <a:xfrm>
+            <a:off x="9934849" y="3253597"/>
+            <a:ext cx="395129" cy="339409"/>
+          </a:xfrm>
+          <a:prstGeom prst="rect">
+            <a:avLst/>
+          </a:prstGeom>
+        </p:spPr>
+        <p:style>
+          <a:lnRef idx="1">
+            <a:schemeClr val="accent4"/>
+          </a:lnRef>
+          <a:fillRef idx="3">
+            <a:schemeClr val="accent4"/>
+          </a:fillRef>
+          <a:effectRef idx="2">
+            <a:schemeClr val="accent4"/>
+          </a:effectRef>
+          <a:fontRef idx="minor">
+            <a:schemeClr val="lt1"/>
+          </a:fontRef>
+        </p:style>
+        <p:txBody>
+          <a:bodyPr rtlCol="0" anchor="ctr"/>
+          <a:lstStyle/>
+          <a:p>
+            <a:pPr algn="ctr"/>
+            <a:endParaRPr lang="en-US"/>
+          </a:p>
+        </p:txBody>
+      </p:sp>
+      <p:sp>
+        <p:nvSpPr>
+          <p:cNvPr id="23" name="Rectangle 22"/>
+          <p:cNvSpPr/>
+          <p:nvPr/>
+        </p:nvSpPr>
+        <p:spPr>
+          <a:xfrm>
+            <a:off x="9934849" y="3765183"/>
+            <a:ext cx="395129" cy="339409"/>
+          </a:xfrm>
+          <a:prstGeom prst="rect">
+            <a:avLst/>
+          </a:prstGeom>
+        </p:spPr>
+        <p:style>
+          <a:lnRef idx="1">
+            <a:schemeClr val="accent4"/>
+          </a:lnRef>
+          <a:fillRef idx="3">
+            <a:schemeClr val="accent4"/>
+          </a:fillRef>
+          <a:effectRef idx="2">
+            <a:schemeClr val="accent4"/>
+          </a:effectRef>
+          <a:fontRef idx="minor">
+            <a:schemeClr val="lt1"/>
+          </a:fontRef>
+        </p:style>
+        <p:txBody>
+          <a:bodyPr rtlCol="0" anchor="ctr"/>
+          <a:lstStyle/>
+          <a:p>
+            <a:pPr algn="ctr"/>
+            <a:endParaRPr lang="en-US"/>
+          </a:p>
+        </p:txBody>
+      </p:sp>
+      <p:cxnSp>
+        <p:nvCxnSpPr>
+          <p:cNvPr id="24" name="Straight Arrow Connector 23"/>
+          <p:cNvCxnSpPr/>
+          <p:nvPr/>
+        </p:nvCxnSpPr>
+        <p:spPr>
+          <a:xfrm>
+            <a:off x="10132414" y="3091035"/>
+            <a:ext cx="0" cy="169705"/>
+          </a:xfrm>
+          <a:prstGeom prst="straightConnector1">
+            <a:avLst/>
+          </a:prstGeom>
+          <a:ln w="25400">
+            <a:solidFill>
+              <a:schemeClr val="tx2"/>
+            </a:solidFill>
+            <a:tailEnd type="triangle"/>
+          </a:ln>
+        </p:spPr>
+        <p:style>
+          <a:lnRef idx="1">
+            <a:schemeClr val="accent1"/>
+          </a:lnRef>
+          <a:fillRef idx="0">
+            <a:schemeClr val="accent1"/>
+          </a:fillRef>
+          <a:effectRef idx="0">
+            <a:schemeClr val="accent1"/>
+          </a:effectRef>
+          <a:fontRef idx="minor">
+            <a:schemeClr val="tx1"/>
+          </a:fontRef>
+        </p:style>
+      </p:cxnSp>
+      <p:cxnSp>
+        <p:nvCxnSpPr>
+          <p:cNvPr id="25" name="Straight Arrow Connector 24"/>
+          <p:cNvCxnSpPr/>
+          <p:nvPr/>
+        </p:nvCxnSpPr>
+        <p:spPr>
+          <a:xfrm>
+            <a:off x="10132414" y="3595387"/>
+            <a:ext cx="0" cy="172177"/>
+          </a:xfrm>
+          <a:prstGeom prst="straightConnector1">
+            <a:avLst/>
+          </a:prstGeom>
+          <a:ln w="25400">
+            <a:solidFill>
+              <a:schemeClr val="tx2"/>
+            </a:solidFill>
+            <a:tailEnd type="triangle"/>
+          </a:ln>
+        </p:spPr>
+        <p:style>
+          <a:lnRef idx="1">
+            <a:schemeClr val="accent1"/>
+          </a:lnRef>
+          <a:fillRef idx="0">
+            <a:schemeClr val="accent1"/>
+          </a:fillRef>
+          <a:effectRef idx="0">
+            <a:schemeClr val="accent1"/>
+          </a:effectRef>
+          <a:fontRef idx="minor">
+            <a:schemeClr val="tx1"/>
+          </a:fontRef>
+        </p:style>
+      </p:cxnSp>
+      <p:sp>
+        <p:nvSpPr>
+          <p:cNvPr id="26" name="Rectangle 25"/>
+          <p:cNvSpPr/>
+          <p:nvPr/>
+        </p:nvSpPr>
+        <p:spPr>
+          <a:xfrm>
+            <a:off x="9934849" y="4276769"/>
+            <a:ext cx="395129" cy="339409"/>
+          </a:xfrm>
+          <a:prstGeom prst="rect">
+            <a:avLst/>
+          </a:prstGeom>
+        </p:spPr>
+        <p:style>
+          <a:lnRef idx="1">
+            <a:schemeClr val="accent4"/>
+          </a:lnRef>
+          <a:fillRef idx="3">
+            <a:schemeClr val="accent4"/>
+          </a:fillRef>
+          <a:effectRef idx="2">
+            <a:schemeClr val="accent4"/>
+          </a:effectRef>
+          <a:fontRef idx="minor">
+            <a:schemeClr val="lt1"/>
+          </a:fontRef>
+        </p:style>
+        <p:txBody>
+          <a:bodyPr rtlCol="0" anchor="ctr"/>
+          <a:lstStyle/>
+          <a:p>
+            <a:pPr algn="ctr"/>
+            <a:endParaRPr lang="en-US"/>
+          </a:p>
+        </p:txBody>
+      </p:sp>
+      <p:cxnSp>
+        <p:nvCxnSpPr>
+          <p:cNvPr id="27" name="Straight Arrow Connector 26"/>
+          <p:cNvCxnSpPr/>
+          <p:nvPr/>
+        </p:nvCxnSpPr>
+        <p:spPr>
+          <a:xfrm>
+            <a:off x="10132414" y="4111735"/>
+            <a:ext cx="0" cy="172177"/>
+          </a:xfrm>
+          <a:prstGeom prst="straightConnector1">
+            <a:avLst/>
+          </a:prstGeom>
+          <a:ln w="25400">
+            <a:solidFill>
+              <a:schemeClr val="tx2"/>
+            </a:solidFill>
+            <a:tailEnd type="triangle"/>
+          </a:ln>
+        </p:spPr>
+        <p:style>
+          <a:lnRef idx="1">
+            <a:schemeClr val="accent1"/>
+          </a:lnRef>
+          <a:fillRef idx="0">
+            <a:schemeClr val="accent1"/>
+          </a:fillRef>
+          <a:effectRef idx="0">
+            <a:schemeClr val="accent1"/>
+          </a:effectRef>
+          <a:fontRef idx="minor">
+            <a:schemeClr val="tx1"/>
+          </a:fontRef>
+        </p:style>
+      </p:cxnSp>
+      <p:sp>
+        <p:nvSpPr>
+          <p:cNvPr id="28" name="Rectangle 27"/>
+          <p:cNvSpPr/>
+          <p:nvPr/>
+        </p:nvSpPr>
+        <p:spPr>
+          <a:xfrm>
+            <a:off x="9569088" y="4829878"/>
+            <a:ext cx="395129" cy="339409"/>
+          </a:xfrm>
+          <a:prstGeom prst="rect">
+            <a:avLst/>
+          </a:prstGeom>
+        </p:spPr>
+        <p:style>
+          <a:lnRef idx="1">
+            <a:schemeClr val="accent4"/>
+          </a:lnRef>
+          <a:fillRef idx="3">
+            <a:schemeClr val="accent4"/>
+          </a:fillRef>
+          <a:effectRef idx="2">
+            <a:schemeClr val="accent4"/>
+          </a:effectRef>
+          <a:fontRef idx="minor">
+            <a:schemeClr val="lt1"/>
+          </a:fontRef>
+        </p:style>
+        <p:txBody>
+          <a:bodyPr rtlCol="0" anchor="ctr"/>
+          <a:lstStyle/>
+          <a:p>
+            <a:pPr algn="ctr"/>
+            <a:endParaRPr lang="en-US"/>
+          </a:p>
+        </p:txBody>
+      </p:sp>
+      <p:sp>
+        <p:nvSpPr>
+          <p:cNvPr id="29" name="TextBox 28"/>
+          <p:cNvSpPr txBox="1"/>
+          <p:nvPr/>
+        </p:nvSpPr>
+        <p:spPr>
+          <a:xfrm>
+            <a:off x="10329978" y="2777979"/>
+            <a:ext cx="951835" cy="276999"/>
+          </a:xfrm>
+          <a:prstGeom prst="rect">
+            <a:avLst/>
+          </a:prstGeom>
+          <a:noFill/>
+        </p:spPr>
+        <p:txBody>
+          <a:bodyPr wrap="square" rtlCol="0">
+            <a:noAutofit/>
+          </a:bodyPr>
+          <a:lstStyle/>
+          <a:p>
+            <a:r>
+              <a:rPr lang="en-US" sz="1200" dirty="0" err="1" smtClean="0"/>
+              <a:t>sim</a:t>
+            </a:r>
+            <a:r>
+              <a:rPr lang="en-US" sz="1200" dirty="0" smtClean="0"/>
+              <a:t>. reader</a:t>
+            </a:r>
+            <a:endParaRPr lang="en-US" sz="1200" dirty="0"/>
+          </a:p>
+        </p:txBody>
+      </p:sp>
+      <p:sp>
+        <p:nvSpPr>
+          <p:cNvPr id="30" name="TextBox 29"/>
+          <p:cNvSpPr txBox="1"/>
+          <p:nvPr/>
+        </p:nvSpPr>
+        <p:spPr>
+          <a:xfrm>
+            <a:off x="10329977" y="3287516"/>
+            <a:ext cx="782885" cy="276999"/>
+          </a:xfrm>
+          <a:prstGeom prst="rect">
+            <a:avLst/>
+          </a:prstGeom>
+          <a:noFill/>
+        </p:spPr>
+        <p:txBody>
+          <a:bodyPr wrap="none" rtlCol="0">
+            <a:normAutofit/>
+          </a:bodyPr>
+          <a:lstStyle/>
+          <a:p>
+            <a:r>
+              <a:rPr lang="en-US" sz="1200" dirty="0" smtClean="0"/>
+              <a:t>time </a:t>
+            </a:r>
+            <a:r>
+              <a:rPr lang="en-US" sz="1200" dirty="0" err="1" smtClean="0"/>
+              <a:t>avg</a:t>
+            </a:r>
+            <a:endParaRPr lang="en-US" sz="1200" dirty="0"/>
+          </a:p>
+        </p:txBody>
+      </p:sp>
+      <p:sp>
+        <p:nvSpPr>
+          <p:cNvPr id="31" name="TextBox 30"/>
+          <p:cNvSpPr txBox="1"/>
+          <p:nvPr/>
+        </p:nvSpPr>
+        <p:spPr>
+          <a:xfrm>
+            <a:off x="10329976" y="3802649"/>
+            <a:ext cx="782885" cy="276999"/>
+          </a:xfrm>
+          <a:prstGeom prst="rect">
+            <a:avLst/>
+          </a:prstGeom>
+          <a:noFill/>
+        </p:spPr>
+        <p:txBody>
+          <a:bodyPr wrap="none" rtlCol="0">
+            <a:normAutofit/>
+          </a:bodyPr>
+          <a:lstStyle/>
+          <a:p>
+            <a:r>
+              <a:rPr lang="en-US" sz="1200" dirty="0" smtClean="0"/>
+              <a:t>parallel comp/detect</a:t>
+            </a:r>
+            <a:endParaRPr lang="en-US" sz="1200" dirty="0"/>
+          </a:p>
+        </p:txBody>
+      </p:sp>
+      <p:sp>
+        <p:nvSpPr>
+          <p:cNvPr id="32" name="TextBox 31"/>
+          <p:cNvSpPr txBox="1"/>
+          <p:nvPr/>
+        </p:nvSpPr>
+        <p:spPr>
+          <a:xfrm>
+            <a:off x="10329975" y="4293348"/>
+            <a:ext cx="782885" cy="276999"/>
+          </a:xfrm>
+          <a:prstGeom prst="rect">
+            <a:avLst/>
+          </a:prstGeom>
+          <a:noFill/>
+        </p:spPr>
+        <p:txBody>
+          <a:bodyPr wrap="none" rtlCol="0">
+            <a:normAutofit/>
+          </a:bodyPr>
+          <a:lstStyle/>
+          <a:p>
+            <a:r>
+              <a:rPr lang="en-US" sz="1200" dirty="0" smtClean="0"/>
+              <a:t>reduce/stitch</a:t>
+            </a:r>
+            <a:endParaRPr lang="en-US" sz="1200" dirty="0"/>
+          </a:p>
+        </p:txBody>
+      </p:sp>
+      <p:sp>
+        <p:nvSpPr>
+          <p:cNvPr id="33" name="TextBox 32"/>
+          <p:cNvSpPr txBox="1"/>
+          <p:nvPr/>
+        </p:nvSpPr>
+        <p:spPr>
+          <a:xfrm>
+            <a:off x="9964213" y="4861082"/>
+            <a:ext cx="782885" cy="276999"/>
+          </a:xfrm>
+          <a:prstGeom prst="rect">
+            <a:avLst/>
+          </a:prstGeom>
+          <a:noFill/>
+        </p:spPr>
+        <p:txBody>
+          <a:bodyPr wrap="none" rtlCol="0">
+            <a:normAutofit/>
+          </a:bodyPr>
+          <a:lstStyle/>
+          <a:p>
+            <a:r>
+              <a:rPr lang="en-US" sz="1200" dirty="0" smtClean="0"/>
+              <a:t>serial comp/stats</a:t>
+            </a:r>
+            <a:endParaRPr lang="en-US" sz="1200" dirty="0"/>
+          </a:p>
+        </p:txBody>
+      </p:sp>
+      <p:sp>
+        <p:nvSpPr>
+          <p:cNvPr id="34" name="Rectangle 33"/>
+          <p:cNvSpPr/>
+          <p:nvPr/>
+        </p:nvSpPr>
+        <p:spPr>
+          <a:xfrm>
+            <a:off x="9569084" y="5340619"/>
+            <a:ext cx="395129" cy="339409"/>
+          </a:xfrm>
+          <a:prstGeom prst="rect">
+            <a:avLst/>
+          </a:prstGeom>
+        </p:spPr>
+        <p:style>
+          <a:lnRef idx="1">
+            <a:schemeClr val="accent4"/>
+          </a:lnRef>
+          <a:fillRef idx="3">
+            <a:schemeClr val="accent4"/>
+          </a:fillRef>
+          <a:effectRef idx="2">
+            <a:schemeClr val="accent4"/>
+          </a:effectRef>
+          <a:fontRef idx="minor">
+            <a:schemeClr val="lt1"/>
+          </a:fontRef>
+        </p:style>
+        <p:txBody>
+          <a:bodyPr rtlCol="0" anchor="ctr"/>
+          <a:lstStyle/>
+          <a:p>
+            <a:pPr algn="ctr"/>
+            <a:endParaRPr lang="en-US"/>
+          </a:p>
+        </p:txBody>
+      </p:sp>
+      <p:cxnSp>
+        <p:nvCxnSpPr>
+          <p:cNvPr id="35" name="Straight Arrow Connector 34"/>
+          <p:cNvCxnSpPr/>
+          <p:nvPr/>
+        </p:nvCxnSpPr>
+        <p:spPr>
+          <a:xfrm>
+            <a:off x="9766649" y="5175585"/>
+            <a:ext cx="0" cy="172177"/>
+          </a:xfrm>
+          <a:prstGeom prst="straightConnector1">
+            <a:avLst/>
+          </a:prstGeom>
+          <a:ln w="25400">
+            <a:solidFill>
+              <a:schemeClr val="tx2"/>
+            </a:solidFill>
+            <a:tailEnd type="triangle"/>
+          </a:ln>
+        </p:spPr>
+        <p:style>
+          <a:lnRef idx="1">
+            <a:schemeClr val="accent1"/>
+          </a:lnRef>
+          <a:fillRef idx="0">
+            <a:schemeClr val="accent1"/>
+          </a:fillRef>
+          <a:effectRef idx="0">
+            <a:schemeClr val="accent1"/>
+          </a:effectRef>
+          <a:fontRef idx="minor">
+            <a:schemeClr val="tx1"/>
+          </a:fontRef>
+        </p:style>
+      </p:cxnSp>
+      <p:sp>
+        <p:nvSpPr>
+          <p:cNvPr id="36" name="TextBox 35"/>
+          <p:cNvSpPr txBox="1"/>
+          <p:nvPr/>
+        </p:nvSpPr>
+        <p:spPr>
+          <a:xfrm>
+            <a:off x="9964209" y="5371823"/>
+            <a:ext cx="782885" cy="276999"/>
+          </a:xfrm>
+          <a:prstGeom prst="rect">
+            <a:avLst/>
+          </a:prstGeom>
+          <a:noFill/>
+        </p:spPr>
+        <p:txBody>
+          <a:bodyPr wrap="none" rtlCol="0">
+            <a:normAutofit/>
+          </a:bodyPr>
+          <a:lstStyle/>
+          <a:p>
+            <a:r>
+              <a:rPr lang="en-US" sz="1200" dirty="0" smtClean="0"/>
+              <a:t>writer</a:t>
+            </a:r>
+            <a:endParaRPr lang="en-US" sz="1200" dirty="0"/>
+          </a:p>
+        </p:txBody>
+      </p:sp>
+      <p:sp>
+        <p:nvSpPr>
+          <p:cNvPr id="44" name="Rectangle 43"/>
+          <p:cNvSpPr/>
+          <p:nvPr/>
+        </p:nvSpPr>
+        <p:spPr>
+          <a:xfrm>
+            <a:off x="9138305" y="3253597"/>
+            <a:ext cx="395129" cy="339409"/>
+          </a:xfrm>
+          <a:prstGeom prst="rect">
+            <a:avLst/>
+          </a:prstGeom>
+        </p:spPr>
+        <p:style>
+          <a:lnRef idx="1">
+            <a:schemeClr val="accent4"/>
+          </a:lnRef>
+          <a:fillRef idx="3">
+            <a:schemeClr val="accent4"/>
+          </a:fillRef>
+          <a:effectRef idx="2">
+            <a:schemeClr val="accent4"/>
+          </a:effectRef>
+          <a:fontRef idx="minor">
+            <a:schemeClr val="lt1"/>
+          </a:fontRef>
+        </p:style>
+        <p:txBody>
+          <a:bodyPr rtlCol="0" anchor="ctr"/>
+          <a:lstStyle/>
+          <a:p>
+            <a:pPr algn="ctr"/>
+            <a:endParaRPr lang="en-US"/>
+          </a:p>
+        </p:txBody>
+      </p:sp>
+      <p:cxnSp>
+        <p:nvCxnSpPr>
+          <p:cNvPr id="45" name="Straight Arrow Connector 44"/>
+          <p:cNvCxnSpPr/>
+          <p:nvPr/>
+        </p:nvCxnSpPr>
+        <p:spPr>
+          <a:xfrm>
+            <a:off x="9335870" y="3594049"/>
+            <a:ext cx="0" cy="172177"/>
+          </a:xfrm>
+          <a:prstGeom prst="straightConnector1">
+            <a:avLst/>
+          </a:prstGeom>
+          <a:ln w="25400">
+            <a:solidFill>
+              <a:schemeClr val="tx1"/>
+            </a:solidFill>
+            <a:tailEnd type="triangle"/>
+          </a:ln>
+        </p:spPr>
+        <p:style>
+          <a:lnRef idx="1">
+            <a:schemeClr val="accent1"/>
+          </a:lnRef>
+          <a:fillRef idx="0">
+            <a:schemeClr val="accent1"/>
+          </a:fillRef>
+          <a:effectRef idx="0">
+            <a:schemeClr val="accent1"/>
+          </a:effectRef>
+          <a:fontRef idx="minor">
+            <a:schemeClr val="tx1"/>
+          </a:fontRef>
+        </p:style>
+      </p:cxnSp>
+      <p:sp>
+        <p:nvSpPr>
+          <p:cNvPr id="46" name="TextBox 45"/>
+          <p:cNvSpPr txBox="1"/>
+          <p:nvPr/>
+        </p:nvSpPr>
+        <p:spPr>
+          <a:xfrm>
+            <a:off x="8339896" y="3270176"/>
+            <a:ext cx="782885" cy="276999"/>
+          </a:xfrm>
+          <a:prstGeom prst="rect">
+            <a:avLst/>
+          </a:prstGeom>
+          <a:noFill/>
+        </p:spPr>
+        <p:txBody>
+          <a:bodyPr wrap="none" rtlCol="0">
+            <a:normAutofit/>
+          </a:bodyPr>
+          <a:lstStyle/>
+          <a:p>
+            <a:pPr algn="r"/>
+            <a:r>
+              <a:rPr lang="en-US" sz="1200" dirty="0" smtClean="0"/>
+              <a:t>sat reader</a:t>
+            </a:r>
+            <a:endParaRPr lang="en-US" sz="1200" dirty="0"/>
+          </a:p>
+        </p:txBody>
+      </p:sp>
+      <p:sp>
+        <p:nvSpPr>
+          <p:cNvPr id="41" name="Rectangle 40"/>
+          <p:cNvSpPr/>
+          <p:nvPr/>
+        </p:nvSpPr>
+        <p:spPr>
+          <a:xfrm>
+            <a:off x="9133888" y="3768698"/>
+            <a:ext cx="395129" cy="339409"/>
+          </a:xfrm>
+          <a:prstGeom prst="rect">
+            <a:avLst/>
+          </a:prstGeom>
+        </p:spPr>
+        <p:style>
+          <a:lnRef idx="1">
+            <a:schemeClr val="accent4"/>
+          </a:lnRef>
+          <a:fillRef idx="3">
+            <a:schemeClr val="accent4"/>
+          </a:fillRef>
+          <a:effectRef idx="2">
+            <a:schemeClr val="accent4"/>
+          </a:effectRef>
+          <a:fontRef idx="minor">
+            <a:schemeClr val="lt1"/>
+          </a:fontRef>
+        </p:style>
+        <p:txBody>
+          <a:bodyPr rtlCol="0" anchor="ctr"/>
+          <a:lstStyle/>
+          <a:p>
+            <a:pPr algn="ctr"/>
+            <a:endParaRPr lang="en-US"/>
+          </a:p>
+        </p:txBody>
+      </p:sp>
+      <p:sp>
+        <p:nvSpPr>
+          <p:cNvPr id="43" name="TextBox 42"/>
+          <p:cNvSpPr txBox="1"/>
+          <p:nvPr/>
+        </p:nvSpPr>
+        <p:spPr>
+          <a:xfrm>
+            <a:off x="8335479" y="3785277"/>
+            <a:ext cx="782885" cy="276999"/>
+          </a:xfrm>
+          <a:prstGeom prst="rect">
+            <a:avLst/>
+          </a:prstGeom>
+          <a:noFill/>
+        </p:spPr>
+        <p:txBody>
+          <a:bodyPr wrap="none" rtlCol="0">
+            <a:normAutofit/>
+          </a:bodyPr>
+          <a:lstStyle/>
+          <a:p>
+            <a:pPr algn="r"/>
+            <a:r>
+              <a:rPr lang="en-US" sz="1200" dirty="0" smtClean="0"/>
+              <a:t>time </a:t>
+            </a:r>
+            <a:r>
+              <a:rPr lang="en-US" sz="1200" dirty="0" err="1" smtClean="0"/>
+              <a:t>avg</a:t>
+            </a:r>
+            <a:endParaRPr lang="en-US" sz="1200" dirty="0"/>
+          </a:p>
+        </p:txBody>
+      </p:sp>
+      <p:sp>
+        <p:nvSpPr>
+          <p:cNvPr id="39" name="Rectangle 38"/>
+          <p:cNvSpPr/>
+          <p:nvPr/>
+        </p:nvSpPr>
+        <p:spPr>
+          <a:xfrm>
+            <a:off x="9133888" y="4275070"/>
+            <a:ext cx="395129" cy="339409"/>
+          </a:xfrm>
+          <a:prstGeom prst="rect">
+            <a:avLst/>
+          </a:prstGeom>
+        </p:spPr>
+        <p:style>
+          <a:lnRef idx="1">
+            <a:schemeClr val="accent4"/>
+          </a:lnRef>
+          <a:fillRef idx="3">
+            <a:schemeClr val="accent4"/>
+          </a:fillRef>
+          <a:effectRef idx="2">
+            <a:schemeClr val="accent4"/>
+          </a:effectRef>
+          <a:fontRef idx="minor">
+            <a:schemeClr val="lt1"/>
+          </a:fontRef>
+        </p:style>
+        <p:txBody>
+          <a:bodyPr rtlCol="0" anchor="ctr"/>
+          <a:lstStyle/>
+          <a:p>
+            <a:pPr algn="ctr"/>
+            <a:endParaRPr lang="en-US"/>
+          </a:p>
+        </p:txBody>
+      </p:sp>
+      <p:sp>
+        <p:nvSpPr>
+          <p:cNvPr id="40" name="TextBox 39"/>
+          <p:cNvSpPr txBox="1"/>
+          <p:nvPr/>
+        </p:nvSpPr>
+        <p:spPr>
+          <a:xfrm>
+            <a:off x="8335479" y="4291649"/>
+            <a:ext cx="782885" cy="276999"/>
+          </a:xfrm>
+          <a:prstGeom prst="rect">
+            <a:avLst/>
+          </a:prstGeom>
+          <a:noFill/>
+        </p:spPr>
+        <p:txBody>
+          <a:bodyPr wrap="none" rtlCol="0">
+            <a:normAutofit/>
+          </a:bodyPr>
+          <a:lstStyle/>
+          <a:p>
+            <a:pPr algn="r"/>
+            <a:r>
+              <a:rPr lang="en-US" sz="1200" dirty="0" err="1" smtClean="0"/>
+              <a:t>remesh</a:t>
+            </a:r>
+            <a:endParaRPr lang="en-US" sz="1200" dirty="0"/>
+          </a:p>
+        </p:txBody>
+      </p:sp>
+      <p:cxnSp>
+        <p:nvCxnSpPr>
+          <p:cNvPr id="47" name="Straight Arrow Connector 46"/>
+          <p:cNvCxnSpPr/>
+          <p:nvPr/>
+        </p:nvCxnSpPr>
+        <p:spPr>
+          <a:xfrm>
+            <a:off x="9238013" y="3595487"/>
+            <a:ext cx="0" cy="172177"/>
+          </a:xfrm>
+          <a:prstGeom prst="straightConnector1">
+            <a:avLst/>
+          </a:prstGeom>
+          <a:ln w="25400">
+            <a:solidFill>
+              <a:srgbClr val="00B050"/>
+            </a:solidFill>
+            <a:headEnd type="triangle"/>
+            <a:tailEnd type="none"/>
+          </a:ln>
+        </p:spPr>
+        <p:style>
+          <a:lnRef idx="1">
+            <a:schemeClr val="accent1"/>
+          </a:lnRef>
+          <a:fillRef idx="0">
+            <a:schemeClr val="accent1"/>
+          </a:fillRef>
+          <a:effectRef idx="0">
+            <a:schemeClr val="accent1"/>
+          </a:effectRef>
+          <a:fontRef idx="minor">
+            <a:schemeClr val="tx1"/>
+          </a:fontRef>
+        </p:style>
+      </p:cxnSp>
+      <p:cxnSp>
+        <p:nvCxnSpPr>
+          <p:cNvPr id="48" name="Straight Arrow Connector 47"/>
+          <p:cNvCxnSpPr/>
+          <p:nvPr/>
+        </p:nvCxnSpPr>
+        <p:spPr>
+          <a:xfrm>
+            <a:off x="9224782" y="4105184"/>
+            <a:ext cx="0" cy="172177"/>
+          </a:xfrm>
+          <a:prstGeom prst="straightConnector1">
+            <a:avLst/>
+          </a:prstGeom>
+          <a:ln w="25400">
+            <a:solidFill>
+              <a:srgbClr val="00B050"/>
+            </a:solidFill>
+            <a:headEnd type="triangle"/>
+            <a:tailEnd type="none"/>
+          </a:ln>
+        </p:spPr>
+        <p:style>
+          <a:lnRef idx="1">
+            <a:schemeClr val="accent1"/>
+          </a:lnRef>
+          <a:fillRef idx="0">
+            <a:schemeClr val="accent1"/>
+          </a:fillRef>
+          <a:effectRef idx="0">
+            <a:schemeClr val="accent1"/>
+          </a:effectRef>
+          <a:fontRef idx="minor">
+            <a:schemeClr val="tx1"/>
+          </a:fontRef>
+        </p:style>
+      </p:cxnSp>
+      <p:cxnSp>
+        <p:nvCxnSpPr>
+          <p:cNvPr id="49" name="Straight Arrow Connector 48"/>
+          <p:cNvCxnSpPr/>
+          <p:nvPr/>
+        </p:nvCxnSpPr>
+        <p:spPr>
+          <a:xfrm>
+            <a:off x="9238013" y="4654332"/>
+            <a:ext cx="331071" cy="172177"/>
+          </a:xfrm>
+          <a:prstGeom prst="straightConnector1">
+            <a:avLst/>
+          </a:prstGeom>
+          <a:ln w="25400">
+            <a:solidFill>
+              <a:srgbClr val="00B050"/>
+            </a:solidFill>
+            <a:headEnd type="triangle"/>
+            <a:tailEnd type="none"/>
+          </a:ln>
+        </p:spPr>
+        <p:style>
+          <a:lnRef idx="1">
+            <a:schemeClr val="accent1"/>
+          </a:lnRef>
+          <a:fillRef idx="0">
+            <a:schemeClr val="accent1"/>
+          </a:fillRef>
+          <a:effectRef idx="0">
+            <a:schemeClr val="accent1"/>
+          </a:effectRef>
+          <a:fontRef idx="minor">
+            <a:schemeClr val="tx1"/>
+          </a:fontRef>
+        </p:style>
+      </p:cxnSp>
+      <p:cxnSp>
+        <p:nvCxnSpPr>
+          <p:cNvPr id="50" name="Straight Arrow Connector 49"/>
+          <p:cNvCxnSpPr/>
+          <p:nvPr/>
+        </p:nvCxnSpPr>
+        <p:spPr>
+          <a:xfrm>
+            <a:off x="10043232" y="3591013"/>
+            <a:ext cx="0" cy="172177"/>
+          </a:xfrm>
+          <a:prstGeom prst="straightConnector1">
+            <a:avLst/>
+          </a:prstGeom>
+          <a:ln w="25400">
+            <a:solidFill>
+              <a:srgbClr val="00B050"/>
+            </a:solidFill>
+            <a:headEnd type="triangle"/>
+            <a:tailEnd type="none"/>
+          </a:ln>
+        </p:spPr>
+        <p:style>
+          <a:lnRef idx="1">
+            <a:schemeClr val="accent1"/>
+          </a:lnRef>
+          <a:fillRef idx="0">
+            <a:schemeClr val="accent1"/>
+          </a:fillRef>
+          <a:effectRef idx="0">
+            <a:schemeClr val="accent1"/>
+          </a:effectRef>
+          <a:fontRef idx="minor">
+            <a:schemeClr val="tx1"/>
+          </a:fontRef>
+        </p:style>
+      </p:cxnSp>
+      <p:cxnSp>
+        <p:nvCxnSpPr>
+          <p:cNvPr id="51" name="Straight Arrow Connector 50"/>
+          <p:cNvCxnSpPr/>
+          <p:nvPr/>
+        </p:nvCxnSpPr>
+        <p:spPr>
+          <a:xfrm>
+            <a:off x="10043232" y="3081027"/>
+            <a:ext cx="0" cy="172177"/>
+          </a:xfrm>
+          <a:prstGeom prst="straightConnector1">
+            <a:avLst/>
+          </a:prstGeom>
+          <a:ln w="25400">
+            <a:solidFill>
+              <a:srgbClr val="00B050"/>
+            </a:solidFill>
+            <a:headEnd type="triangle"/>
+            <a:tailEnd type="none"/>
+          </a:ln>
+        </p:spPr>
+        <p:style>
+          <a:lnRef idx="1">
+            <a:schemeClr val="accent1"/>
+          </a:lnRef>
+          <a:fillRef idx="0">
+            <a:schemeClr val="accent1"/>
+          </a:fillRef>
+          <a:effectRef idx="0">
+            <a:schemeClr val="accent1"/>
+          </a:effectRef>
+          <a:fontRef idx="minor">
+            <a:schemeClr val="tx1"/>
+          </a:fontRef>
+        </p:style>
+      </p:cxnSp>
+      <p:cxnSp>
+        <p:nvCxnSpPr>
+          <p:cNvPr id="52" name="Straight Arrow Connector 51"/>
+          <p:cNvCxnSpPr/>
+          <p:nvPr/>
+        </p:nvCxnSpPr>
+        <p:spPr>
+          <a:xfrm>
+            <a:off x="10043232" y="4107565"/>
+            <a:ext cx="0" cy="172177"/>
+          </a:xfrm>
+          <a:prstGeom prst="straightConnector1">
+            <a:avLst/>
+          </a:prstGeom>
+          <a:ln w="25400">
+            <a:solidFill>
+              <a:srgbClr val="00B050"/>
+            </a:solidFill>
+            <a:headEnd type="triangle"/>
+            <a:tailEnd type="none"/>
+          </a:ln>
+        </p:spPr>
+        <p:style>
+          <a:lnRef idx="1">
+            <a:schemeClr val="accent1"/>
+          </a:lnRef>
+          <a:fillRef idx="0">
+            <a:schemeClr val="accent1"/>
+          </a:fillRef>
+          <a:effectRef idx="0">
+            <a:schemeClr val="accent1"/>
+          </a:effectRef>
+          <a:fontRef idx="minor">
+            <a:schemeClr val="tx1"/>
+          </a:fontRef>
+        </p:style>
+      </p:cxnSp>
+      <p:cxnSp>
+        <p:nvCxnSpPr>
+          <p:cNvPr id="53" name="Straight Arrow Connector 52"/>
+          <p:cNvCxnSpPr/>
+          <p:nvPr/>
+        </p:nvCxnSpPr>
+        <p:spPr>
+          <a:xfrm flipH="1">
+            <a:off x="9964209" y="4654332"/>
+            <a:ext cx="309321" cy="172177"/>
+          </a:xfrm>
+          <a:prstGeom prst="straightConnector1">
+            <a:avLst/>
+          </a:prstGeom>
+          <a:ln w="25400">
+            <a:solidFill>
+              <a:srgbClr val="00B050"/>
+            </a:solidFill>
+            <a:headEnd type="triangle"/>
+            <a:tailEnd type="none"/>
+          </a:ln>
+        </p:spPr>
+        <p:style>
+          <a:lnRef idx="1">
+            <a:schemeClr val="accent1"/>
+          </a:lnRef>
+          <a:fillRef idx="0">
+            <a:schemeClr val="accent1"/>
+          </a:fillRef>
+          <a:effectRef idx="0">
+            <a:schemeClr val="accent1"/>
+          </a:effectRef>
+          <a:fontRef idx="minor">
+            <a:schemeClr val="tx1"/>
+          </a:fontRef>
+        </p:style>
+      </p:cxnSp>
+      <p:cxnSp>
+        <p:nvCxnSpPr>
+          <p:cNvPr id="56" name="Straight Arrow Connector 55"/>
+          <p:cNvCxnSpPr/>
+          <p:nvPr/>
+        </p:nvCxnSpPr>
+        <p:spPr>
+          <a:xfrm>
+            <a:off x="9677440" y="5168442"/>
+            <a:ext cx="0" cy="172177"/>
+          </a:xfrm>
+          <a:prstGeom prst="straightConnector1">
+            <a:avLst/>
+          </a:prstGeom>
+          <a:ln w="25400">
+            <a:solidFill>
+              <a:srgbClr val="00B050"/>
+            </a:solidFill>
+            <a:headEnd type="triangle"/>
+            <a:tailEnd type="none"/>
+          </a:ln>
+        </p:spPr>
+        <p:style>
+          <a:lnRef idx="1">
+            <a:schemeClr val="accent1"/>
+          </a:lnRef>
+          <a:fillRef idx="0">
+            <a:schemeClr val="accent1"/>
+          </a:fillRef>
+          <a:effectRef idx="0">
+            <a:schemeClr val="accent1"/>
+          </a:effectRef>
+          <a:fontRef idx="minor">
+            <a:schemeClr val="tx1"/>
+          </a:fontRef>
+        </p:style>
+      </p:cxnSp>
+      <p:cxnSp>
+        <p:nvCxnSpPr>
+          <p:cNvPr id="38" name="Straight Arrow Connector 37"/>
+          <p:cNvCxnSpPr/>
+          <p:nvPr/>
+        </p:nvCxnSpPr>
+        <p:spPr>
+          <a:xfrm>
+            <a:off x="9277523" y="3596985"/>
+            <a:ext cx="0" cy="172177"/>
+          </a:xfrm>
+          <a:prstGeom prst="straightConnector1">
+            <a:avLst/>
+          </a:prstGeom>
+          <a:ln w="25400">
+            <a:solidFill>
+              <a:srgbClr val="C00000"/>
+            </a:solidFill>
+            <a:headEnd type="none"/>
+            <a:tailEnd type="triangle"/>
+          </a:ln>
+        </p:spPr>
+        <p:style>
+          <a:lnRef idx="1">
+            <a:schemeClr val="accent1"/>
+          </a:lnRef>
+          <a:fillRef idx="0">
+            <a:schemeClr val="accent1"/>
+          </a:fillRef>
+          <a:effectRef idx="0">
+            <a:schemeClr val="accent1"/>
+          </a:effectRef>
+          <a:fontRef idx="minor">
+            <a:schemeClr val="tx1"/>
+          </a:fontRef>
+        </p:style>
+      </p:cxnSp>
+      <p:cxnSp>
+        <p:nvCxnSpPr>
+          <p:cNvPr id="54" name="Straight Arrow Connector 53"/>
+          <p:cNvCxnSpPr/>
+          <p:nvPr/>
+        </p:nvCxnSpPr>
+        <p:spPr>
+          <a:xfrm>
+            <a:off x="9264292" y="4113210"/>
+            <a:ext cx="0" cy="172177"/>
+          </a:xfrm>
+          <a:prstGeom prst="straightConnector1">
+            <a:avLst/>
+          </a:prstGeom>
+          <a:ln w="25400">
+            <a:solidFill>
+              <a:srgbClr val="C00000"/>
+            </a:solidFill>
+            <a:headEnd type="none"/>
+            <a:tailEnd type="triangle"/>
+          </a:ln>
+        </p:spPr>
+        <p:style>
+          <a:lnRef idx="1">
+            <a:schemeClr val="accent1"/>
+          </a:lnRef>
+          <a:fillRef idx="0">
+            <a:schemeClr val="accent1"/>
+          </a:fillRef>
+          <a:effectRef idx="0">
+            <a:schemeClr val="accent1"/>
+          </a:effectRef>
+          <a:fontRef idx="minor">
+            <a:schemeClr val="tx1"/>
+          </a:fontRef>
+        </p:style>
+      </p:cxnSp>
+      <p:cxnSp>
+        <p:nvCxnSpPr>
+          <p:cNvPr id="55" name="Straight Arrow Connector 54"/>
+          <p:cNvCxnSpPr/>
+          <p:nvPr/>
+        </p:nvCxnSpPr>
+        <p:spPr>
+          <a:xfrm>
+            <a:off x="9291812" y="4648686"/>
+            <a:ext cx="331071" cy="172177"/>
+          </a:xfrm>
+          <a:prstGeom prst="straightConnector1">
+            <a:avLst/>
+          </a:prstGeom>
+          <a:ln w="25400">
+            <a:solidFill>
+              <a:srgbClr val="C00000"/>
+            </a:solidFill>
+            <a:headEnd type="none"/>
+            <a:tailEnd type="triangle"/>
+          </a:ln>
+        </p:spPr>
+        <p:style>
+          <a:lnRef idx="1">
+            <a:schemeClr val="accent1"/>
+          </a:lnRef>
+          <a:fillRef idx="0">
+            <a:schemeClr val="accent1"/>
+          </a:fillRef>
+          <a:effectRef idx="0">
+            <a:schemeClr val="accent1"/>
+          </a:effectRef>
+          <a:fontRef idx="minor">
+            <a:schemeClr val="tx1"/>
+          </a:fontRef>
+        </p:style>
+      </p:cxnSp>
+      <p:cxnSp>
+        <p:nvCxnSpPr>
+          <p:cNvPr id="57" name="Straight Arrow Connector 56"/>
+          <p:cNvCxnSpPr/>
+          <p:nvPr/>
+        </p:nvCxnSpPr>
+        <p:spPr>
+          <a:xfrm>
+            <a:off x="10082742" y="3594892"/>
+            <a:ext cx="0" cy="172177"/>
+          </a:xfrm>
+          <a:prstGeom prst="straightConnector1">
+            <a:avLst/>
+          </a:prstGeom>
+          <a:ln w="25400">
+            <a:solidFill>
+              <a:srgbClr val="C00000"/>
+            </a:solidFill>
+            <a:headEnd type="none"/>
+            <a:tailEnd type="triangle"/>
+          </a:ln>
+        </p:spPr>
+        <p:style>
+          <a:lnRef idx="1">
+            <a:schemeClr val="accent1"/>
+          </a:lnRef>
+          <a:fillRef idx="0">
+            <a:schemeClr val="accent1"/>
+          </a:fillRef>
+          <a:effectRef idx="0">
+            <a:schemeClr val="accent1"/>
+          </a:effectRef>
+          <a:fontRef idx="minor">
+            <a:schemeClr val="tx1"/>
+          </a:fontRef>
+        </p:style>
+      </p:cxnSp>
+      <p:cxnSp>
+        <p:nvCxnSpPr>
+          <p:cNvPr id="58" name="Straight Arrow Connector 57"/>
+          <p:cNvCxnSpPr/>
+          <p:nvPr/>
+        </p:nvCxnSpPr>
+        <p:spPr>
+          <a:xfrm>
+            <a:off x="10082742" y="3089668"/>
+            <a:ext cx="0" cy="172177"/>
+          </a:xfrm>
+          <a:prstGeom prst="straightConnector1">
+            <a:avLst/>
+          </a:prstGeom>
+          <a:ln w="25400">
+            <a:solidFill>
+              <a:srgbClr val="C00000"/>
+            </a:solidFill>
+            <a:headEnd type="none"/>
+            <a:tailEnd type="triangle"/>
+          </a:ln>
+        </p:spPr>
+        <p:style>
+          <a:lnRef idx="1">
+            <a:schemeClr val="accent1"/>
+          </a:lnRef>
+          <a:fillRef idx="0">
+            <a:schemeClr val="accent1"/>
+          </a:fillRef>
+          <a:effectRef idx="0">
+            <a:schemeClr val="accent1"/>
+          </a:effectRef>
+          <a:fontRef idx="minor">
+            <a:schemeClr val="tx1"/>
+          </a:fontRef>
+        </p:style>
+      </p:cxnSp>
+      <p:cxnSp>
+        <p:nvCxnSpPr>
+          <p:cNvPr id="59" name="Straight Arrow Connector 58"/>
+          <p:cNvCxnSpPr/>
+          <p:nvPr/>
+        </p:nvCxnSpPr>
+        <p:spPr>
+          <a:xfrm>
+            <a:off x="10082742" y="4113826"/>
+            <a:ext cx="0" cy="172177"/>
+          </a:xfrm>
+          <a:prstGeom prst="straightConnector1">
+            <a:avLst/>
+          </a:prstGeom>
+          <a:ln w="25400">
+            <a:solidFill>
+              <a:srgbClr val="C00000"/>
+            </a:solidFill>
+            <a:headEnd type="none"/>
+            <a:tailEnd type="triangle"/>
+          </a:ln>
+        </p:spPr>
+        <p:style>
+          <a:lnRef idx="1">
+            <a:schemeClr val="accent1"/>
+          </a:lnRef>
+          <a:fillRef idx="0">
+            <a:schemeClr val="accent1"/>
+          </a:fillRef>
+          <a:effectRef idx="0">
+            <a:schemeClr val="accent1"/>
+          </a:effectRef>
+          <a:fontRef idx="minor">
+            <a:schemeClr val="tx1"/>
+          </a:fontRef>
+        </p:style>
+      </p:cxnSp>
+      <p:cxnSp>
+        <p:nvCxnSpPr>
+          <p:cNvPr id="60" name="Straight Arrow Connector 59"/>
+          <p:cNvCxnSpPr/>
+          <p:nvPr/>
+        </p:nvCxnSpPr>
+        <p:spPr>
+          <a:xfrm flipH="1">
+            <a:off x="9908465" y="4648686"/>
+            <a:ext cx="309321" cy="172177"/>
+          </a:xfrm>
+          <a:prstGeom prst="straightConnector1">
+            <a:avLst/>
+          </a:prstGeom>
+          <a:ln w="25400">
+            <a:solidFill>
+              <a:srgbClr val="C00000"/>
+            </a:solidFill>
+            <a:headEnd type="none"/>
+            <a:tailEnd type="triangle"/>
+          </a:ln>
+        </p:spPr>
+        <p:style>
+          <a:lnRef idx="1">
+            <a:schemeClr val="accent1"/>
+          </a:lnRef>
+          <a:fillRef idx="0">
+            <a:schemeClr val="accent1"/>
+          </a:fillRef>
+          <a:effectRef idx="0">
+            <a:schemeClr val="accent1"/>
+          </a:effectRef>
+          <a:fontRef idx="minor">
+            <a:schemeClr val="tx1"/>
+          </a:fontRef>
+        </p:style>
+      </p:cxnSp>
+      <p:cxnSp>
+        <p:nvCxnSpPr>
+          <p:cNvPr id="61" name="Straight Arrow Connector 60"/>
+          <p:cNvCxnSpPr/>
+          <p:nvPr/>
+        </p:nvCxnSpPr>
+        <p:spPr>
+          <a:xfrm>
+            <a:off x="9716950" y="5174085"/>
+            <a:ext cx="0" cy="172177"/>
+          </a:xfrm>
+          <a:prstGeom prst="straightConnector1">
+            <a:avLst/>
+          </a:prstGeom>
+          <a:ln w="25400">
+            <a:solidFill>
+              <a:srgbClr val="C00000"/>
+            </a:solidFill>
+            <a:headEnd type="none"/>
+            <a:tailEnd type="triangle"/>
+          </a:ln>
+        </p:spPr>
+        <p:style>
+          <a:lnRef idx="1">
+            <a:schemeClr val="accent1"/>
+          </a:lnRef>
+          <a:fillRef idx="0">
+            <a:schemeClr val="accent1"/>
+          </a:fillRef>
+          <a:effectRef idx="0">
+            <a:schemeClr val="accent1"/>
+          </a:effectRef>
+          <a:fontRef idx="minor">
+            <a:schemeClr val="tx1"/>
+          </a:fontRef>
+        </p:style>
+      </p:cxnSp>
+      <p:cxnSp>
+        <p:nvCxnSpPr>
+          <p:cNvPr id="62" name="Straight Arrow Connector 61"/>
+          <p:cNvCxnSpPr/>
+          <p:nvPr/>
+        </p:nvCxnSpPr>
+        <p:spPr>
+          <a:xfrm>
+            <a:off x="9195468" y="3594694"/>
+            <a:ext cx="0" cy="172177"/>
+          </a:xfrm>
+          <a:prstGeom prst="straightConnector1">
+            <a:avLst/>
+          </a:prstGeom>
+          <a:ln w="25400">
+            <a:solidFill>
+              <a:srgbClr val="0070C0"/>
+            </a:solidFill>
+            <a:tailEnd type="triangle"/>
+          </a:ln>
+        </p:spPr>
+        <p:style>
+          <a:lnRef idx="1">
+            <a:schemeClr val="accent1"/>
+          </a:lnRef>
+          <a:fillRef idx="0">
+            <a:schemeClr val="accent1"/>
+          </a:fillRef>
+          <a:effectRef idx="0">
+            <a:schemeClr val="accent1"/>
+          </a:effectRef>
+          <a:fontRef idx="minor">
+            <a:schemeClr val="tx1"/>
+          </a:fontRef>
+        </p:style>
+      </p:cxnSp>
+      <p:cxnSp>
+        <p:nvCxnSpPr>
+          <p:cNvPr id="63" name="Straight Arrow Connector 62"/>
+          <p:cNvCxnSpPr/>
+          <p:nvPr/>
+        </p:nvCxnSpPr>
+        <p:spPr>
+          <a:xfrm>
+            <a:off x="9182237" y="4110741"/>
+            <a:ext cx="0" cy="172177"/>
+          </a:xfrm>
+          <a:prstGeom prst="straightConnector1">
+            <a:avLst/>
+          </a:prstGeom>
+          <a:ln w="25400">
+            <a:solidFill>
+              <a:srgbClr val="0070C0"/>
+            </a:solidFill>
+            <a:tailEnd type="triangle"/>
+          </a:ln>
+        </p:spPr>
+        <p:style>
+          <a:lnRef idx="1">
+            <a:schemeClr val="accent1"/>
+          </a:lnRef>
+          <a:fillRef idx="0">
+            <a:schemeClr val="accent1"/>
+          </a:fillRef>
+          <a:effectRef idx="0">
+            <a:schemeClr val="accent1"/>
+          </a:effectRef>
+          <a:fontRef idx="minor">
+            <a:schemeClr val="tx1"/>
+          </a:fontRef>
+        </p:style>
+      </p:cxnSp>
+      <p:cxnSp>
+        <p:nvCxnSpPr>
+          <p:cNvPr id="64" name="Straight Arrow Connector 63"/>
+          <p:cNvCxnSpPr/>
+          <p:nvPr/>
+        </p:nvCxnSpPr>
+        <p:spPr>
+          <a:xfrm>
+            <a:off x="9227218" y="4654332"/>
+            <a:ext cx="331071" cy="172177"/>
+          </a:xfrm>
+          <a:prstGeom prst="straightConnector1">
+            <a:avLst/>
+          </a:prstGeom>
+          <a:ln w="25400">
+            <a:solidFill>
+              <a:srgbClr val="0070C0"/>
+            </a:solidFill>
+            <a:tailEnd type="triangle"/>
+          </a:ln>
+        </p:spPr>
+        <p:style>
+          <a:lnRef idx="1">
+            <a:schemeClr val="accent1"/>
+          </a:lnRef>
+          <a:fillRef idx="0">
+            <a:schemeClr val="accent1"/>
+          </a:fillRef>
+          <a:effectRef idx="0">
+            <a:schemeClr val="accent1"/>
+          </a:effectRef>
+          <a:fontRef idx="minor">
+            <a:schemeClr val="tx1"/>
+          </a:fontRef>
+        </p:style>
+      </p:cxnSp>
+      <p:cxnSp>
+        <p:nvCxnSpPr>
+          <p:cNvPr id="65" name="Straight Arrow Connector 64"/>
+          <p:cNvCxnSpPr/>
+          <p:nvPr/>
+        </p:nvCxnSpPr>
+        <p:spPr>
+          <a:xfrm>
+            <a:off x="9994337" y="3090944"/>
+            <a:ext cx="0" cy="172177"/>
+          </a:xfrm>
+          <a:prstGeom prst="straightConnector1">
+            <a:avLst/>
+          </a:prstGeom>
+          <a:ln w="25400">
+            <a:solidFill>
+              <a:srgbClr val="0070C0"/>
+            </a:solidFill>
+            <a:tailEnd type="triangle"/>
+          </a:ln>
+        </p:spPr>
+        <p:style>
+          <a:lnRef idx="1">
+            <a:schemeClr val="accent1"/>
+          </a:lnRef>
+          <a:fillRef idx="0">
+            <a:schemeClr val="accent1"/>
+          </a:fillRef>
+          <a:effectRef idx="0">
+            <a:schemeClr val="accent1"/>
+          </a:effectRef>
+          <a:fontRef idx="minor">
+            <a:schemeClr val="tx1"/>
+          </a:fontRef>
+        </p:style>
+      </p:cxnSp>
+      <p:cxnSp>
+        <p:nvCxnSpPr>
+          <p:cNvPr id="66" name="Straight Arrow Connector 65"/>
+          <p:cNvCxnSpPr/>
+          <p:nvPr/>
+        </p:nvCxnSpPr>
+        <p:spPr>
+          <a:xfrm>
+            <a:off x="9994337" y="3594593"/>
+            <a:ext cx="0" cy="172177"/>
+          </a:xfrm>
+          <a:prstGeom prst="straightConnector1">
+            <a:avLst/>
+          </a:prstGeom>
+          <a:ln w="25400">
+            <a:solidFill>
+              <a:srgbClr val="0070C0"/>
+            </a:solidFill>
+            <a:tailEnd type="triangle"/>
+          </a:ln>
+        </p:spPr>
+        <p:style>
+          <a:lnRef idx="1">
+            <a:schemeClr val="accent1"/>
+          </a:lnRef>
+          <a:fillRef idx="0">
+            <a:schemeClr val="accent1"/>
+          </a:fillRef>
+          <a:effectRef idx="0">
+            <a:schemeClr val="accent1"/>
+          </a:effectRef>
+          <a:fontRef idx="minor">
+            <a:schemeClr val="tx1"/>
+          </a:fontRef>
+        </p:style>
+      </p:cxnSp>
+      <p:cxnSp>
+        <p:nvCxnSpPr>
+          <p:cNvPr id="67" name="Straight Arrow Connector 66"/>
+          <p:cNvCxnSpPr/>
+          <p:nvPr/>
+        </p:nvCxnSpPr>
+        <p:spPr>
+          <a:xfrm>
+            <a:off x="9994337" y="4110741"/>
+            <a:ext cx="0" cy="172177"/>
+          </a:xfrm>
+          <a:prstGeom prst="straightConnector1">
+            <a:avLst/>
+          </a:prstGeom>
+          <a:ln w="25400">
+            <a:solidFill>
+              <a:srgbClr val="0070C0"/>
+            </a:solidFill>
+            <a:tailEnd type="triangle"/>
+          </a:ln>
+        </p:spPr>
+        <p:style>
+          <a:lnRef idx="1">
+            <a:schemeClr val="accent1"/>
+          </a:lnRef>
+          <a:fillRef idx="0">
+            <a:schemeClr val="accent1"/>
+          </a:fillRef>
+          <a:effectRef idx="0">
+            <a:schemeClr val="accent1"/>
+          </a:effectRef>
+          <a:fontRef idx="minor">
+            <a:schemeClr val="tx1"/>
+          </a:fontRef>
+        </p:style>
+      </p:cxnSp>
+      <p:cxnSp>
+        <p:nvCxnSpPr>
+          <p:cNvPr id="68" name="Straight Arrow Connector 67"/>
+          <p:cNvCxnSpPr/>
+          <p:nvPr/>
+        </p:nvCxnSpPr>
+        <p:spPr>
+          <a:xfrm flipH="1">
+            <a:off x="9962939" y="4654332"/>
+            <a:ext cx="309321" cy="172177"/>
+          </a:xfrm>
+          <a:prstGeom prst="straightConnector1">
+            <a:avLst/>
+          </a:prstGeom>
+          <a:ln w="25400">
+            <a:solidFill>
+              <a:srgbClr val="0070C0"/>
+            </a:solidFill>
+            <a:tailEnd type="triangle"/>
+          </a:ln>
+        </p:spPr>
+        <p:style>
+          <a:lnRef idx="1">
+            <a:schemeClr val="accent1"/>
+          </a:lnRef>
+          <a:fillRef idx="0">
+            <a:schemeClr val="accent1"/>
+          </a:fillRef>
+          <a:effectRef idx="0">
+            <a:schemeClr val="accent1"/>
+          </a:effectRef>
+          <a:fontRef idx="minor">
+            <a:schemeClr val="tx1"/>
+          </a:fontRef>
+        </p:style>
+      </p:cxnSp>
+      <p:cxnSp>
+        <p:nvCxnSpPr>
+          <p:cNvPr id="69" name="Straight Arrow Connector 68"/>
+          <p:cNvCxnSpPr/>
+          <p:nvPr/>
+        </p:nvCxnSpPr>
+        <p:spPr>
+          <a:xfrm>
+            <a:off x="9631720" y="5175585"/>
+            <a:ext cx="0" cy="172177"/>
+          </a:xfrm>
+          <a:prstGeom prst="straightConnector1">
+            <a:avLst/>
+          </a:prstGeom>
+          <a:ln w="25400">
+            <a:solidFill>
+              <a:srgbClr val="0070C0"/>
+            </a:solidFill>
+            <a:tailEnd type="triangle"/>
+          </a:ln>
+        </p:spPr>
+        <p:style>
+          <a:lnRef idx="1">
+            <a:schemeClr val="accent1"/>
+          </a:lnRef>
+          <a:fillRef idx="0">
+            <a:schemeClr val="accent1"/>
+          </a:fillRef>
+          <a:effectRef idx="0">
+            <a:schemeClr val="accent1"/>
+          </a:effectRef>
+          <a:fontRef idx="minor">
+            <a:schemeClr val="tx1"/>
+          </a:fontRef>
+        </p:style>
+      </p:cxnSp>
+      <p:cxnSp>
+        <p:nvCxnSpPr>
+          <p:cNvPr id="42" name="Straight Arrow Connector 41"/>
+          <p:cNvCxnSpPr/>
+          <p:nvPr/>
+        </p:nvCxnSpPr>
+        <p:spPr>
+          <a:xfrm>
+            <a:off x="9331453" y="4111531"/>
+            <a:ext cx="0" cy="172177"/>
+          </a:xfrm>
+          <a:prstGeom prst="straightConnector1">
+            <a:avLst/>
+          </a:prstGeom>
+          <a:ln w="25400">
+            <a:solidFill>
+              <a:schemeClr val="tx2"/>
+            </a:solidFill>
+            <a:tailEnd type="triangle"/>
+          </a:ln>
+        </p:spPr>
+        <p:style>
+          <a:lnRef idx="1">
+            <a:schemeClr val="accent1"/>
+          </a:lnRef>
+          <a:fillRef idx="0">
+            <a:schemeClr val="accent1"/>
+          </a:fillRef>
+          <a:effectRef idx="0">
+            <a:schemeClr val="accent1"/>
+          </a:effectRef>
+          <a:fontRef idx="minor">
+            <a:schemeClr val="tx1"/>
+          </a:fontRef>
+        </p:style>
+      </p:cxnSp>
     </p:spTree>
     <p:extLst>
       <p:ext uri="{BB962C8B-B14F-4D97-AF65-F5344CB8AC3E}">
-        <p14:creationId xmlns:p14="http://schemas.microsoft.com/office/powerpoint/2010/main" val="860591244"/>
+        <p14:creationId xmlns:p14="http://schemas.microsoft.com/office/powerpoint/2010/main" val="3078377659"/>
       </p:ext>
     </p:extLst>
   </p:cSld>
@@ -4471,7 +8185,2998 @@
   <p:timing>
     <p:tnLst>
       <p:par>
-        <p:cTn id="1" dur="indefinite" restart="never" nodeType="tmRoot"/>
+        <p:cTn id="1" dur="indefinite" restart="never" nodeType="tmRoot">
+          <p:childTnLst>
+            <p:seq concurrent="1" nextAc="seek">
+              <p:cTn id="2" dur="indefinite" nodeType="mainSeq">
+                <p:childTnLst>
+                  <p:par>
+                    <p:cTn id="3" fill="hold">
+                      <p:stCondLst>
+                        <p:cond delay="indefinite"/>
+                      </p:stCondLst>
+                      <p:childTnLst>
+                        <p:par>
+                          <p:cTn id="4" fill="hold">
+                            <p:stCondLst>
+                              <p:cond delay="0"/>
+                            </p:stCondLst>
+                            <p:childTnLst>
+                              <p:par>
+                                <p:cTn id="5" presetID="10" presetClass="entr" presetSubtype="0" fill="hold" nodeType="clickEffect">
+                                  <p:stCondLst>
+                                    <p:cond delay="0"/>
+                                  </p:stCondLst>
+                                  <p:childTnLst>
+                                    <p:set>
+                                      <p:cBhvr>
+                                        <p:cTn id="6" dur="1" fill="hold">
+                                          <p:stCondLst>
+                                            <p:cond delay="0"/>
+                                          </p:stCondLst>
+                                        </p:cTn>
+                                        <p:tgtEl>
+                                          <p:spTgt spid="62"/>
+                                        </p:tgtEl>
+                                        <p:attrNameLst>
+                                          <p:attrName>style.visibility</p:attrName>
+                                        </p:attrNameLst>
+                                      </p:cBhvr>
+                                      <p:to>
+                                        <p:strVal val="visible"/>
+                                      </p:to>
+                                    </p:set>
+                                    <p:animEffect transition="in" filter="fade">
+                                      <p:cBhvr>
+                                        <p:cTn id="7" dur="500"/>
+                                        <p:tgtEl>
+                                          <p:spTgt spid="62"/>
+                                        </p:tgtEl>
+                                      </p:cBhvr>
+                                    </p:animEffect>
+                                  </p:childTnLst>
+                                </p:cTn>
+                              </p:par>
+                            </p:childTnLst>
+                          </p:cTn>
+                        </p:par>
+                      </p:childTnLst>
+                    </p:cTn>
+                  </p:par>
+                  <p:par>
+                    <p:cTn id="8" fill="hold">
+                      <p:stCondLst>
+                        <p:cond delay="indefinite"/>
+                      </p:stCondLst>
+                      <p:childTnLst>
+                        <p:par>
+                          <p:cTn id="9" fill="hold">
+                            <p:stCondLst>
+                              <p:cond delay="0"/>
+                            </p:stCondLst>
+                            <p:childTnLst>
+                              <p:par>
+                                <p:cTn id="10" presetID="10" presetClass="entr" presetSubtype="0" fill="hold" nodeType="clickEffect">
+                                  <p:stCondLst>
+                                    <p:cond delay="0"/>
+                                  </p:stCondLst>
+                                  <p:childTnLst>
+                                    <p:set>
+                                      <p:cBhvr>
+                                        <p:cTn id="11" dur="1" fill="hold">
+                                          <p:stCondLst>
+                                            <p:cond delay="0"/>
+                                          </p:stCondLst>
+                                        </p:cTn>
+                                        <p:tgtEl>
+                                          <p:spTgt spid="63"/>
+                                        </p:tgtEl>
+                                        <p:attrNameLst>
+                                          <p:attrName>style.visibility</p:attrName>
+                                        </p:attrNameLst>
+                                      </p:cBhvr>
+                                      <p:to>
+                                        <p:strVal val="visible"/>
+                                      </p:to>
+                                    </p:set>
+                                    <p:animEffect transition="in" filter="fade">
+                                      <p:cBhvr>
+                                        <p:cTn id="12" dur="500"/>
+                                        <p:tgtEl>
+                                          <p:spTgt spid="63"/>
+                                        </p:tgtEl>
+                                      </p:cBhvr>
+                                    </p:animEffect>
+                                  </p:childTnLst>
+                                </p:cTn>
+                              </p:par>
+                            </p:childTnLst>
+                          </p:cTn>
+                        </p:par>
+                      </p:childTnLst>
+                    </p:cTn>
+                  </p:par>
+                  <p:par>
+                    <p:cTn id="13" fill="hold">
+                      <p:stCondLst>
+                        <p:cond delay="indefinite"/>
+                      </p:stCondLst>
+                      <p:childTnLst>
+                        <p:par>
+                          <p:cTn id="14" fill="hold">
+                            <p:stCondLst>
+                              <p:cond delay="0"/>
+                            </p:stCondLst>
+                            <p:childTnLst>
+                              <p:par>
+                                <p:cTn id="15" presetID="10" presetClass="exit" presetSubtype="0" fill="hold" nodeType="clickEffect">
+                                  <p:stCondLst>
+                                    <p:cond delay="0"/>
+                                  </p:stCondLst>
+                                  <p:childTnLst>
+                                    <p:animEffect transition="out" filter="fade">
+                                      <p:cBhvr>
+                                        <p:cTn id="16" dur="500"/>
+                                        <p:tgtEl>
+                                          <p:spTgt spid="62"/>
+                                        </p:tgtEl>
+                                      </p:cBhvr>
+                                    </p:animEffect>
+                                    <p:set>
+                                      <p:cBhvr>
+                                        <p:cTn id="17" dur="1" fill="hold">
+                                          <p:stCondLst>
+                                            <p:cond delay="499"/>
+                                          </p:stCondLst>
+                                        </p:cTn>
+                                        <p:tgtEl>
+                                          <p:spTgt spid="62"/>
+                                        </p:tgtEl>
+                                        <p:attrNameLst>
+                                          <p:attrName>style.visibility</p:attrName>
+                                        </p:attrNameLst>
+                                      </p:cBhvr>
+                                      <p:to>
+                                        <p:strVal val="hidden"/>
+                                      </p:to>
+                                    </p:set>
+                                  </p:childTnLst>
+                                </p:cTn>
+                              </p:par>
+                            </p:childTnLst>
+                          </p:cTn>
+                        </p:par>
+                      </p:childTnLst>
+                    </p:cTn>
+                  </p:par>
+                  <p:par>
+                    <p:cTn id="18" fill="hold">
+                      <p:stCondLst>
+                        <p:cond delay="indefinite"/>
+                      </p:stCondLst>
+                      <p:childTnLst>
+                        <p:par>
+                          <p:cTn id="19" fill="hold">
+                            <p:stCondLst>
+                              <p:cond delay="0"/>
+                            </p:stCondLst>
+                            <p:childTnLst>
+                              <p:par>
+                                <p:cTn id="20" presetID="10" presetClass="entr" presetSubtype="0" fill="hold" nodeType="clickEffect">
+                                  <p:stCondLst>
+                                    <p:cond delay="0"/>
+                                  </p:stCondLst>
+                                  <p:childTnLst>
+                                    <p:set>
+                                      <p:cBhvr>
+                                        <p:cTn id="21" dur="1" fill="hold">
+                                          <p:stCondLst>
+                                            <p:cond delay="0"/>
+                                          </p:stCondLst>
+                                        </p:cTn>
+                                        <p:tgtEl>
+                                          <p:spTgt spid="64"/>
+                                        </p:tgtEl>
+                                        <p:attrNameLst>
+                                          <p:attrName>style.visibility</p:attrName>
+                                        </p:attrNameLst>
+                                      </p:cBhvr>
+                                      <p:to>
+                                        <p:strVal val="visible"/>
+                                      </p:to>
+                                    </p:set>
+                                    <p:animEffect transition="in" filter="fade">
+                                      <p:cBhvr>
+                                        <p:cTn id="22" dur="500"/>
+                                        <p:tgtEl>
+                                          <p:spTgt spid="64"/>
+                                        </p:tgtEl>
+                                      </p:cBhvr>
+                                    </p:animEffect>
+                                  </p:childTnLst>
+                                </p:cTn>
+                              </p:par>
+                            </p:childTnLst>
+                          </p:cTn>
+                        </p:par>
+                      </p:childTnLst>
+                    </p:cTn>
+                  </p:par>
+                  <p:par>
+                    <p:cTn id="23" fill="hold">
+                      <p:stCondLst>
+                        <p:cond delay="indefinite"/>
+                      </p:stCondLst>
+                      <p:childTnLst>
+                        <p:par>
+                          <p:cTn id="24" fill="hold">
+                            <p:stCondLst>
+                              <p:cond delay="0"/>
+                            </p:stCondLst>
+                            <p:childTnLst>
+                              <p:par>
+                                <p:cTn id="25" presetID="10" presetClass="exit" presetSubtype="0" fill="hold" nodeType="clickEffect">
+                                  <p:stCondLst>
+                                    <p:cond delay="0"/>
+                                  </p:stCondLst>
+                                  <p:childTnLst>
+                                    <p:animEffect transition="out" filter="fade">
+                                      <p:cBhvr>
+                                        <p:cTn id="26" dur="500"/>
+                                        <p:tgtEl>
+                                          <p:spTgt spid="63"/>
+                                        </p:tgtEl>
+                                      </p:cBhvr>
+                                    </p:animEffect>
+                                    <p:set>
+                                      <p:cBhvr>
+                                        <p:cTn id="27" dur="1" fill="hold">
+                                          <p:stCondLst>
+                                            <p:cond delay="499"/>
+                                          </p:stCondLst>
+                                        </p:cTn>
+                                        <p:tgtEl>
+                                          <p:spTgt spid="63"/>
+                                        </p:tgtEl>
+                                        <p:attrNameLst>
+                                          <p:attrName>style.visibility</p:attrName>
+                                        </p:attrNameLst>
+                                      </p:cBhvr>
+                                      <p:to>
+                                        <p:strVal val="hidden"/>
+                                      </p:to>
+                                    </p:set>
+                                  </p:childTnLst>
+                                </p:cTn>
+                              </p:par>
+                            </p:childTnLst>
+                          </p:cTn>
+                        </p:par>
+                      </p:childTnLst>
+                    </p:cTn>
+                  </p:par>
+                  <p:par>
+                    <p:cTn id="28" fill="hold">
+                      <p:stCondLst>
+                        <p:cond delay="indefinite"/>
+                      </p:stCondLst>
+                      <p:childTnLst>
+                        <p:par>
+                          <p:cTn id="29" fill="hold">
+                            <p:stCondLst>
+                              <p:cond delay="0"/>
+                            </p:stCondLst>
+                            <p:childTnLst>
+                              <p:par>
+                                <p:cTn id="30" presetID="10" presetClass="entr" presetSubtype="0" fill="hold" nodeType="clickEffect">
+                                  <p:stCondLst>
+                                    <p:cond delay="0"/>
+                                  </p:stCondLst>
+                                  <p:childTnLst>
+                                    <p:set>
+                                      <p:cBhvr>
+                                        <p:cTn id="31" dur="1" fill="hold">
+                                          <p:stCondLst>
+                                            <p:cond delay="0"/>
+                                          </p:stCondLst>
+                                        </p:cTn>
+                                        <p:tgtEl>
+                                          <p:spTgt spid="65"/>
+                                        </p:tgtEl>
+                                        <p:attrNameLst>
+                                          <p:attrName>style.visibility</p:attrName>
+                                        </p:attrNameLst>
+                                      </p:cBhvr>
+                                      <p:to>
+                                        <p:strVal val="visible"/>
+                                      </p:to>
+                                    </p:set>
+                                    <p:animEffect transition="in" filter="fade">
+                                      <p:cBhvr>
+                                        <p:cTn id="32" dur="500"/>
+                                        <p:tgtEl>
+                                          <p:spTgt spid="65"/>
+                                        </p:tgtEl>
+                                      </p:cBhvr>
+                                    </p:animEffect>
+                                  </p:childTnLst>
+                                </p:cTn>
+                              </p:par>
+                            </p:childTnLst>
+                          </p:cTn>
+                        </p:par>
+                      </p:childTnLst>
+                    </p:cTn>
+                  </p:par>
+                  <p:par>
+                    <p:cTn id="33" fill="hold">
+                      <p:stCondLst>
+                        <p:cond delay="indefinite"/>
+                      </p:stCondLst>
+                      <p:childTnLst>
+                        <p:par>
+                          <p:cTn id="34" fill="hold">
+                            <p:stCondLst>
+                              <p:cond delay="0"/>
+                            </p:stCondLst>
+                            <p:childTnLst>
+                              <p:par>
+                                <p:cTn id="35" presetID="10" presetClass="exit" presetSubtype="0" fill="hold" nodeType="clickEffect">
+                                  <p:stCondLst>
+                                    <p:cond delay="0"/>
+                                  </p:stCondLst>
+                                  <p:childTnLst>
+                                    <p:animEffect transition="out" filter="fade">
+                                      <p:cBhvr>
+                                        <p:cTn id="36" dur="500"/>
+                                        <p:tgtEl>
+                                          <p:spTgt spid="64"/>
+                                        </p:tgtEl>
+                                      </p:cBhvr>
+                                    </p:animEffect>
+                                    <p:set>
+                                      <p:cBhvr>
+                                        <p:cTn id="37" dur="1" fill="hold">
+                                          <p:stCondLst>
+                                            <p:cond delay="499"/>
+                                          </p:stCondLst>
+                                        </p:cTn>
+                                        <p:tgtEl>
+                                          <p:spTgt spid="64"/>
+                                        </p:tgtEl>
+                                        <p:attrNameLst>
+                                          <p:attrName>style.visibility</p:attrName>
+                                        </p:attrNameLst>
+                                      </p:cBhvr>
+                                      <p:to>
+                                        <p:strVal val="hidden"/>
+                                      </p:to>
+                                    </p:set>
+                                  </p:childTnLst>
+                                </p:cTn>
+                              </p:par>
+                            </p:childTnLst>
+                          </p:cTn>
+                        </p:par>
+                      </p:childTnLst>
+                    </p:cTn>
+                  </p:par>
+                  <p:par>
+                    <p:cTn id="38" fill="hold">
+                      <p:stCondLst>
+                        <p:cond delay="indefinite"/>
+                      </p:stCondLst>
+                      <p:childTnLst>
+                        <p:par>
+                          <p:cTn id="39" fill="hold">
+                            <p:stCondLst>
+                              <p:cond delay="0"/>
+                            </p:stCondLst>
+                            <p:childTnLst>
+                              <p:par>
+                                <p:cTn id="40" presetID="10" presetClass="entr" presetSubtype="0" fill="hold" nodeType="clickEffect">
+                                  <p:stCondLst>
+                                    <p:cond delay="0"/>
+                                  </p:stCondLst>
+                                  <p:childTnLst>
+                                    <p:set>
+                                      <p:cBhvr>
+                                        <p:cTn id="41" dur="1" fill="hold">
+                                          <p:stCondLst>
+                                            <p:cond delay="0"/>
+                                          </p:stCondLst>
+                                        </p:cTn>
+                                        <p:tgtEl>
+                                          <p:spTgt spid="66"/>
+                                        </p:tgtEl>
+                                        <p:attrNameLst>
+                                          <p:attrName>style.visibility</p:attrName>
+                                        </p:attrNameLst>
+                                      </p:cBhvr>
+                                      <p:to>
+                                        <p:strVal val="visible"/>
+                                      </p:to>
+                                    </p:set>
+                                    <p:animEffect transition="in" filter="fade">
+                                      <p:cBhvr>
+                                        <p:cTn id="42" dur="500"/>
+                                        <p:tgtEl>
+                                          <p:spTgt spid="66"/>
+                                        </p:tgtEl>
+                                      </p:cBhvr>
+                                    </p:animEffect>
+                                  </p:childTnLst>
+                                </p:cTn>
+                              </p:par>
+                            </p:childTnLst>
+                          </p:cTn>
+                        </p:par>
+                      </p:childTnLst>
+                    </p:cTn>
+                  </p:par>
+                  <p:par>
+                    <p:cTn id="43" fill="hold">
+                      <p:stCondLst>
+                        <p:cond delay="indefinite"/>
+                      </p:stCondLst>
+                      <p:childTnLst>
+                        <p:par>
+                          <p:cTn id="44" fill="hold">
+                            <p:stCondLst>
+                              <p:cond delay="0"/>
+                            </p:stCondLst>
+                            <p:childTnLst>
+                              <p:par>
+                                <p:cTn id="45" presetID="10" presetClass="exit" presetSubtype="0" fill="hold" nodeType="clickEffect">
+                                  <p:stCondLst>
+                                    <p:cond delay="0"/>
+                                  </p:stCondLst>
+                                  <p:childTnLst>
+                                    <p:animEffect transition="out" filter="fade">
+                                      <p:cBhvr>
+                                        <p:cTn id="46" dur="500"/>
+                                        <p:tgtEl>
+                                          <p:spTgt spid="65"/>
+                                        </p:tgtEl>
+                                      </p:cBhvr>
+                                    </p:animEffect>
+                                    <p:set>
+                                      <p:cBhvr>
+                                        <p:cTn id="47" dur="1" fill="hold">
+                                          <p:stCondLst>
+                                            <p:cond delay="499"/>
+                                          </p:stCondLst>
+                                        </p:cTn>
+                                        <p:tgtEl>
+                                          <p:spTgt spid="65"/>
+                                        </p:tgtEl>
+                                        <p:attrNameLst>
+                                          <p:attrName>style.visibility</p:attrName>
+                                        </p:attrNameLst>
+                                      </p:cBhvr>
+                                      <p:to>
+                                        <p:strVal val="hidden"/>
+                                      </p:to>
+                                    </p:set>
+                                  </p:childTnLst>
+                                </p:cTn>
+                              </p:par>
+                            </p:childTnLst>
+                          </p:cTn>
+                        </p:par>
+                      </p:childTnLst>
+                    </p:cTn>
+                  </p:par>
+                  <p:par>
+                    <p:cTn id="48" fill="hold">
+                      <p:stCondLst>
+                        <p:cond delay="indefinite"/>
+                      </p:stCondLst>
+                      <p:childTnLst>
+                        <p:par>
+                          <p:cTn id="49" fill="hold">
+                            <p:stCondLst>
+                              <p:cond delay="0"/>
+                            </p:stCondLst>
+                            <p:childTnLst>
+                              <p:par>
+                                <p:cTn id="50" presetID="10" presetClass="entr" presetSubtype="0" fill="hold" nodeType="clickEffect">
+                                  <p:stCondLst>
+                                    <p:cond delay="0"/>
+                                  </p:stCondLst>
+                                  <p:childTnLst>
+                                    <p:set>
+                                      <p:cBhvr>
+                                        <p:cTn id="51" dur="1" fill="hold">
+                                          <p:stCondLst>
+                                            <p:cond delay="0"/>
+                                          </p:stCondLst>
+                                        </p:cTn>
+                                        <p:tgtEl>
+                                          <p:spTgt spid="67"/>
+                                        </p:tgtEl>
+                                        <p:attrNameLst>
+                                          <p:attrName>style.visibility</p:attrName>
+                                        </p:attrNameLst>
+                                      </p:cBhvr>
+                                      <p:to>
+                                        <p:strVal val="visible"/>
+                                      </p:to>
+                                    </p:set>
+                                    <p:animEffect transition="in" filter="fade">
+                                      <p:cBhvr>
+                                        <p:cTn id="52" dur="500"/>
+                                        <p:tgtEl>
+                                          <p:spTgt spid="67"/>
+                                        </p:tgtEl>
+                                      </p:cBhvr>
+                                    </p:animEffect>
+                                  </p:childTnLst>
+                                </p:cTn>
+                              </p:par>
+                            </p:childTnLst>
+                          </p:cTn>
+                        </p:par>
+                      </p:childTnLst>
+                    </p:cTn>
+                  </p:par>
+                  <p:par>
+                    <p:cTn id="53" fill="hold">
+                      <p:stCondLst>
+                        <p:cond delay="indefinite"/>
+                      </p:stCondLst>
+                      <p:childTnLst>
+                        <p:par>
+                          <p:cTn id="54" fill="hold">
+                            <p:stCondLst>
+                              <p:cond delay="0"/>
+                            </p:stCondLst>
+                            <p:childTnLst>
+                              <p:par>
+                                <p:cTn id="55" presetID="10" presetClass="exit" presetSubtype="0" fill="hold" nodeType="clickEffect">
+                                  <p:stCondLst>
+                                    <p:cond delay="0"/>
+                                  </p:stCondLst>
+                                  <p:childTnLst>
+                                    <p:animEffect transition="out" filter="fade">
+                                      <p:cBhvr>
+                                        <p:cTn id="56" dur="500"/>
+                                        <p:tgtEl>
+                                          <p:spTgt spid="66"/>
+                                        </p:tgtEl>
+                                      </p:cBhvr>
+                                    </p:animEffect>
+                                    <p:set>
+                                      <p:cBhvr>
+                                        <p:cTn id="57" dur="1" fill="hold">
+                                          <p:stCondLst>
+                                            <p:cond delay="499"/>
+                                          </p:stCondLst>
+                                        </p:cTn>
+                                        <p:tgtEl>
+                                          <p:spTgt spid="66"/>
+                                        </p:tgtEl>
+                                        <p:attrNameLst>
+                                          <p:attrName>style.visibility</p:attrName>
+                                        </p:attrNameLst>
+                                      </p:cBhvr>
+                                      <p:to>
+                                        <p:strVal val="hidden"/>
+                                      </p:to>
+                                    </p:set>
+                                  </p:childTnLst>
+                                </p:cTn>
+                              </p:par>
+                            </p:childTnLst>
+                          </p:cTn>
+                        </p:par>
+                      </p:childTnLst>
+                    </p:cTn>
+                  </p:par>
+                  <p:par>
+                    <p:cTn id="58" fill="hold">
+                      <p:stCondLst>
+                        <p:cond delay="indefinite"/>
+                      </p:stCondLst>
+                      <p:childTnLst>
+                        <p:par>
+                          <p:cTn id="59" fill="hold">
+                            <p:stCondLst>
+                              <p:cond delay="0"/>
+                            </p:stCondLst>
+                            <p:childTnLst>
+                              <p:par>
+                                <p:cTn id="60" presetID="10" presetClass="entr" presetSubtype="0" fill="hold" nodeType="clickEffect">
+                                  <p:stCondLst>
+                                    <p:cond delay="0"/>
+                                  </p:stCondLst>
+                                  <p:childTnLst>
+                                    <p:set>
+                                      <p:cBhvr>
+                                        <p:cTn id="61" dur="1" fill="hold">
+                                          <p:stCondLst>
+                                            <p:cond delay="0"/>
+                                          </p:stCondLst>
+                                        </p:cTn>
+                                        <p:tgtEl>
+                                          <p:spTgt spid="68"/>
+                                        </p:tgtEl>
+                                        <p:attrNameLst>
+                                          <p:attrName>style.visibility</p:attrName>
+                                        </p:attrNameLst>
+                                      </p:cBhvr>
+                                      <p:to>
+                                        <p:strVal val="visible"/>
+                                      </p:to>
+                                    </p:set>
+                                    <p:animEffect transition="in" filter="fade">
+                                      <p:cBhvr>
+                                        <p:cTn id="62" dur="500"/>
+                                        <p:tgtEl>
+                                          <p:spTgt spid="68"/>
+                                        </p:tgtEl>
+                                      </p:cBhvr>
+                                    </p:animEffect>
+                                  </p:childTnLst>
+                                </p:cTn>
+                              </p:par>
+                            </p:childTnLst>
+                          </p:cTn>
+                        </p:par>
+                      </p:childTnLst>
+                    </p:cTn>
+                  </p:par>
+                  <p:par>
+                    <p:cTn id="63" fill="hold">
+                      <p:stCondLst>
+                        <p:cond delay="indefinite"/>
+                      </p:stCondLst>
+                      <p:childTnLst>
+                        <p:par>
+                          <p:cTn id="64" fill="hold">
+                            <p:stCondLst>
+                              <p:cond delay="0"/>
+                            </p:stCondLst>
+                            <p:childTnLst>
+                              <p:par>
+                                <p:cTn id="65" presetID="10" presetClass="exit" presetSubtype="0" fill="hold" nodeType="clickEffect">
+                                  <p:stCondLst>
+                                    <p:cond delay="0"/>
+                                  </p:stCondLst>
+                                  <p:childTnLst>
+                                    <p:animEffect transition="out" filter="fade">
+                                      <p:cBhvr>
+                                        <p:cTn id="66" dur="500"/>
+                                        <p:tgtEl>
+                                          <p:spTgt spid="67"/>
+                                        </p:tgtEl>
+                                      </p:cBhvr>
+                                    </p:animEffect>
+                                    <p:set>
+                                      <p:cBhvr>
+                                        <p:cTn id="67" dur="1" fill="hold">
+                                          <p:stCondLst>
+                                            <p:cond delay="499"/>
+                                          </p:stCondLst>
+                                        </p:cTn>
+                                        <p:tgtEl>
+                                          <p:spTgt spid="67"/>
+                                        </p:tgtEl>
+                                        <p:attrNameLst>
+                                          <p:attrName>style.visibility</p:attrName>
+                                        </p:attrNameLst>
+                                      </p:cBhvr>
+                                      <p:to>
+                                        <p:strVal val="hidden"/>
+                                      </p:to>
+                                    </p:set>
+                                  </p:childTnLst>
+                                </p:cTn>
+                              </p:par>
+                            </p:childTnLst>
+                          </p:cTn>
+                        </p:par>
+                      </p:childTnLst>
+                    </p:cTn>
+                  </p:par>
+                  <p:par>
+                    <p:cTn id="68" fill="hold">
+                      <p:stCondLst>
+                        <p:cond delay="indefinite"/>
+                      </p:stCondLst>
+                      <p:childTnLst>
+                        <p:par>
+                          <p:cTn id="69" fill="hold">
+                            <p:stCondLst>
+                              <p:cond delay="0"/>
+                            </p:stCondLst>
+                            <p:childTnLst>
+                              <p:par>
+                                <p:cTn id="70" presetID="10" presetClass="entr" presetSubtype="0" fill="hold" nodeType="clickEffect">
+                                  <p:stCondLst>
+                                    <p:cond delay="0"/>
+                                  </p:stCondLst>
+                                  <p:childTnLst>
+                                    <p:set>
+                                      <p:cBhvr>
+                                        <p:cTn id="71" dur="1" fill="hold">
+                                          <p:stCondLst>
+                                            <p:cond delay="0"/>
+                                          </p:stCondLst>
+                                        </p:cTn>
+                                        <p:tgtEl>
+                                          <p:spTgt spid="69"/>
+                                        </p:tgtEl>
+                                        <p:attrNameLst>
+                                          <p:attrName>style.visibility</p:attrName>
+                                        </p:attrNameLst>
+                                      </p:cBhvr>
+                                      <p:to>
+                                        <p:strVal val="visible"/>
+                                      </p:to>
+                                    </p:set>
+                                    <p:animEffect transition="in" filter="fade">
+                                      <p:cBhvr>
+                                        <p:cTn id="72" dur="500"/>
+                                        <p:tgtEl>
+                                          <p:spTgt spid="69"/>
+                                        </p:tgtEl>
+                                      </p:cBhvr>
+                                    </p:animEffect>
+                                  </p:childTnLst>
+                                </p:cTn>
+                              </p:par>
+                            </p:childTnLst>
+                          </p:cTn>
+                        </p:par>
+                      </p:childTnLst>
+                    </p:cTn>
+                  </p:par>
+                  <p:par>
+                    <p:cTn id="73" fill="hold">
+                      <p:stCondLst>
+                        <p:cond delay="indefinite"/>
+                      </p:stCondLst>
+                      <p:childTnLst>
+                        <p:par>
+                          <p:cTn id="74" fill="hold">
+                            <p:stCondLst>
+                              <p:cond delay="0"/>
+                            </p:stCondLst>
+                            <p:childTnLst>
+                              <p:par>
+                                <p:cTn id="75" presetID="10" presetClass="exit" presetSubtype="0" fill="hold" nodeType="clickEffect">
+                                  <p:stCondLst>
+                                    <p:cond delay="0"/>
+                                  </p:stCondLst>
+                                  <p:childTnLst>
+                                    <p:animEffect transition="out" filter="fade">
+                                      <p:cBhvr>
+                                        <p:cTn id="76" dur="500"/>
+                                        <p:tgtEl>
+                                          <p:spTgt spid="68"/>
+                                        </p:tgtEl>
+                                      </p:cBhvr>
+                                    </p:animEffect>
+                                    <p:set>
+                                      <p:cBhvr>
+                                        <p:cTn id="77" dur="1" fill="hold">
+                                          <p:stCondLst>
+                                            <p:cond delay="499"/>
+                                          </p:stCondLst>
+                                        </p:cTn>
+                                        <p:tgtEl>
+                                          <p:spTgt spid="68"/>
+                                        </p:tgtEl>
+                                        <p:attrNameLst>
+                                          <p:attrName>style.visibility</p:attrName>
+                                        </p:attrNameLst>
+                                      </p:cBhvr>
+                                      <p:to>
+                                        <p:strVal val="hidden"/>
+                                      </p:to>
+                                    </p:set>
+                                  </p:childTnLst>
+                                </p:cTn>
+                              </p:par>
+                            </p:childTnLst>
+                          </p:cTn>
+                        </p:par>
+                      </p:childTnLst>
+                    </p:cTn>
+                  </p:par>
+                  <p:par>
+                    <p:cTn id="78" fill="hold">
+                      <p:stCondLst>
+                        <p:cond delay="indefinite"/>
+                      </p:stCondLst>
+                      <p:childTnLst>
+                        <p:par>
+                          <p:cTn id="79" fill="hold">
+                            <p:stCondLst>
+                              <p:cond delay="0"/>
+                            </p:stCondLst>
+                            <p:childTnLst>
+                              <p:par>
+                                <p:cTn id="80" presetID="10" presetClass="exit" presetSubtype="0" fill="hold" nodeType="clickEffect">
+                                  <p:stCondLst>
+                                    <p:cond delay="0"/>
+                                  </p:stCondLst>
+                                  <p:childTnLst>
+                                    <p:animEffect transition="out" filter="fade">
+                                      <p:cBhvr>
+                                        <p:cTn id="81" dur="500"/>
+                                        <p:tgtEl>
+                                          <p:spTgt spid="69"/>
+                                        </p:tgtEl>
+                                      </p:cBhvr>
+                                    </p:animEffect>
+                                    <p:set>
+                                      <p:cBhvr>
+                                        <p:cTn id="82" dur="1" fill="hold">
+                                          <p:stCondLst>
+                                            <p:cond delay="499"/>
+                                          </p:stCondLst>
+                                        </p:cTn>
+                                        <p:tgtEl>
+                                          <p:spTgt spid="69"/>
+                                        </p:tgtEl>
+                                        <p:attrNameLst>
+                                          <p:attrName>style.visibility</p:attrName>
+                                        </p:attrNameLst>
+                                      </p:cBhvr>
+                                      <p:to>
+                                        <p:strVal val="hidden"/>
+                                      </p:to>
+                                    </p:set>
+                                  </p:childTnLst>
+                                </p:cTn>
+                              </p:par>
+                            </p:childTnLst>
+                          </p:cTn>
+                        </p:par>
+                      </p:childTnLst>
+                    </p:cTn>
+                  </p:par>
+                  <p:par>
+                    <p:cTn id="83" fill="hold">
+                      <p:stCondLst>
+                        <p:cond delay="indefinite"/>
+                      </p:stCondLst>
+                      <p:childTnLst>
+                        <p:par>
+                          <p:cTn id="84" fill="hold">
+                            <p:stCondLst>
+                              <p:cond delay="0"/>
+                            </p:stCondLst>
+                            <p:childTnLst>
+                              <p:par>
+                                <p:cTn id="85" presetID="10" presetClass="entr" presetSubtype="0" fill="hold" nodeType="clickEffect">
+                                  <p:stCondLst>
+                                    <p:cond delay="0"/>
+                                  </p:stCondLst>
+                                  <p:childTnLst>
+                                    <p:set>
+                                      <p:cBhvr>
+                                        <p:cTn id="86" dur="1" fill="hold">
+                                          <p:stCondLst>
+                                            <p:cond delay="0"/>
+                                          </p:stCondLst>
+                                        </p:cTn>
+                                        <p:tgtEl>
+                                          <p:spTgt spid="56"/>
+                                        </p:tgtEl>
+                                        <p:attrNameLst>
+                                          <p:attrName>style.visibility</p:attrName>
+                                        </p:attrNameLst>
+                                      </p:cBhvr>
+                                      <p:to>
+                                        <p:strVal val="visible"/>
+                                      </p:to>
+                                    </p:set>
+                                    <p:animEffect transition="in" filter="fade">
+                                      <p:cBhvr>
+                                        <p:cTn id="87" dur="500"/>
+                                        <p:tgtEl>
+                                          <p:spTgt spid="56"/>
+                                        </p:tgtEl>
+                                      </p:cBhvr>
+                                    </p:animEffect>
+                                  </p:childTnLst>
+                                </p:cTn>
+                              </p:par>
+                            </p:childTnLst>
+                          </p:cTn>
+                        </p:par>
+                      </p:childTnLst>
+                    </p:cTn>
+                  </p:par>
+                  <p:par>
+                    <p:cTn id="88" fill="hold">
+                      <p:stCondLst>
+                        <p:cond delay="indefinite"/>
+                      </p:stCondLst>
+                      <p:childTnLst>
+                        <p:par>
+                          <p:cTn id="89" fill="hold">
+                            <p:stCondLst>
+                              <p:cond delay="0"/>
+                            </p:stCondLst>
+                            <p:childTnLst>
+                              <p:par>
+                                <p:cTn id="90" presetID="10" presetClass="entr" presetSubtype="0" fill="hold" nodeType="clickEffect">
+                                  <p:stCondLst>
+                                    <p:cond delay="0"/>
+                                  </p:stCondLst>
+                                  <p:childTnLst>
+                                    <p:set>
+                                      <p:cBhvr>
+                                        <p:cTn id="91" dur="1" fill="hold">
+                                          <p:stCondLst>
+                                            <p:cond delay="0"/>
+                                          </p:stCondLst>
+                                        </p:cTn>
+                                        <p:tgtEl>
+                                          <p:spTgt spid="49"/>
+                                        </p:tgtEl>
+                                        <p:attrNameLst>
+                                          <p:attrName>style.visibility</p:attrName>
+                                        </p:attrNameLst>
+                                      </p:cBhvr>
+                                      <p:to>
+                                        <p:strVal val="visible"/>
+                                      </p:to>
+                                    </p:set>
+                                    <p:animEffect transition="in" filter="fade">
+                                      <p:cBhvr>
+                                        <p:cTn id="92" dur="500"/>
+                                        <p:tgtEl>
+                                          <p:spTgt spid="49"/>
+                                        </p:tgtEl>
+                                      </p:cBhvr>
+                                    </p:animEffect>
+                                  </p:childTnLst>
+                                </p:cTn>
+                              </p:par>
+                            </p:childTnLst>
+                          </p:cTn>
+                        </p:par>
+                      </p:childTnLst>
+                    </p:cTn>
+                  </p:par>
+                  <p:par>
+                    <p:cTn id="93" fill="hold">
+                      <p:stCondLst>
+                        <p:cond delay="indefinite"/>
+                      </p:stCondLst>
+                      <p:childTnLst>
+                        <p:par>
+                          <p:cTn id="94" fill="hold">
+                            <p:stCondLst>
+                              <p:cond delay="0"/>
+                            </p:stCondLst>
+                            <p:childTnLst>
+                              <p:par>
+                                <p:cTn id="95" presetID="10" presetClass="exit" presetSubtype="0" fill="hold" nodeType="clickEffect">
+                                  <p:stCondLst>
+                                    <p:cond delay="0"/>
+                                  </p:stCondLst>
+                                  <p:childTnLst>
+                                    <p:animEffect transition="out" filter="fade">
+                                      <p:cBhvr>
+                                        <p:cTn id="96" dur="500"/>
+                                        <p:tgtEl>
+                                          <p:spTgt spid="56"/>
+                                        </p:tgtEl>
+                                      </p:cBhvr>
+                                    </p:animEffect>
+                                    <p:set>
+                                      <p:cBhvr>
+                                        <p:cTn id="97" dur="1" fill="hold">
+                                          <p:stCondLst>
+                                            <p:cond delay="499"/>
+                                          </p:stCondLst>
+                                        </p:cTn>
+                                        <p:tgtEl>
+                                          <p:spTgt spid="56"/>
+                                        </p:tgtEl>
+                                        <p:attrNameLst>
+                                          <p:attrName>style.visibility</p:attrName>
+                                        </p:attrNameLst>
+                                      </p:cBhvr>
+                                      <p:to>
+                                        <p:strVal val="hidden"/>
+                                      </p:to>
+                                    </p:set>
+                                  </p:childTnLst>
+                                </p:cTn>
+                              </p:par>
+                            </p:childTnLst>
+                          </p:cTn>
+                        </p:par>
+                      </p:childTnLst>
+                    </p:cTn>
+                  </p:par>
+                  <p:par>
+                    <p:cTn id="98" fill="hold">
+                      <p:stCondLst>
+                        <p:cond delay="indefinite"/>
+                      </p:stCondLst>
+                      <p:childTnLst>
+                        <p:par>
+                          <p:cTn id="99" fill="hold">
+                            <p:stCondLst>
+                              <p:cond delay="0"/>
+                            </p:stCondLst>
+                            <p:childTnLst>
+                              <p:par>
+                                <p:cTn id="100" presetID="10" presetClass="entr" presetSubtype="0" fill="hold" nodeType="clickEffect">
+                                  <p:stCondLst>
+                                    <p:cond delay="0"/>
+                                  </p:stCondLst>
+                                  <p:childTnLst>
+                                    <p:set>
+                                      <p:cBhvr>
+                                        <p:cTn id="101" dur="1" fill="hold">
+                                          <p:stCondLst>
+                                            <p:cond delay="0"/>
+                                          </p:stCondLst>
+                                        </p:cTn>
+                                        <p:tgtEl>
+                                          <p:spTgt spid="48"/>
+                                        </p:tgtEl>
+                                        <p:attrNameLst>
+                                          <p:attrName>style.visibility</p:attrName>
+                                        </p:attrNameLst>
+                                      </p:cBhvr>
+                                      <p:to>
+                                        <p:strVal val="visible"/>
+                                      </p:to>
+                                    </p:set>
+                                    <p:animEffect transition="in" filter="fade">
+                                      <p:cBhvr>
+                                        <p:cTn id="102" dur="500"/>
+                                        <p:tgtEl>
+                                          <p:spTgt spid="48"/>
+                                        </p:tgtEl>
+                                      </p:cBhvr>
+                                    </p:animEffect>
+                                  </p:childTnLst>
+                                </p:cTn>
+                              </p:par>
+                            </p:childTnLst>
+                          </p:cTn>
+                        </p:par>
+                      </p:childTnLst>
+                    </p:cTn>
+                  </p:par>
+                  <p:par>
+                    <p:cTn id="103" fill="hold">
+                      <p:stCondLst>
+                        <p:cond delay="indefinite"/>
+                      </p:stCondLst>
+                      <p:childTnLst>
+                        <p:par>
+                          <p:cTn id="104" fill="hold">
+                            <p:stCondLst>
+                              <p:cond delay="0"/>
+                            </p:stCondLst>
+                            <p:childTnLst>
+                              <p:par>
+                                <p:cTn id="105" presetID="10" presetClass="exit" presetSubtype="0" fill="hold" nodeType="clickEffect">
+                                  <p:stCondLst>
+                                    <p:cond delay="0"/>
+                                  </p:stCondLst>
+                                  <p:childTnLst>
+                                    <p:animEffect transition="out" filter="fade">
+                                      <p:cBhvr>
+                                        <p:cTn id="106" dur="500"/>
+                                        <p:tgtEl>
+                                          <p:spTgt spid="49"/>
+                                        </p:tgtEl>
+                                      </p:cBhvr>
+                                    </p:animEffect>
+                                    <p:set>
+                                      <p:cBhvr>
+                                        <p:cTn id="107" dur="1" fill="hold">
+                                          <p:stCondLst>
+                                            <p:cond delay="499"/>
+                                          </p:stCondLst>
+                                        </p:cTn>
+                                        <p:tgtEl>
+                                          <p:spTgt spid="49"/>
+                                        </p:tgtEl>
+                                        <p:attrNameLst>
+                                          <p:attrName>style.visibility</p:attrName>
+                                        </p:attrNameLst>
+                                      </p:cBhvr>
+                                      <p:to>
+                                        <p:strVal val="hidden"/>
+                                      </p:to>
+                                    </p:set>
+                                  </p:childTnLst>
+                                </p:cTn>
+                              </p:par>
+                            </p:childTnLst>
+                          </p:cTn>
+                        </p:par>
+                      </p:childTnLst>
+                    </p:cTn>
+                  </p:par>
+                  <p:par>
+                    <p:cTn id="108" fill="hold">
+                      <p:stCondLst>
+                        <p:cond delay="indefinite"/>
+                      </p:stCondLst>
+                      <p:childTnLst>
+                        <p:par>
+                          <p:cTn id="109" fill="hold">
+                            <p:stCondLst>
+                              <p:cond delay="0"/>
+                            </p:stCondLst>
+                            <p:childTnLst>
+                              <p:par>
+                                <p:cTn id="110" presetID="10" presetClass="entr" presetSubtype="0" fill="hold" nodeType="clickEffect">
+                                  <p:stCondLst>
+                                    <p:cond delay="0"/>
+                                  </p:stCondLst>
+                                  <p:childTnLst>
+                                    <p:set>
+                                      <p:cBhvr>
+                                        <p:cTn id="111" dur="1" fill="hold">
+                                          <p:stCondLst>
+                                            <p:cond delay="0"/>
+                                          </p:stCondLst>
+                                        </p:cTn>
+                                        <p:tgtEl>
+                                          <p:spTgt spid="47"/>
+                                        </p:tgtEl>
+                                        <p:attrNameLst>
+                                          <p:attrName>style.visibility</p:attrName>
+                                        </p:attrNameLst>
+                                      </p:cBhvr>
+                                      <p:to>
+                                        <p:strVal val="visible"/>
+                                      </p:to>
+                                    </p:set>
+                                    <p:animEffect transition="in" filter="fade">
+                                      <p:cBhvr>
+                                        <p:cTn id="112" dur="500"/>
+                                        <p:tgtEl>
+                                          <p:spTgt spid="47"/>
+                                        </p:tgtEl>
+                                      </p:cBhvr>
+                                    </p:animEffect>
+                                  </p:childTnLst>
+                                </p:cTn>
+                              </p:par>
+                            </p:childTnLst>
+                          </p:cTn>
+                        </p:par>
+                      </p:childTnLst>
+                    </p:cTn>
+                  </p:par>
+                  <p:par>
+                    <p:cTn id="113" fill="hold">
+                      <p:stCondLst>
+                        <p:cond delay="indefinite"/>
+                      </p:stCondLst>
+                      <p:childTnLst>
+                        <p:par>
+                          <p:cTn id="114" fill="hold">
+                            <p:stCondLst>
+                              <p:cond delay="0"/>
+                            </p:stCondLst>
+                            <p:childTnLst>
+                              <p:par>
+                                <p:cTn id="115" presetID="10" presetClass="exit" presetSubtype="0" fill="hold" nodeType="clickEffect">
+                                  <p:stCondLst>
+                                    <p:cond delay="0"/>
+                                  </p:stCondLst>
+                                  <p:childTnLst>
+                                    <p:animEffect transition="out" filter="fade">
+                                      <p:cBhvr>
+                                        <p:cTn id="116" dur="500"/>
+                                        <p:tgtEl>
+                                          <p:spTgt spid="48"/>
+                                        </p:tgtEl>
+                                      </p:cBhvr>
+                                    </p:animEffect>
+                                    <p:set>
+                                      <p:cBhvr>
+                                        <p:cTn id="117" dur="1" fill="hold">
+                                          <p:stCondLst>
+                                            <p:cond delay="499"/>
+                                          </p:stCondLst>
+                                        </p:cTn>
+                                        <p:tgtEl>
+                                          <p:spTgt spid="48"/>
+                                        </p:tgtEl>
+                                        <p:attrNameLst>
+                                          <p:attrName>style.visibility</p:attrName>
+                                        </p:attrNameLst>
+                                      </p:cBhvr>
+                                      <p:to>
+                                        <p:strVal val="hidden"/>
+                                      </p:to>
+                                    </p:set>
+                                  </p:childTnLst>
+                                </p:cTn>
+                              </p:par>
+                            </p:childTnLst>
+                          </p:cTn>
+                        </p:par>
+                      </p:childTnLst>
+                    </p:cTn>
+                  </p:par>
+                  <p:par>
+                    <p:cTn id="118" fill="hold">
+                      <p:stCondLst>
+                        <p:cond delay="indefinite"/>
+                      </p:stCondLst>
+                      <p:childTnLst>
+                        <p:par>
+                          <p:cTn id="119" fill="hold">
+                            <p:stCondLst>
+                              <p:cond delay="0"/>
+                            </p:stCondLst>
+                            <p:childTnLst>
+                              <p:par>
+                                <p:cTn id="120" presetID="10" presetClass="exit" presetSubtype="0" fill="hold" nodeType="clickEffect">
+                                  <p:stCondLst>
+                                    <p:cond delay="0"/>
+                                  </p:stCondLst>
+                                  <p:childTnLst>
+                                    <p:animEffect transition="out" filter="fade">
+                                      <p:cBhvr>
+                                        <p:cTn id="121" dur="500"/>
+                                        <p:tgtEl>
+                                          <p:spTgt spid="47"/>
+                                        </p:tgtEl>
+                                      </p:cBhvr>
+                                    </p:animEffect>
+                                    <p:set>
+                                      <p:cBhvr>
+                                        <p:cTn id="122" dur="1" fill="hold">
+                                          <p:stCondLst>
+                                            <p:cond delay="499"/>
+                                          </p:stCondLst>
+                                        </p:cTn>
+                                        <p:tgtEl>
+                                          <p:spTgt spid="47"/>
+                                        </p:tgtEl>
+                                        <p:attrNameLst>
+                                          <p:attrName>style.visibility</p:attrName>
+                                        </p:attrNameLst>
+                                      </p:cBhvr>
+                                      <p:to>
+                                        <p:strVal val="hidden"/>
+                                      </p:to>
+                                    </p:set>
+                                  </p:childTnLst>
+                                </p:cTn>
+                              </p:par>
+                            </p:childTnLst>
+                          </p:cTn>
+                        </p:par>
+                      </p:childTnLst>
+                    </p:cTn>
+                  </p:par>
+                  <p:par>
+                    <p:cTn id="123" fill="hold">
+                      <p:stCondLst>
+                        <p:cond delay="indefinite"/>
+                      </p:stCondLst>
+                      <p:childTnLst>
+                        <p:par>
+                          <p:cTn id="124" fill="hold">
+                            <p:stCondLst>
+                              <p:cond delay="0"/>
+                            </p:stCondLst>
+                            <p:childTnLst>
+                              <p:par>
+                                <p:cTn id="125" presetID="10" presetClass="entr" presetSubtype="0" fill="hold" nodeType="clickEffect">
+                                  <p:stCondLst>
+                                    <p:cond delay="0"/>
+                                  </p:stCondLst>
+                                  <p:childTnLst>
+                                    <p:set>
+                                      <p:cBhvr>
+                                        <p:cTn id="126" dur="1" fill="hold">
+                                          <p:stCondLst>
+                                            <p:cond delay="0"/>
+                                          </p:stCondLst>
+                                        </p:cTn>
+                                        <p:tgtEl>
+                                          <p:spTgt spid="38"/>
+                                        </p:tgtEl>
+                                        <p:attrNameLst>
+                                          <p:attrName>style.visibility</p:attrName>
+                                        </p:attrNameLst>
+                                      </p:cBhvr>
+                                      <p:to>
+                                        <p:strVal val="visible"/>
+                                      </p:to>
+                                    </p:set>
+                                    <p:animEffect transition="in" filter="fade">
+                                      <p:cBhvr>
+                                        <p:cTn id="127" dur="500"/>
+                                        <p:tgtEl>
+                                          <p:spTgt spid="38"/>
+                                        </p:tgtEl>
+                                      </p:cBhvr>
+                                    </p:animEffect>
+                                  </p:childTnLst>
+                                </p:cTn>
+                              </p:par>
+                            </p:childTnLst>
+                          </p:cTn>
+                        </p:par>
+                      </p:childTnLst>
+                    </p:cTn>
+                  </p:par>
+                  <p:par>
+                    <p:cTn id="128" fill="hold">
+                      <p:stCondLst>
+                        <p:cond delay="indefinite"/>
+                      </p:stCondLst>
+                      <p:childTnLst>
+                        <p:par>
+                          <p:cTn id="129" fill="hold">
+                            <p:stCondLst>
+                              <p:cond delay="0"/>
+                            </p:stCondLst>
+                            <p:childTnLst>
+                              <p:par>
+                                <p:cTn id="130" presetID="10" presetClass="exit" presetSubtype="0" fill="hold" nodeType="clickEffect">
+                                  <p:stCondLst>
+                                    <p:cond delay="0"/>
+                                  </p:stCondLst>
+                                  <p:childTnLst>
+                                    <p:animEffect transition="out" filter="fade">
+                                      <p:cBhvr>
+                                        <p:cTn id="131" dur="500"/>
+                                        <p:tgtEl>
+                                          <p:spTgt spid="38"/>
+                                        </p:tgtEl>
+                                      </p:cBhvr>
+                                    </p:animEffect>
+                                    <p:set>
+                                      <p:cBhvr>
+                                        <p:cTn id="132" dur="1" fill="hold">
+                                          <p:stCondLst>
+                                            <p:cond delay="499"/>
+                                          </p:stCondLst>
+                                        </p:cTn>
+                                        <p:tgtEl>
+                                          <p:spTgt spid="38"/>
+                                        </p:tgtEl>
+                                        <p:attrNameLst>
+                                          <p:attrName>style.visibility</p:attrName>
+                                        </p:attrNameLst>
+                                      </p:cBhvr>
+                                      <p:to>
+                                        <p:strVal val="hidden"/>
+                                      </p:to>
+                                    </p:set>
+                                  </p:childTnLst>
+                                </p:cTn>
+                              </p:par>
+                            </p:childTnLst>
+                          </p:cTn>
+                        </p:par>
+                      </p:childTnLst>
+                    </p:cTn>
+                  </p:par>
+                  <p:par>
+                    <p:cTn id="133" fill="hold">
+                      <p:stCondLst>
+                        <p:cond delay="indefinite"/>
+                      </p:stCondLst>
+                      <p:childTnLst>
+                        <p:par>
+                          <p:cTn id="134" fill="hold">
+                            <p:stCondLst>
+                              <p:cond delay="0"/>
+                            </p:stCondLst>
+                            <p:childTnLst>
+                              <p:par>
+                                <p:cTn id="135" presetID="10" presetClass="entr" presetSubtype="0" fill="hold" nodeType="clickEffect">
+                                  <p:stCondLst>
+                                    <p:cond delay="0"/>
+                                  </p:stCondLst>
+                                  <p:childTnLst>
+                                    <p:set>
+                                      <p:cBhvr>
+                                        <p:cTn id="136" dur="1" fill="hold">
+                                          <p:stCondLst>
+                                            <p:cond delay="0"/>
+                                          </p:stCondLst>
+                                        </p:cTn>
+                                        <p:tgtEl>
+                                          <p:spTgt spid="47"/>
+                                        </p:tgtEl>
+                                        <p:attrNameLst>
+                                          <p:attrName>style.visibility</p:attrName>
+                                        </p:attrNameLst>
+                                      </p:cBhvr>
+                                      <p:to>
+                                        <p:strVal val="visible"/>
+                                      </p:to>
+                                    </p:set>
+                                    <p:animEffect transition="in" filter="fade">
+                                      <p:cBhvr>
+                                        <p:cTn id="137" dur="500"/>
+                                        <p:tgtEl>
+                                          <p:spTgt spid="47"/>
+                                        </p:tgtEl>
+                                      </p:cBhvr>
+                                    </p:animEffect>
+                                  </p:childTnLst>
+                                </p:cTn>
+                              </p:par>
+                            </p:childTnLst>
+                          </p:cTn>
+                        </p:par>
+                      </p:childTnLst>
+                    </p:cTn>
+                  </p:par>
+                  <p:par>
+                    <p:cTn id="138" fill="hold">
+                      <p:stCondLst>
+                        <p:cond delay="indefinite"/>
+                      </p:stCondLst>
+                      <p:childTnLst>
+                        <p:par>
+                          <p:cTn id="139" fill="hold">
+                            <p:stCondLst>
+                              <p:cond delay="0"/>
+                            </p:stCondLst>
+                            <p:childTnLst>
+                              <p:par>
+                                <p:cTn id="140" presetID="10" presetClass="exit" presetSubtype="0" fill="hold" nodeType="clickEffect">
+                                  <p:stCondLst>
+                                    <p:cond delay="0"/>
+                                  </p:stCondLst>
+                                  <p:childTnLst>
+                                    <p:animEffect transition="out" filter="fade">
+                                      <p:cBhvr>
+                                        <p:cTn id="141" dur="500"/>
+                                        <p:tgtEl>
+                                          <p:spTgt spid="47"/>
+                                        </p:tgtEl>
+                                      </p:cBhvr>
+                                    </p:animEffect>
+                                    <p:set>
+                                      <p:cBhvr>
+                                        <p:cTn id="142" dur="1" fill="hold">
+                                          <p:stCondLst>
+                                            <p:cond delay="499"/>
+                                          </p:stCondLst>
+                                        </p:cTn>
+                                        <p:tgtEl>
+                                          <p:spTgt spid="47"/>
+                                        </p:tgtEl>
+                                        <p:attrNameLst>
+                                          <p:attrName>style.visibility</p:attrName>
+                                        </p:attrNameLst>
+                                      </p:cBhvr>
+                                      <p:to>
+                                        <p:strVal val="hidden"/>
+                                      </p:to>
+                                    </p:set>
+                                  </p:childTnLst>
+                                </p:cTn>
+                              </p:par>
+                            </p:childTnLst>
+                          </p:cTn>
+                        </p:par>
+                      </p:childTnLst>
+                    </p:cTn>
+                  </p:par>
+                  <p:par>
+                    <p:cTn id="143" fill="hold">
+                      <p:stCondLst>
+                        <p:cond delay="indefinite"/>
+                      </p:stCondLst>
+                      <p:childTnLst>
+                        <p:par>
+                          <p:cTn id="144" fill="hold">
+                            <p:stCondLst>
+                              <p:cond delay="0"/>
+                            </p:stCondLst>
+                            <p:childTnLst>
+                              <p:par>
+                                <p:cTn id="145" presetID="10" presetClass="entr" presetSubtype="0" fill="hold" nodeType="clickEffect">
+                                  <p:stCondLst>
+                                    <p:cond delay="0"/>
+                                  </p:stCondLst>
+                                  <p:childTnLst>
+                                    <p:set>
+                                      <p:cBhvr>
+                                        <p:cTn id="146" dur="1" fill="hold">
+                                          <p:stCondLst>
+                                            <p:cond delay="0"/>
+                                          </p:stCondLst>
+                                        </p:cTn>
+                                        <p:tgtEl>
+                                          <p:spTgt spid="38"/>
+                                        </p:tgtEl>
+                                        <p:attrNameLst>
+                                          <p:attrName>style.visibility</p:attrName>
+                                        </p:attrNameLst>
+                                      </p:cBhvr>
+                                      <p:to>
+                                        <p:strVal val="visible"/>
+                                      </p:to>
+                                    </p:set>
+                                    <p:animEffect transition="in" filter="fade">
+                                      <p:cBhvr>
+                                        <p:cTn id="147" dur="500"/>
+                                        <p:tgtEl>
+                                          <p:spTgt spid="38"/>
+                                        </p:tgtEl>
+                                      </p:cBhvr>
+                                    </p:animEffect>
+                                  </p:childTnLst>
+                                </p:cTn>
+                              </p:par>
+                            </p:childTnLst>
+                          </p:cTn>
+                        </p:par>
+                      </p:childTnLst>
+                    </p:cTn>
+                  </p:par>
+                  <p:par>
+                    <p:cTn id="148" fill="hold">
+                      <p:stCondLst>
+                        <p:cond delay="indefinite"/>
+                      </p:stCondLst>
+                      <p:childTnLst>
+                        <p:par>
+                          <p:cTn id="149" fill="hold">
+                            <p:stCondLst>
+                              <p:cond delay="0"/>
+                            </p:stCondLst>
+                            <p:childTnLst>
+                              <p:par>
+                                <p:cTn id="150" presetID="10" presetClass="entr" presetSubtype="0" fill="hold" nodeType="clickEffect">
+                                  <p:stCondLst>
+                                    <p:cond delay="0"/>
+                                  </p:stCondLst>
+                                  <p:childTnLst>
+                                    <p:set>
+                                      <p:cBhvr>
+                                        <p:cTn id="151" dur="1" fill="hold">
+                                          <p:stCondLst>
+                                            <p:cond delay="0"/>
+                                          </p:stCondLst>
+                                        </p:cTn>
+                                        <p:tgtEl>
+                                          <p:spTgt spid="54"/>
+                                        </p:tgtEl>
+                                        <p:attrNameLst>
+                                          <p:attrName>style.visibility</p:attrName>
+                                        </p:attrNameLst>
+                                      </p:cBhvr>
+                                      <p:to>
+                                        <p:strVal val="visible"/>
+                                      </p:to>
+                                    </p:set>
+                                    <p:animEffect transition="in" filter="fade">
+                                      <p:cBhvr>
+                                        <p:cTn id="152" dur="500"/>
+                                        <p:tgtEl>
+                                          <p:spTgt spid="54"/>
+                                        </p:tgtEl>
+                                      </p:cBhvr>
+                                    </p:animEffect>
+                                  </p:childTnLst>
+                                </p:cTn>
+                              </p:par>
+                            </p:childTnLst>
+                          </p:cTn>
+                        </p:par>
+                      </p:childTnLst>
+                    </p:cTn>
+                  </p:par>
+                  <p:par>
+                    <p:cTn id="153" fill="hold">
+                      <p:stCondLst>
+                        <p:cond delay="indefinite"/>
+                      </p:stCondLst>
+                      <p:childTnLst>
+                        <p:par>
+                          <p:cTn id="154" fill="hold">
+                            <p:stCondLst>
+                              <p:cond delay="0"/>
+                            </p:stCondLst>
+                            <p:childTnLst>
+                              <p:par>
+                                <p:cTn id="155" presetID="10" presetClass="exit" presetSubtype="0" fill="hold" nodeType="clickEffect">
+                                  <p:stCondLst>
+                                    <p:cond delay="0"/>
+                                  </p:stCondLst>
+                                  <p:childTnLst>
+                                    <p:animEffect transition="out" filter="fade">
+                                      <p:cBhvr>
+                                        <p:cTn id="156" dur="500"/>
+                                        <p:tgtEl>
+                                          <p:spTgt spid="38"/>
+                                        </p:tgtEl>
+                                      </p:cBhvr>
+                                    </p:animEffect>
+                                    <p:set>
+                                      <p:cBhvr>
+                                        <p:cTn id="157" dur="1" fill="hold">
+                                          <p:stCondLst>
+                                            <p:cond delay="499"/>
+                                          </p:stCondLst>
+                                        </p:cTn>
+                                        <p:tgtEl>
+                                          <p:spTgt spid="38"/>
+                                        </p:tgtEl>
+                                        <p:attrNameLst>
+                                          <p:attrName>style.visibility</p:attrName>
+                                        </p:attrNameLst>
+                                      </p:cBhvr>
+                                      <p:to>
+                                        <p:strVal val="hidden"/>
+                                      </p:to>
+                                    </p:set>
+                                  </p:childTnLst>
+                                </p:cTn>
+                              </p:par>
+                            </p:childTnLst>
+                          </p:cTn>
+                        </p:par>
+                      </p:childTnLst>
+                    </p:cTn>
+                  </p:par>
+                  <p:par>
+                    <p:cTn id="158" fill="hold">
+                      <p:stCondLst>
+                        <p:cond delay="indefinite"/>
+                      </p:stCondLst>
+                      <p:childTnLst>
+                        <p:par>
+                          <p:cTn id="159" fill="hold">
+                            <p:stCondLst>
+                              <p:cond delay="0"/>
+                            </p:stCondLst>
+                            <p:childTnLst>
+                              <p:par>
+                                <p:cTn id="160" presetID="10" presetClass="entr" presetSubtype="0" fill="hold" nodeType="clickEffect">
+                                  <p:stCondLst>
+                                    <p:cond delay="0"/>
+                                  </p:stCondLst>
+                                  <p:childTnLst>
+                                    <p:set>
+                                      <p:cBhvr>
+                                        <p:cTn id="161" dur="1" fill="hold">
+                                          <p:stCondLst>
+                                            <p:cond delay="0"/>
+                                          </p:stCondLst>
+                                        </p:cTn>
+                                        <p:tgtEl>
+                                          <p:spTgt spid="55"/>
+                                        </p:tgtEl>
+                                        <p:attrNameLst>
+                                          <p:attrName>style.visibility</p:attrName>
+                                        </p:attrNameLst>
+                                      </p:cBhvr>
+                                      <p:to>
+                                        <p:strVal val="visible"/>
+                                      </p:to>
+                                    </p:set>
+                                    <p:animEffect transition="in" filter="fade">
+                                      <p:cBhvr>
+                                        <p:cTn id="162" dur="500"/>
+                                        <p:tgtEl>
+                                          <p:spTgt spid="55"/>
+                                        </p:tgtEl>
+                                      </p:cBhvr>
+                                    </p:animEffect>
+                                  </p:childTnLst>
+                                </p:cTn>
+                              </p:par>
+                            </p:childTnLst>
+                          </p:cTn>
+                        </p:par>
+                      </p:childTnLst>
+                    </p:cTn>
+                  </p:par>
+                  <p:par>
+                    <p:cTn id="163" fill="hold">
+                      <p:stCondLst>
+                        <p:cond delay="indefinite"/>
+                      </p:stCondLst>
+                      <p:childTnLst>
+                        <p:par>
+                          <p:cTn id="164" fill="hold">
+                            <p:stCondLst>
+                              <p:cond delay="0"/>
+                            </p:stCondLst>
+                            <p:childTnLst>
+                              <p:par>
+                                <p:cTn id="165" presetID="10" presetClass="exit" presetSubtype="0" fill="hold" nodeType="clickEffect">
+                                  <p:stCondLst>
+                                    <p:cond delay="0"/>
+                                  </p:stCondLst>
+                                  <p:childTnLst>
+                                    <p:animEffect transition="out" filter="fade">
+                                      <p:cBhvr>
+                                        <p:cTn id="166" dur="500"/>
+                                        <p:tgtEl>
+                                          <p:spTgt spid="54"/>
+                                        </p:tgtEl>
+                                      </p:cBhvr>
+                                    </p:animEffect>
+                                    <p:set>
+                                      <p:cBhvr>
+                                        <p:cTn id="167" dur="1" fill="hold">
+                                          <p:stCondLst>
+                                            <p:cond delay="499"/>
+                                          </p:stCondLst>
+                                        </p:cTn>
+                                        <p:tgtEl>
+                                          <p:spTgt spid="54"/>
+                                        </p:tgtEl>
+                                        <p:attrNameLst>
+                                          <p:attrName>style.visibility</p:attrName>
+                                        </p:attrNameLst>
+                                      </p:cBhvr>
+                                      <p:to>
+                                        <p:strVal val="hidden"/>
+                                      </p:to>
+                                    </p:set>
+                                  </p:childTnLst>
+                                </p:cTn>
+                              </p:par>
+                            </p:childTnLst>
+                          </p:cTn>
+                        </p:par>
+                      </p:childTnLst>
+                    </p:cTn>
+                  </p:par>
+                  <p:par>
+                    <p:cTn id="168" fill="hold">
+                      <p:stCondLst>
+                        <p:cond delay="indefinite"/>
+                      </p:stCondLst>
+                      <p:childTnLst>
+                        <p:par>
+                          <p:cTn id="169" fill="hold">
+                            <p:stCondLst>
+                              <p:cond delay="0"/>
+                            </p:stCondLst>
+                            <p:childTnLst>
+                              <p:par>
+                                <p:cTn id="170" presetID="10" presetClass="entr" presetSubtype="0" fill="hold" nodeType="clickEffect">
+                                  <p:stCondLst>
+                                    <p:cond delay="0"/>
+                                  </p:stCondLst>
+                                  <p:childTnLst>
+                                    <p:set>
+                                      <p:cBhvr>
+                                        <p:cTn id="171" dur="1" fill="hold">
+                                          <p:stCondLst>
+                                            <p:cond delay="0"/>
+                                          </p:stCondLst>
+                                        </p:cTn>
+                                        <p:tgtEl>
+                                          <p:spTgt spid="53"/>
+                                        </p:tgtEl>
+                                        <p:attrNameLst>
+                                          <p:attrName>style.visibility</p:attrName>
+                                        </p:attrNameLst>
+                                      </p:cBhvr>
+                                      <p:to>
+                                        <p:strVal val="visible"/>
+                                      </p:to>
+                                    </p:set>
+                                    <p:animEffect transition="in" filter="fade">
+                                      <p:cBhvr>
+                                        <p:cTn id="172" dur="500"/>
+                                        <p:tgtEl>
+                                          <p:spTgt spid="53"/>
+                                        </p:tgtEl>
+                                      </p:cBhvr>
+                                    </p:animEffect>
+                                  </p:childTnLst>
+                                </p:cTn>
+                              </p:par>
+                            </p:childTnLst>
+                          </p:cTn>
+                        </p:par>
+                      </p:childTnLst>
+                    </p:cTn>
+                  </p:par>
+                  <p:par>
+                    <p:cTn id="173" fill="hold">
+                      <p:stCondLst>
+                        <p:cond delay="indefinite"/>
+                      </p:stCondLst>
+                      <p:childTnLst>
+                        <p:par>
+                          <p:cTn id="174" fill="hold">
+                            <p:stCondLst>
+                              <p:cond delay="0"/>
+                            </p:stCondLst>
+                            <p:childTnLst>
+                              <p:par>
+                                <p:cTn id="175" presetID="10" presetClass="exit" presetSubtype="0" fill="hold" nodeType="clickEffect">
+                                  <p:stCondLst>
+                                    <p:cond delay="0"/>
+                                  </p:stCondLst>
+                                  <p:childTnLst>
+                                    <p:animEffect transition="out" filter="fade">
+                                      <p:cBhvr>
+                                        <p:cTn id="176" dur="500"/>
+                                        <p:tgtEl>
+                                          <p:spTgt spid="55"/>
+                                        </p:tgtEl>
+                                      </p:cBhvr>
+                                    </p:animEffect>
+                                    <p:set>
+                                      <p:cBhvr>
+                                        <p:cTn id="177" dur="1" fill="hold">
+                                          <p:stCondLst>
+                                            <p:cond delay="499"/>
+                                          </p:stCondLst>
+                                        </p:cTn>
+                                        <p:tgtEl>
+                                          <p:spTgt spid="55"/>
+                                        </p:tgtEl>
+                                        <p:attrNameLst>
+                                          <p:attrName>style.visibility</p:attrName>
+                                        </p:attrNameLst>
+                                      </p:cBhvr>
+                                      <p:to>
+                                        <p:strVal val="hidden"/>
+                                      </p:to>
+                                    </p:set>
+                                  </p:childTnLst>
+                                </p:cTn>
+                              </p:par>
+                            </p:childTnLst>
+                          </p:cTn>
+                        </p:par>
+                      </p:childTnLst>
+                    </p:cTn>
+                  </p:par>
+                  <p:par>
+                    <p:cTn id="178" fill="hold">
+                      <p:stCondLst>
+                        <p:cond delay="indefinite"/>
+                      </p:stCondLst>
+                      <p:childTnLst>
+                        <p:par>
+                          <p:cTn id="179" fill="hold">
+                            <p:stCondLst>
+                              <p:cond delay="0"/>
+                            </p:stCondLst>
+                            <p:childTnLst>
+                              <p:par>
+                                <p:cTn id="180" presetID="10" presetClass="entr" presetSubtype="0" fill="hold" nodeType="clickEffect">
+                                  <p:stCondLst>
+                                    <p:cond delay="0"/>
+                                  </p:stCondLst>
+                                  <p:childTnLst>
+                                    <p:set>
+                                      <p:cBhvr>
+                                        <p:cTn id="181" dur="1" fill="hold">
+                                          <p:stCondLst>
+                                            <p:cond delay="0"/>
+                                          </p:stCondLst>
+                                        </p:cTn>
+                                        <p:tgtEl>
+                                          <p:spTgt spid="52"/>
+                                        </p:tgtEl>
+                                        <p:attrNameLst>
+                                          <p:attrName>style.visibility</p:attrName>
+                                        </p:attrNameLst>
+                                      </p:cBhvr>
+                                      <p:to>
+                                        <p:strVal val="visible"/>
+                                      </p:to>
+                                    </p:set>
+                                    <p:animEffect transition="in" filter="fade">
+                                      <p:cBhvr>
+                                        <p:cTn id="182" dur="500"/>
+                                        <p:tgtEl>
+                                          <p:spTgt spid="52"/>
+                                        </p:tgtEl>
+                                      </p:cBhvr>
+                                    </p:animEffect>
+                                  </p:childTnLst>
+                                </p:cTn>
+                              </p:par>
+                            </p:childTnLst>
+                          </p:cTn>
+                        </p:par>
+                      </p:childTnLst>
+                    </p:cTn>
+                  </p:par>
+                  <p:par>
+                    <p:cTn id="183" fill="hold">
+                      <p:stCondLst>
+                        <p:cond delay="indefinite"/>
+                      </p:stCondLst>
+                      <p:childTnLst>
+                        <p:par>
+                          <p:cTn id="184" fill="hold">
+                            <p:stCondLst>
+                              <p:cond delay="0"/>
+                            </p:stCondLst>
+                            <p:childTnLst>
+                              <p:par>
+                                <p:cTn id="185" presetID="10" presetClass="exit" presetSubtype="0" fill="hold" nodeType="clickEffect">
+                                  <p:stCondLst>
+                                    <p:cond delay="0"/>
+                                  </p:stCondLst>
+                                  <p:childTnLst>
+                                    <p:animEffect transition="out" filter="fade">
+                                      <p:cBhvr>
+                                        <p:cTn id="186" dur="500"/>
+                                        <p:tgtEl>
+                                          <p:spTgt spid="53"/>
+                                        </p:tgtEl>
+                                      </p:cBhvr>
+                                    </p:animEffect>
+                                    <p:set>
+                                      <p:cBhvr>
+                                        <p:cTn id="187" dur="1" fill="hold">
+                                          <p:stCondLst>
+                                            <p:cond delay="499"/>
+                                          </p:stCondLst>
+                                        </p:cTn>
+                                        <p:tgtEl>
+                                          <p:spTgt spid="53"/>
+                                        </p:tgtEl>
+                                        <p:attrNameLst>
+                                          <p:attrName>style.visibility</p:attrName>
+                                        </p:attrNameLst>
+                                      </p:cBhvr>
+                                      <p:to>
+                                        <p:strVal val="hidden"/>
+                                      </p:to>
+                                    </p:set>
+                                  </p:childTnLst>
+                                </p:cTn>
+                              </p:par>
+                            </p:childTnLst>
+                          </p:cTn>
+                        </p:par>
+                      </p:childTnLst>
+                    </p:cTn>
+                  </p:par>
+                  <p:par>
+                    <p:cTn id="188" fill="hold">
+                      <p:stCondLst>
+                        <p:cond delay="indefinite"/>
+                      </p:stCondLst>
+                      <p:childTnLst>
+                        <p:par>
+                          <p:cTn id="189" fill="hold">
+                            <p:stCondLst>
+                              <p:cond delay="0"/>
+                            </p:stCondLst>
+                            <p:childTnLst>
+                              <p:par>
+                                <p:cTn id="190" presetID="10" presetClass="entr" presetSubtype="0" fill="hold" nodeType="clickEffect">
+                                  <p:stCondLst>
+                                    <p:cond delay="0"/>
+                                  </p:stCondLst>
+                                  <p:childTnLst>
+                                    <p:set>
+                                      <p:cBhvr>
+                                        <p:cTn id="191" dur="1" fill="hold">
+                                          <p:stCondLst>
+                                            <p:cond delay="0"/>
+                                          </p:stCondLst>
+                                        </p:cTn>
+                                        <p:tgtEl>
+                                          <p:spTgt spid="50"/>
+                                        </p:tgtEl>
+                                        <p:attrNameLst>
+                                          <p:attrName>style.visibility</p:attrName>
+                                        </p:attrNameLst>
+                                      </p:cBhvr>
+                                      <p:to>
+                                        <p:strVal val="visible"/>
+                                      </p:to>
+                                    </p:set>
+                                    <p:animEffect transition="in" filter="fade">
+                                      <p:cBhvr>
+                                        <p:cTn id="192" dur="500"/>
+                                        <p:tgtEl>
+                                          <p:spTgt spid="50"/>
+                                        </p:tgtEl>
+                                      </p:cBhvr>
+                                    </p:animEffect>
+                                  </p:childTnLst>
+                                </p:cTn>
+                              </p:par>
+                            </p:childTnLst>
+                          </p:cTn>
+                        </p:par>
+                      </p:childTnLst>
+                    </p:cTn>
+                  </p:par>
+                  <p:par>
+                    <p:cTn id="193" fill="hold">
+                      <p:stCondLst>
+                        <p:cond delay="indefinite"/>
+                      </p:stCondLst>
+                      <p:childTnLst>
+                        <p:par>
+                          <p:cTn id="194" fill="hold">
+                            <p:stCondLst>
+                              <p:cond delay="0"/>
+                            </p:stCondLst>
+                            <p:childTnLst>
+                              <p:par>
+                                <p:cTn id="195" presetID="10" presetClass="exit" presetSubtype="0" fill="hold" nodeType="clickEffect">
+                                  <p:stCondLst>
+                                    <p:cond delay="0"/>
+                                  </p:stCondLst>
+                                  <p:childTnLst>
+                                    <p:animEffect transition="out" filter="fade">
+                                      <p:cBhvr>
+                                        <p:cTn id="196" dur="500"/>
+                                        <p:tgtEl>
+                                          <p:spTgt spid="52"/>
+                                        </p:tgtEl>
+                                      </p:cBhvr>
+                                    </p:animEffect>
+                                    <p:set>
+                                      <p:cBhvr>
+                                        <p:cTn id="197" dur="1" fill="hold">
+                                          <p:stCondLst>
+                                            <p:cond delay="499"/>
+                                          </p:stCondLst>
+                                        </p:cTn>
+                                        <p:tgtEl>
+                                          <p:spTgt spid="52"/>
+                                        </p:tgtEl>
+                                        <p:attrNameLst>
+                                          <p:attrName>style.visibility</p:attrName>
+                                        </p:attrNameLst>
+                                      </p:cBhvr>
+                                      <p:to>
+                                        <p:strVal val="hidden"/>
+                                      </p:to>
+                                    </p:set>
+                                  </p:childTnLst>
+                                </p:cTn>
+                              </p:par>
+                            </p:childTnLst>
+                          </p:cTn>
+                        </p:par>
+                      </p:childTnLst>
+                    </p:cTn>
+                  </p:par>
+                  <p:par>
+                    <p:cTn id="198" fill="hold">
+                      <p:stCondLst>
+                        <p:cond delay="indefinite"/>
+                      </p:stCondLst>
+                      <p:childTnLst>
+                        <p:par>
+                          <p:cTn id="199" fill="hold">
+                            <p:stCondLst>
+                              <p:cond delay="0"/>
+                            </p:stCondLst>
+                            <p:childTnLst>
+                              <p:par>
+                                <p:cTn id="200" presetID="10" presetClass="entr" presetSubtype="0" fill="hold" nodeType="clickEffect">
+                                  <p:stCondLst>
+                                    <p:cond delay="0"/>
+                                  </p:stCondLst>
+                                  <p:childTnLst>
+                                    <p:set>
+                                      <p:cBhvr>
+                                        <p:cTn id="201" dur="1" fill="hold">
+                                          <p:stCondLst>
+                                            <p:cond delay="0"/>
+                                          </p:stCondLst>
+                                        </p:cTn>
+                                        <p:tgtEl>
+                                          <p:spTgt spid="51"/>
+                                        </p:tgtEl>
+                                        <p:attrNameLst>
+                                          <p:attrName>style.visibility</p:attrName>
+                                        </p:attrNameLst>
+                                      </p:cBhvr>
+                                      <p:to>
+                                        <p:strVal val="visible"/>
+                                      </p:to>
+                                    </p:set>
+                                    <p:animEffect transition="in" filter="fade">
+                                      <p:cBhvr>
+                                        <p:cTn id="202" dur="500"/>
+                                        <p:tgtEl>
+                                          <p:spTgt spid="51"/>
+                                        </p:tgtEl>
+                                      </p:cBhvr>
+                                    </p:animEffect>
+                                  </p:childTnLst>
+                                </p:cTn>
+                              </p:par>
+                            </p:childTnLst>
+                          </p:cTn>
+                        </p:par>
+                      </p:childTnLst>
+                    </p:cTn>
+                  </p:par>
+                  <p:par>
+                    <p:cTn id="203" fill="hold">
+                      <p:stCondLst>
+                        <p:cond delay="indefinite"/>
+                      </p:stCondLst>
+                      <p:childTnLst>
+                        <p:par>
+                          <p:cTn id="204" fill="hold">
+                            <p:stCondLst>
+                              <p:cond delay="0"/>
+                            </p:stCondLst>
+                            <p:childTnLst>
+                              <p:par>
+                                <p:cTn id="205" presetID="10" presetClass="exit" presetSubtype="0" fill="hold" nodeType="clickEffect">
+                                  <p:stCondLst>
+                                    <p:cond delay="0"/>
+                                  </p:stCondLst>
+                                  <p:childTnLst>
+                                    <p:animEffect transition="out" filter="fade">
+                                      <p:cBhvr>
+                                        <p:cTn id="206" dur="500"/>
+                                        <p:tgtEl>
+                                          <p:spTgt spid="50"/>
+                                        </p:tgtEl>
+                                      </p:cBhvr>
+                                    </p:animEffect>
+                                    <p:set>
+                                      <p:cBhvr>
+                                        <p:cTn id="207" dur="1" fill="hold">
+                                          <p:stCondLst>
+                                            <p:cond delay="499"/>
+                                          </p:stCondLst>
+                                        </p:cTn>
+                                        <p:tgtEl>
+                                          <p:spTgt spid="50"/>
+                                        </p:tgtEl>
+                                        <p:attrNameLst>
+                                          <p:attrName>style.visibility</p:attrName>
+                                        </p:attrNameLst>
+                                      </p:cBhvr>
+                                      <p:to>
+                                        <p:strVal val="hidden"/>
+                                      </p:to>
+                                    </p:set>
+                                  </p:childTnLst>
+                                </p:cTn>
+                              </p:par>
+                            </p:childTnLst>
+                          </p:cTn>
+                        </p:par>
+                      </p:childTnLst>
+                    </p:cTn>
+                  </p:par>
+                  <p:par>
+                    <p:cTn id="208" fill="hold">
+                      <p:stCondLst>
+                        <p:cond delay="indefinite"/>
+                      </p:stCondLst>
+                      <p:childTnLst>
+                        <p:par>
+                          <p:cTn id="209" fill="hold">
+                            <p:stCondLst>
+                              <p:cond delay="0"/>
+                            </p:stCondLst>
+                            <p:childTnLst>
+                              <p:par>
+                                <p:cTn id="210" presetID="10" presetClass="exit" presetSubtype="0" fill="hold" nodeType="clickEffect">
+                                  <p:stCondLst>
+                                    <p:cond delay="0"/>
+                                  </p:stCondLst>
+                                  <p:childTnLst>
+                                    <p:animEffect transition="out" filter="fade">
+                                      <p:cBhvr>
+                                        <p:cTn id="211" dur="500"/>
+                                        <p:tgtEl>
+                                          <p:spTgt spid="51"/>
+                                        </p:tgtEl>
+                                      </p:cBhvr>
+                                    </p:animEffect>
+                                    <p:set>
+                                      <p:cBhvr>
+                                        <p:cTn id="212" dur="1" fill="hold">
+                                          <p:stCondLst>
+                                            <p:cond delay="499"/>
+                                          </p:stCondLst>
+                                        </p:cTn>
+                                        <p:tgtEl>
+                                          <p:spTgt spid="51"/>
+                                        </p:tgtEl>
+                                        <p:attrNameLst>
+                                          <p:attrName>style.visibility</p:attrName>
+                                        </p:attrNameLst>
+                                      </p:cBhvr>
+                                      <p:to>
+                                        <p:strVal val="hidden"/>
+                                      </p:to>
+                                    </p:set>
+                                  </p:childTnLst>
+                                </p:cTn>
+                              </p:par>
+                            </p:childTnLst>
+                          </p:cTn>
+                        </p:par>
+                      </p:childTnLst>
+                    </p:cTn>
+                  </p:par>
+                  <p:par>
+                    <p:cTn id="213" fill="hold">
+                      <p:stCondLst>
+                        <p:cond delay="indefinite"/>
+                      </p:stCondLst>
+                      <p:childTnLst>
+                        <p:par>
+                          <p:cTn id="214" fill="hold">
+                            <p:stCondLst>
+                              <p:cond delay="0"/>
+                            </p:stCondLst>
+                            <p:childTnLst>
+                              <p:par>
+                                <p:cTn id="215" presetID="10" presetClass="entr" presetSubtype="0" fill="hold" nodeType="clickEffect">
+                                  <p:stCondLst>
+                                    <p:cond delay="0"/>
+                                  </p:stCondLst>
+                                  <p:childTnLst>
+                                    <p:set>
+                                      <p:cBhvr>
+                                        <p:cTn id="216" dur="1" fill="hold">
+                                          <p:stCondLst>
+                                            <p:cond delay="0"/>
+                                          </p:stCondLst>
+                                        </p:cTn>
+                                        <p:tgtEl>
+                                          <p:spTgt spid="58"/>
+                                        </p:tgtEl>
+                                        <p:attrNameLst>
+                                          <p:attrName>style.visibility</p:attrName>
+                                        </p:attrNameLst>
+                                      </p:cBhvr>
+                                      <p:to>
+                                        <p:strVal val="visible"/>
+                                      </p:to>
+                                    </p:set>
+                                    <p:animEffect transition="in" filter="fade">
+                                      <p:cBhvr>
+                                        <p:cTn id="217" dur="500"/>
+                                        <p:tgtEl>
+                                          <p:spTgt spid="58"/>
+                                        </p:tgtEl>
+                                      </p:cBhvr>
+                                    </p:animEffect>
+                                  </p:childTnLst>
+                                </p:cTn>
+                              </p:par>
+                            </p:childTnLst>
+                          </p:cTn>
+                        </p:par>
+                      </p:childTnLst>
+                    </p:cTn>
+                  </p:par>
+                  <p:par>
+                    <p:cTn id="218" fill="hold">
+                      <p:stCondLst>
+                        <p:cond delay="indefinite"/>
+                      </p:stCondLst>
+                      <p:childTnLst>
+                        <p:par>
+                          <p:cTn id="219" fill="hold">
+                            <p:stCondLst>
+                              <p:cond delay="0"/>
+                            </p:stCondLst>
+                            <p:childTnLst>
+                              <p:par>
+                                <p:cTn id="220" presetID="10" presetClass="exit" presetSubtype="0" fill="hold" nodeType="clickEffect">
+                                  <p:stCondLst>
+                                    <p:cond delay="0"/>
+                                  </p:stCondLst>
+                                  <p:childTnLst>
+                                    <p:animEffect transition="out" filter="fade">
+                                      <p:cBhvr>
+                                        <p:cTn id="221" dur="500"/>
+                                        <p:tgtEl>
+                                          <p:spTgt spid="58"/>
+                                        </p:tgtEl>
+                                      </p:cBhvr>
+                                    </p:animEffect>
+                                    <p:set>
+                                      <p:cBhvr>
+                                        <p:cTn id="222" dur="1" fill="hold">
+                                          <p:stCondLst>
+                                            <p:cond delay="499"/>
+                                          </p:stCondLst>
+                                        </p:cTn>
+                                        <p:tgtEl>
+                                          <p:spTgt spid="58"/>
+                                        </p:tgtEl>
+                                        <p:attrNameLst>
+                                          <p:attrName>style.visibility</p:attrName>
+                                        </p:attrNameLst>
+                                      </p:cBhvr>
+                                      <p:to>
+                                        <p:strVal val="hidden"/>
+                                      </p:to>
+                                    </p:set>
+                                  </p:childTnLst>
+                                </p:cTn>
+                              </p:par>
+                            </p:childTnLst>
+                          </p:cTn>
+                        </p:par>
+                      </p:childTnLst>
+                    </p:cTn>
+                  </p:par>
+                  <p:par>
+                    <p:cTn id="223" fill="hold">
+                      <p:stCondLst>
+                        <p:cond delay="indefinite"/>
+                      </p:stCondLst>
+                      <p:childTnLst>
+                        <p:par>
+                          <p:cTn id="224" fill="hold">
+                            <p:stCondLst>
+                              <p:cond delay="0"/>
+                            </p:stCondLst>
+                            <p:childTnLst>
+                              <p:par>
+                                <p:cTn id="225" presetID="10" presetClass="entr" presetSubtype="0" fill="hold" nodeType="clickEffect">
+                                  <p:stCondLst>
+                                    <p:cond delay="0"/>
+                                  </p:stCondLst>
+                                  <p:childTnLst>
+                                    <p:set>
+                                      <p:cBhvr>
+                                        <p:cTn id="226" dur="1" fill="hold">
+                                          <p:stCondLst>
+                                            <p:cond delay="0"/>
+                                          </p:stCondLst>
+                                        </p:cTn>
+                                        <p:tgtEl>
+                                          <p:spTgt spid="51"/>
+                                        </p:tgtEl>
+                                        <p:attrNameLst>
+                                          <p:attrName>style.visibility</p:attrName>
+                                        </p:attrNameLst>
+                                      </p:cBhvr>
+                                      <p:to>
+                                        <p:strVal val="visible"/>
+                                      </p:to>
+                                    </p:set>
+                                    <p:animEffect transition="in" filter="fade">
+                                      <p:cBhvr>
+                                        <p:cTn id="227" dur="500"/>
+                                        <p:tgtEl>
+                                          <p:spTgt spid="51"/>
+                                        </p:tgtEl>
+                                      </p:cBhvr>
+                                    </p:animEffect>
+                                  </p:childTnLst>
+                                </p:cTn>
+                              </p:par>
+                            </p:childTnLst>
+                          </p:cTn>
+                        </p:par>
+                      </p:childTnLst>
+                    </p:cTn>
+                  </p:par>
+                  <p:par>
+                    <p:cTn id="228" fill="hold">
+                      <p:stCondLst>
+                        <p:cond delay="indefinite"/>
+                      </p:stCondLst>
+                      <p:childTnLst>
+                        <p:par>
+                          <p:cTn id="229" fill="hold">
+                            <p:stCondLst>
+                              <p:cond delay="0"/>
+                            </p:stCondLst>
+                            <p:childTnLst>
+                              <p:par>
+                                <p:cTn id="230" presetID="10" presetClass="exit" presetSubtype="0" fill="hold" nodeType="clickEffect">
+                                  <p:stCondLst>
+                                    <p:cond delay="0"/>
+                                  </p:stCondLst>
+                                  <p:childTnLst>
+                                    <p:animEffect transition="out" filter="fade">
+                                      <p:cBhvr>
+                                        <p:cTn id="231" dur="500"/>
+                                        <p:tgtEl>
+                                          <p:spTgt spid="51"/>
+                                        </p:tgtEl>
+                                      </p:cBhvr>
+                                    </p:animEffect>
+                                    <p:set>
+                                      <p:cBhvr>
+                                        <p:cTn id="232" dur="1" fill="hold">
+                                          <p:stCondLst>
+                                            <p:cond delay="499"/>
+                                          </p:stCondLst>
+                                        </p:cTn>
+                                        <p:tgtEl>
+                                          <p:spTgt spid="51"/>
+                                        </p:tgtEl>
+                                        <p:attrNameLst>
+                                          <p:attrName>style.visibility</p:attrName>
+                                        </p:attrNameLst>
+                                      </p:cBhvr>
+                                      <p:to>
+                                        <p:strVal val="hidden"/>
+                                      </p:to>
+                                    </p:set>
+                                  </p:childTnLst>
+                                </p:cTn>
+                              </p:par>
+                            </p:childTnLst>
+                          </p:cTn>
+                        </p:par>
+                      </p:childTnLst>
+                    </p:cTn>
+                  </p:par>
+                  <p:par>
+                    <p:cTn id="233" fill="hold">
+                      <p:stCondLst>
+                        <p:cond delay="indefinite"/>
+                      </p:stCondLst>
+                      <p:childTnLst>
+                        <p:par>
+                          <p:cTn id="234" fill="hold">
+                            <p:stCondLst>
+                              <p:cond delay="0"/>
+                            </p:stCondLst>
+                            <p:childTnLst>
+                              <p:par>
+                                <p:cTn id="235" presetID="10" presetClass="entr" presetSubtype="0" fill="hold" nodeType="clickEffect">
+                                  <p:stCondLst>
+                                    <p:cond delay="0"/>
+                                  </p:stCondLst>
+                                  <p:childTnLst>
+                                    <p:set>
+                                      <p:cBhvr>
+                                        <p:cTn id="236" dur="1" fill="hold">
+                                          <p:stCondLst>
+                                            <p:cond delay="0"/>
+                                          </p:stCondLst>
+                                        </p:cTn>
+                                        <p:tgtEl>
+                                          <p:spTgt spid="58"/>
+                                        </p:tgtEl>
+                                        <p:attrNameLst>
+                                          <p:attrName>style.visibility</p:attrName>
+                                        </p:attrNameLst>
+                                      </p:cBhvr>
+                                      <p:to>
+                                        <p:strVal val="visible"/>
+                                      </p:to>
+                                    </p:set>
+                                    <p:animEffect transition="in" filter="fade">
+                                      <p:cBhvr>
+                                        <p:cTn id="237" dur="500"/>
+                                        <p:tgtEl>
+                                          <p:spTgt spid="58"/>
+                                        </p:tgtEl>
+                                      </p:cBhvr>
+                                    </p:animEffect>
+                                  </p:childTnLst>
+                                </p:cTn>
+                              </p:par>
+                            </p:childTnLst>
+                          </p:cTn>
+                        </p:par>
+                      </p:childTnLst>
+                    </p:cTn>
+                  </p:par>
+                  <p:par>
+                    <p:cTn id="238" fill="hold">
+                      <p:stCondLst>
+                        <p:cond delay="indefinite"/>
+                      </p:stCondLst>
+                      <p:childTnLst>
+                        <p:par>
+                          <p:cTn id="239" fill="hold">
+                            <p:stCondLst>
+                              <p:cond delay="0"/>
+                            </p:stCondLst>
+                            <p:childTnLst>
+                              <p:par>
+                                <p:cTn id="240" presetID="10" presetClass="entr" presetSubtype="0" fill="hold" nodeType="clickEffect">
+                                  <p:stCondLst>
+                                    <p:cond delay="0"/>
+                                  </p:stCondLst>
+                                  <p:childTnLst>
+                                    <p:set>
+                                      <p:cBhvr>
+                                        <p:cTn id="241" dur="1" fill="hold">
+                                          <p:stCondLst>
+                                            <p:cond delay="0"/>
+                                          </p:stCondLst>
+                                        </p:cTn>
+                                        <p:tgtEl>
+                                          <p:spTgt spid="57"/>
+                                        </p:tgtEl>
+                                        <p:attrNameLst>
+                                          <p:attrName>style.visibility</p:attrName>
+                                        </p:attrNameLst>
+                                      </p:cBhvr>
+                                      <p:to>
+                                        <p:strVal val="visible"/>
+                                      </p:to>
+                                    </p:set>
+                                    <p:animEffect transition="in" filter="fade">
+                                      <p:cBhvr>
+                                        <p:cTn id="242" dur="500"/>
+                                        <p:tgtEl>
+                                          <p:spTgt spid="57"/>
+                                        </p:tgtEl>
+                                      </p:cBhvr>
+                                    </p:animEffect>
+                                  </p:childTnLst>
+                                </p:cTn>
+                              </p:par>
+                            </p:childTnLst>
+                          </p:cTn>
+                        </p:par>
+                      </p:childTnLst>
+                    </p:cTn>
+                  </p:par>
+                  <p:par>
+                    <p:cTn id="243" fill="hold">
+                      <p:stCondLst>
+                        <p:cond delay="indefinite"/>
+                      </p:stCondLst>
+                      <p:childTnLst>
+                        <p:par>
+                          <p:cTn id="244" fill="hold">
+                            <p:stCondLst>
+                              <p:cond delay="0"/>
+                            </p:stCondLst>
+                            <p:childTnLst>
+                              <p:par>
+                                <p:cTn id="245" presetID="10" presetClass="exit" presetSubtype="0" fill="hold" nodeType="clickEffect">
+                                  <p:stCondLst>
+                                    <p:cond delay="0"/>
+                                  </p:stCondLst>
+                                  <p:childTnLst>
+                                    <p:animEffect transition="out" filter="fade">
+                                      <p:cBhvr>
+                                        <p:cTn id="246" dur="500"/>
+                                        <p:tgtEl>
+                                          <p:spTgt spid="58"/>
+                                        </p:tgtEl>
+                                      </p:cBhvr>
+                                    </p:animEffect>
+                                    <p:set>
+                                      <p:cBhvr>
+                                        <p:cTn id="247" dur="1" fill="hold">
+                                          <p:stCondLst>
+                                            <p:cond delay="499"/>
+                                          </p:stCondLst>
+                                        </p:cTn>
+                                        <p:tgtEl>
+                                          <p:spTgt spid="58"/>
+                                        </p:tgtEl>
+                                        <p:attrNameLst>
+                                          <p:attrName>style.visibility</p:attrName>
+                                        </p:attrNameLst>
+                                      </p:cBhvr>
+                                      <p:to>
+                                        <p:strVal val="hidden"/>
+                                      </p:to>
+                                    </p:set>
+                                  </p:childTnLst>
+                                </p:cTn>
+                              </p:par>
+                            </p:childTnLst>
+                          </p:cTn>
+                        </p:par>
+                      </p:childTnLst>
+                    </p:cTn>
+                  </p:par>
+                  <p:par>
+                    <p:cTn id="248" fill="hold">
+                      <p:stCondLst>
+                        <p:cond delay="indefinite"/>
+                      </p:stCondLst>
+                      <p:childTnLst>
+                        <p:par>
+                          <p:cTn id="249" fill="hold">
+                            <p:stCondLst>
+                              <p:cond delay="0"/>
+                            </p:stCondLst>
+                            <p:childTnLst>
+                              <p:par>
+                                <p:cTn id="250" presetID="10" presetClass="entr" presetSubtype="0" fill="hold" nodeType="clickEffect">
+                                  <p:stCondLst>
+                                    <p:cond delay="0"/>
+                                  </p:stCondLst>
+                                  <p:childTnLst>
+                                    <p:set>
+                                      <p:cBhvr>
+                                        <p:cTn id="251" dur="1" fill="hold">
+                                          <p:stCondLst>
+                                            <p:cond delay="0"/>
+                                          </p:stCondLst>
+                                        </p:cTn>
+                                        <p:tgtEl>
+                                          <p:spTgt spid="59"/>
+                                        </p:tgtEl>
+                                        <p:attrNameLst>
+                                          <p:attrName>style.visibility</p:attrName>
+                                        </p:attrNameLst>
+                                      </p:cBhvr>
+                                      <p:to>
+                                        <p:strVal val="visible"/>
+                                      </p:to>
+                                    </p:set>
+                                    <p:animEffect transition="in" filter="fade">
+                                      <p:cBhvr>
+                                        <p:cTn id="252" dur="500"/>
+                                        <p:tgtEl>
+                                          <p:spTgt spid="59"/>
+                                        </p:tgtEl>
+                                      </p:cBhvr>
+                                    </p:animEffect>
+                                  </p:childTnLst>
+                                </p:cTn>
+                              </p:par>
+                            </p:childTnLst>
+                          </p:cTn>
+                        </p:par>
+                      </p:childTnLst>
+                    </p:cTn>
+                  </p:par>
+                  <p:par>
+                    <p:cTn id="253" fill="hold">
+                      <p:stCondLst>
+                        <p:cond delay="indefinite"/>
+                      </p:stCondLst>
+                      <p:childTnLst>
+                        <p:par>
+                          <p:cTn id="254" fill="hold">
+                            <p:stCondLst>
+                              <p:cond delay="0"/>
+                            </p:stCondLst>
+                            <p:childTnLst>
+                              <p:par>
+                                <p:cTn id="255" presetID="10" presetClass="exit" presetSubtype="0" fill="hold" nodeType="clickEffect">
+                                  <p:stCondLst>
+                                    <p:cond delay="0"/>
+                                  </p:stCondLst>
+                                  <p:childTnLst>
+                                    <p:animEffect transition="out" filter="fade">
+                                      <p:cBhvr>
+                                        <p:cTn id="256" dur="500"/>
+                                        <p:tgtEl>
+                                          <p:spTgt spid="57"/>
+                                        </p:tgtEl>
+                                      </p:cBhvr>
+                                    </p:animEffect>
+                                    <p:set>
+                                      <p:cBhvr>
+                                        <p:cTn id="257" dur="1" fill="hold">
+                                          <p:stCondLst>
+                                            <p:cond delay="499"/>
+                                          </p:stCondLst>
+                                        </p:cTn>
+                                        <p:tgtEl>
+                                          <p:spTgt spid="57"/>
+                                        </p:tgtEl>
+                                        <p:attrNameLst>
+                                          <p:attrName>style.visibility</p:attrName>
+                                        </p:attrNameLst>
+                                      </p:cBhvr>
+                                      <p:to>
+                                        <p:strVal val="hidden"/>
+                                      </p:to>
+                                    </p:set>
+                                  </p:childTnLst>
+                                </p:cTn>
+                              </p:par>
+                            </p:childTnLst>
+                          </p:cTn>
+                        </p:par>
+                      </p:childTnLst>
+                    </p:cTn>
+                  </p:par>
+                  <p:par>
+                    <p:cTn id="258" fill="hold">
+                      <p:stCondLst>
+                        <p:cond delay="indefinite"/>
+                      </p:stCondLst>
+                      <p:childTnLst>
+                        <p:par>
+                          <p:cTn id="259" fill="hold">
+                            <p:stCondLst>
+                              <p:cond delay="0"/>
+                            </p:stCondLst>
+                            <p:childTnLst>
+                              <p:par>
+                                <p:cTn id="260" presetID="10" presetClass="entr" presetSubtype="0" fill="hold" nodeType="clickEffect">
+                                  <p:stCondLst>
+                                    <p:cond delay="0"/>
+                                  </p:stCondLst>
+                                  <p:childTnLst>
+                                    <p:set>
+                                      <p:cBhvr>
+                                        <p:cTn id="261" dur="1" fill="hold">
+                                          <p:stCondLst>
+                                            <p:cond delay="0"/>
+                                          </p:stCondLst>
+                                        </p:cTn>
+                                        <p:tgtEl>
+                                          <p:spTgt spid="60"/>
+                                        </p:tgtEl>
+                                        <p:attrNameLst>
+                                          <p:attrName>style.visibility</p:attrName>
+                                        </p:attrNameLst>
+                                      </p:cBhvr>
+                                      <p:to>
+                                        <p:strVal val="visible"/>
+                                      </p:to>
+                                    </p:set>
+                                    <p:animEffect transition="in" filter="fade">
+                                      <p:cBhvr>
+                                        <p:cTn id="262" dur="500"/>
+                                        <p:tgtEl>
+                                          <p:spTgt spid="60"/>
+                                        </p:tgtEl>
+                                      </p:cBhvr>
+                                    </p:animEffect>
+                                  </p:childTnLst>
+                                </p:cTn>
+                              </p:par>
+                            </p:childTnLst>
+                          </p:cTn>
+                        </p:par>
+                      </p:childTnLst>
+                    </p:cTn>
+                  </p:par>
+                  <p:par>
+                    <p:cTn id="263" fill="hold">
+                      <p:stCondLst>
+                        <p:cond delay="indefinite"/>
+                      </p:stCondLst>
+                      <p:childTnLst>
+                        <p:par>
+                          <p:cTn id="264" fill="hold">
+                            <p:stCondLst>
+                              <p:cond delay="0"/>
+                            </p:stCondLst>
+                            <p:childTnLst>
+                              <p:par>
+                                <p:cTn id="265" presetID="10" presetClass="exit" presetSubtype="0" fill="hold" nodeType="clickEffect">
+                                  <p:stCondLst>
+                                    <p:cond delay="0"/>
+                                  </p:stCondLst>
+                                  <p:childTnLst>
+                                    <p:animEffect transition="out" filter="fade">
+                                      <p:cBhvr>
+                                        <p:cTn id="266" dur="500"/>
+                                        <p:tgtEl>
+                                          <p:spTgt spid="59"/>
+                                        </p:tgtEl>
+                                      </p:cBhvr>
+                                    </p:animEffect>
+                                    <p:set>
+                                      <p:cBhvr>
+                                        <p:cTn id="267" dur="1" fill="hold">
+                                          <p:stCondLst>
+                                            <p:cond delay="499"/>
+                                          </p:stCondLst>
+                                        </p:cTn>
+                                        <p:tgtEl>
+                                          <p:spTgt spid="59"/>
+                                        </p:tgtEl>
+                                        <p:attrNameLst>
+                                          <p:attrName>style.visibility</p:attrName>
+                                        </p:attrNameLst>
+                                      </p:cBhvr>
+                                      <p:to>
+                                        <p:strVal val="hidden"/>
+                                      </p:to>
+                                    </p:set>
+                                  </p:childTnLst>
+                                </p:cTn>
+                              </p:par>
+                            </p:childTnLst>
+                          </p:cTn>
+                        </p:par>
+                      </p:childTnLst>
+                    </p:cTn>
+                  </p:par>
+                  <p:par>
+                    <p:cTn id="268" fill="hold">
+                      <p:stCondLst>
+                        <p:cond delay="indefinite"/>
+                      </p:stCondLst>
+                      <p:childTnLst>
+                        <p:par>
+                          <p:cTn id="269" fill="hold">
+                            <p:stCondLst>
+                              <p:cond delay="0"/>
+                            </p:stCondLst>
+                            <p:childTnLst>
+                              <p:par>
+                                <p:cTn id="270" presetID="10" presetClass="entr" presetSubtype="0" fill="hold" nodeType="clickEffect">
+                                  <p:stCondLst>
+                                    <p:cond delay="0"/>
+                                  </p:stCondLst>
+                                  <p:childTnLst>
+                                    <p:set>
+                                      <p:cBhvr>
+                                        <p:cTn id="271" dur="1" fill="hold">
+                                          <p:stCondLst>
+                                            <p:cond delay="0"/>
+                                          </p:stCondLst>
+                                        </p:cTn>
+                                        <p:tgtEl>
+                                          <p:spTgt spid="61"/>
+                                        </p:tgtEl>
+                                        <p:attrNameLst>
+                                          <p:attrName>style.visibility</p:attrName>
+                                        </p:attrNameLst>
+                                      </p:cBhvr>
+                                      <p:to>
+                                        <p:strVal val="visible"/>
+                                      </p:to>
+                                    </p:set>
+                                    <p:animEffect transition="in" filter="fade">
+                                      <p:cBhvr>
+                                        <p:cTn id="272" dur="500"/>
+                                        <p:tgtEl>
+                                          <p:spTgt spid="61"/>
+                                        </p:tgtEl>
+                                      </p:cBhvr>
+                                    </p:animEffect>
+                                  </p:childTnLst>
+                                </p:cTn>
+                              </p:par>
+                            </p:childTnLst>
+                          </p:cTn>
+                        </p:par>
+                      </p:childTnLst>
+                    </p:cTn>
+                  </p:par>
+                  <p:par>
+                    <p:cTn id="273" fill="hold">
+                      <p:stCondLst>
+                        <p:cond delay="indefinite"/>
+                      </p:stCondLst>
+                      <p:childTnLst>
+                        <p:par>
+                          <p:cTn id="274" fill="hold">
+                            <p:stCondLst>
+                              <p:cond delay="0"/>
+                            </p:stCondLst>
+                            <p:childTnLst>
+                              <p:par>
+                                <p:cTn id="275" presetID="10" presetClass="exit" presetSubtype="0" fill="hold" nodeType="clickEffect">
+                                  <p:stCondLst>
+                                    <p:cond delay="0"/>
+                                  </p:stCondLst>
+                                  <p:childTnLst>
+                                    <p:animEffect transition="out" filter="fade">
+                                      <p:cBhvr>
+                                        <p:cTn id="276" dur="500"/>
+                                        <p:tgtEl>
+                                          <p:spTgt spid="60"/>
+                                        </p:tgtEl>
+                                      </p:cBhvr>
+                                    </p:animEffect>
+                                    <p:set>
+                                      <p:cBhvr>
+                                        <p:cTn id="277" dur="1" fill="hold">
+                                          <p:stCondLst>
+                                            <p:cond delay="499"/>
+                                          </p:stCondLst>
+                                        </p:cTn>
+                                        <p:tgtEl>
+                                          <p:spTgt spid="60"/>
+                                        </p:tgtEl>
+                                        <p:attrNameLst>
+                                          <p:attrName>style.visibility</p:attrName>
+                                        </p:attrNameLst>
+                                      </p:cBhvr>
+                                      <p:to>
+                                        <p:strVal val="hidden"/>
+                                      </p:to>
+                                    </p:set>
+                                  </p:childTnLst>
+                                </p:cTn>
+                              </p:par>
+                            </p:childTnLst>
+                          </p:cTn>
+                        </p:par>
+                      </p:childTnLst>
+                    </p:cTn>
+                  </p:par>
+                  <p:par>
+                    <p:cTn id="278" fill="hold">
+                      <p:stCondLst>
+                        <p:cond delay="indefinite"/>
+                      </p:stCondLst>
+                      <p:childTnLst>
+                        <p:par>
+                          <p:cTn id="279" fill="hold">
+                            <p:stCondLst>
+                              <p:cond delay="0"/>
+                            </p:stCondLst>
+                            <p:childTnLst>
+                              <p:par>
+                                <p:cTn id="280" presetID="10" presetClass="exit" presetSubtype="0" fill="hold" nodeType="clickEffect">
+                                  <p:stCondLst>
+                                    <p:cond delay="0"/>
+                                  </p:stCondLst>
+                                  <p:childTnLst>
+                                    <p:animEffect transition="out" filter="fade">
+                                      <p:cBhvr>
+                                        <p:cTn id="281" dur="500"/>
+                                        <p:tgtEl>
+                                          <p:spTgt spid="61"/>
+                                        </p:tgtEl>
+                                      </p:cBhvr>
+                                    </p:animEffect>
+                                    <p:set>
+                                      <p:cBhvr>
+                                        <p:cTn id="282" dur="1" fill="hold">
+                                          <p:stCondLst>
+                                            <p:cond delay="499"/>
+                                          </p:stCondLst>
+                                        </p:cTn>
+                                        <p:tgtEl>
+                                          <p:spTgt spid="61"/>
+                                        </p:tgtEl>
+                                        <p:attrNameLst>
+                                          <p:attrName>style.visibility</p:attrName>
+                                        </p:attrNameLst>
+                                      </p:cBhvr>
+                                      <p:to>
+                                        <p:strVal val="hidden"/>
+                                      </p:to>
+                                    </p:set>
+                                  </p:childTnLst>
+                                </p:cTn>
+                              </p:par>
+                            </p:childTnLst>
+                          </p:cTn>
+                        </p:par>
+                      </p:childTnLst>
+                    </p:cTn>
+                  </p:par>
+                </p:childTnLst>
+              </p:cTn>
+              <p:prevCondLst>
+                <p:cond evt="onPrev" delay="0">
+                  <p:tgtEl>
+                    <p:sldTgt/>
+                  </p:tgtEl>
+                </p:cond>
+              </p:prevCondLst>
+              <p:nextCondLst>
+                <p:cond evt="onNext" delay="0">
+                  <p:tgtEl>
+                    <p:sldTgt/>
+                  </p:tgtEl>
+                </p:cond>
+              </p:nextCondLst>
+            </p:seq>
+          </p:childTnLst>
+        </p:cTn>
       </p:par>
     </p:tnLst>
   </p:timing>
@@ -4512,7 +11217,7 @@
           <a:p>
             <a:r>
               <a:rPr lang="en-US" dirty="0" smtClean="0"/>
-              <a:t>3 Phases of Execution</a:t>
+              <a:t>Parallelization</a:t>
             </a:r>
             <a:endParaRPr lang="en-US" dirty="0"/>
           </a:p>
@@ -4520,227 +11225,147 @@
       </p:sp>
       <p:sp>
         <p:nvSpPr>
-          <p:cNvPr id="3" name="Content Placeholder 2"/>
+          <p:cNvPr id="4" name="Content Placeholder 2"/>
           <p:cNvSpPr>
             <a:spLocks noGrp="1"/>
           </p:cNvSpPr>
           <p:nvPr>
-            <p:ph idx="1"/>
+            <p:ph sz="half" idx="1"/>
           </p:nvPr>
         </p:nvSpPr>
         <p:spPr>
           <a:xfrm>
-            <a:off x="1143001" y="1965960"/>
-            <a:ext cx="7192478" cy="4492592"/>
+            <a:off x="1143000" y="2057399"/>
+            <a:ext cx="4754880" cy="4023360"/>
           </a:xfrm>
         </p:spPr>
         <p:txBody>
           <a:bodyPr>
-            <a:normAutofit fontScale="92500" lnSpcReduction="10000"/>
+            <a:normAutofit fontScale="85000" lnSpcReduction="20000"/>
           </a:bodyPr>
           <a:lstStyle/>
           <a:p>
             <a:r>
               <a:rPr lang="en-US" dirty="0" smtClean="0"/>
-              <a:t>Report</a:t>
+              <a:t>The pipeline supports any type of parallelization, spatial, temporal, array based, </a:t>
+            </a:r>
+            <a:r>
+              <a:rPr lang="en-US" dirty="0" err="1" smtClean="0"/>
+              <a:t>etc</a:t>
+            </a:r>
+            <a:endParaRPr lang="en-US" dirty="0" smtClean="0"/>
+          </a:p>
+          <a:p>
+            <a:r>
+              <a:rPr lang="en-US" dirty="0" smtClean="0"/>
+              <a:t>our main focus is implementing support for</a:t>
             </a:r>
           </a:p>
           <a:p>
             <a:pPr lvl="1"/>
             <a:r>
               <a:rPr lang="en-US" dirty="0" smtClean="0"/>
-              <a:t>The first end to end pipeline pass algorithms are asked to report any new data that they can produce. For some this will be a no-op, passing through what’s on their inputs.</a:t>
-            </a:r>
-          </a:p>
-          <a:p>
+              <a:t>parallelize over “requests”</a:t>
+            </a:r>
+          </a:p>
+          <a:p>
+            <a:pPr lvl="2"/>
             <a:r>
               <a:rPr lang="en-US" dirty="0" smtClean="0"/>
-              <a:t>Request</a:t>
+              <a:t>MPI : requests describe the partitioning of work across ranks</a:t>
+            </a:r>
+          </a:p>
+          <a:p>
+            <a:pPr lvl="2"/>
+            <a:r>
+              <a:rPr lang="en-US" dirty="0" smtClean="0"/>
+              <a:t>threads : local requests on each rank can be mapped to available threads</a:t>
+            </a:r>
+          </a:p>
+          <a:p>
+            <a:r>
+              <a:rPr lang="en-US" dirty="0" smtClean="0"/>
+              <a:t>most common use case: temporal map-reduce</a:t>
             </a:r>
           </a:p>
           <a:p>
             <a:pPr lvl="1"/>
             <a:r>
               <a:rPr lang="en-US" dirty="0" smtClean="0"/>
-              <a:t>For each request made of it an algorithms generates requests that are sent upstream to produce the data it needs. </a:t>
+              <a:t> parallelize over time </a:t>
+            </a:r>
+          </a:p>
+          <a:p>
+            <a:pPr lvl="2"/>
+            <a:r>
+              <a:rPr lang="en-US" dirty="0" smtClean="0"/>
+              <a:t>MPI : partition time steps across ranks</a:t>
+            </a:r>
+          </a:p>
+          <a:p>
+            <a:pPr lvl="2"/>
+            <a:r>
+              <a:rPr lang="en-US" dirty="0" smtClean="0"/>
+              <a:t>threading : partition times within a process  </a:t>
             </a:r>
           </a:p>
           <a:p>
             <a:pPr lvl="1"/>
             <a:r>
               <a:rPr lang="en-US" dirty="0" smtClean="0"/>
-              <a:t>Requests are mapped round-</a:t>
-            </a:r>
-            <a:r>
-              <a:rPr lang="en-US" dirty="0" err="1" smtClean="0"/>
-              <a:t>robbin</a:t>
-            </a:r>
-            <a:r>
-              <a:rPr lang="en-US" dirty="0" smtClean="0"/>
-              <a:t> to input connections. </a:t>
-            </a:r>
-            <a:r>
-              <a:rPr lang="en-US" dirty="0" err="1" smtClean="0"/>
-              <a:t>ie</a:t>
-            </a:r>
-            <a:r>
-              <a:rPr lang="en-US" dirty="0" smtClean="0"/>
-              <a:t>. Multiple requests can be made from multiple input connections.</a:t>
-            </a:r>
-          </a:p>
-          <a:p>
-            <a:pPr lvl="1"/>
-            <a:r>
-              <a:rPr lang="en-US" dirty="0" smtClean="0"/>
-              <a:t>The resulting datasets are available during the execute phase</a:t>
-            </a:r>
-          </a:p>
-          <a:p>
-            <a:r>
-              <a:rPr lang="en-US" dirty="0" smtClean="0"/>
-              <a:t>Execute</a:t>
-            </a:r>
-          </a:p>
-          <a:p>
-            <a:pPr lvl="1"/>
-            <a:r>
-              <a:rPr lang="en-US" dirty="0" smtClean="0"/>
-              <a:t>The algorithm is passed the datasets produced by its upstream requests and the request made of it and is required to generate the dataset to fulfil this request.</a:t>
-            </a:r>
-          </a:p>
-          <a:p>
+              <a:t>and a temporal reduction</a:t>
+            </a:r>
             <a:endParaRPr lang="en-US" dirty="0"/>
           </a:p>
         </p:txBody>
       </p:sp>
       <p:grpSp>
         <p:nvGrpSpPr>
-          <p:cNvPr id="13" name="Group 12"/>
+          <p:cNvPr id="5" name="Group 4"/>
           <p:cNvGrpSpPr/>
           <p:nvPr/>
         </p:nvGrpSpPr>
         <p:grpSpPr>
           <a:xfrm>
-            <a:off x="9050864" y="1661463"/>
-            <a:ext cx="2056690" cy="3988566"/>
-            <a:chOff x="9442380" y="2760599"/>
-            <a:chExt cx="869398" cy="1751792"/>
+            <a:off x="6691190" y="2245977"/>
+            <a:ext cx="3456112" cy="2895065"/>
+            <a:chOff x="6691190" y="2245977"/>
+            <a:chExt cx="3456112" cy="2895065"/>
           </a:xfrm>
         </p:grpSpPr>
-        <p:sp>
-          <p:nvSpPr>
-            <p:cNvPr id="4" name="Rectangle 3"/>
-            <p:cNvSpPr/>
+        <p:cxnSp>
+          <p:nvCxnSpPr>
+            <p:cNvPr id="6" name="Straight Connector 5"/>
+            <p:cNvCxnSpPr/>
             <p:nvPr/>
-          </p:nvSpPr>
+          </p:nvCxnSpPr>
           <p:spPr>
             <a:xfrm>
-              <a:off x="9442383" y="2760599"/>
-              <a:ext cx="356135" cy="281539"/>
+              <a:off x="6757037" y="4184555"/>
+              <a:ext cx="3390265" cy="0"/>
             </a:xfrm>
-            <a:prstGeom prst="rect">
+            <a:prstGeom prst="line">
               <a:avLst/>
             </a:prstGeom>
+            <a:ln w="41275">
+              <a:prstDash val="dash"/>
+            </a:ln>
           </p:spPr>
           <p:style>
-            <a:lnRef idx="1">
-              <a:schemeClr val="accent4"/>
+            <a:lnRef idx="3">
+              <a:schemeClr val="accent6"/>
             </a:lnRef>
-            <a:fillRef idx="3">
-              <a:schemeClr val="accent4"/>
+            <a:fillRef idx="0">
+              <a:schemeClr val="accent6"/>
             </a:fillRef>
             <a:effectRef idx="2">
-              <a:schemeClr val="accent4"/>
+              <a:schemeClr val="accent6"/>
             </a:effectRef>
             <a:fontRef idx="minor">
-              <a:schemeClr val="lt1"/>
+              <a:schemeClr val="tx1"/>
             </a:fontRef>
           </p:style>
-          <p:txBody>
-            <a:bodyPr rtlCol="0" anchor="ctr"/>
-            <a:lstStyle/>
-            <a:p>
-              <a:pPr algn="ctr"/>
-              <a:endParaRPr lang="en-US"/>
-            </a:p>
-          </p:txBody>
-        </p:sp>
-        <p:sp>
-          <p:nvSpPr>
-            <p:cNvPr id="5" name="Rectangle 4"/>
-            <p:cNvSpPr/>
-            <p:nvPr/>
-          </p:nvSpPr>
-          <p:spPr>
-            <a:xfrm>
-              <a:off x="9442380" y="3257502"/>
-              <a:ext cx="356135" cy="281539"/>
-            </a:xfrm>
-            <a:prstGeom prst="rect">
-              <a:avLst/>
-            </a:prstGeom>
-          </p:spPr>
-          <p:style>
-            <a:lnRef idx="1">
-              <a:schemeClr val="accent4"/>
-            </a:lnRef>
-            <a:fillRef idx="3">
-              <a:schemeClr val="accent4"/>
-            </a:fillRef>
-            <a:effectRef idx="2">
-              <a:schemeClr val="accent4"/>
-            </a:effectRef>
-            <a:fontRef idx="minor">
-              <a:schemeClr val="lt1"/>
-            </a:fontRef>
-          </p:style>
-          <p:txBody>
-            <a:bodyPr rtlCol="0" anchor="ctr"/>
-            <a:lstStyle/>
-            <a:p>
-              <a:pPr algn="ctr"/>
-              <a:endParaRPr lang="en-US"/>
-            </a:p>
-          </p:txBody>
-        </p:sp>
-        <p:sp>
-          <p:nvSpPr>
-            <p:cNvPr id="6" name="Rectangle 5"/>
-            <p:cNvSpPr/>
-            <p:nvPr/>
-          </p:nvSpPr>
-          <p:spPr>
-            <a:xfrm>
-              <a:off x="9442381" y="3713497"/>
-              <a:ext cx="356135" cy="281539"/>
-            </a:xfrm>
-            <a:prstGeom prst="rect">
-              <a:avLst/>
-            </a:prstGeom>
-          </p:spPr>
-          <p:style>
-            <a:lnRef idx="1">
-              <a:schemeClr val="accent4"/>
-            </a:lnRef>
-            <a:fillRef idx="3">
-              <a:schemeClr val="accent4"/>
-            </a:fillRef>
-            <a:effectRef idx="2">
-              <a:schemeClr val="accent4"/>
-            </a:effectRef>
-            <a:fontRef idx="minor">
-              <a:schemeClr val="lt1"/>
-            </a:fontRef>
-          </p:style>
-          <p:txBody>
-            <a:bodyPr rtlCol="0" anchor="ctr"/>
-            <a:lstStyle/>
-            <a:p>
-              <a:pPr algn="ctr"/>
-              <a:endParaRPr lang="en-US"/>
-            </a:p>
-          </p:txBody>
-        </p:sp>
+        </p:cxnSp>
         <p:sp>
           <p:nvSpPr>
             <p:cNvPr id="7" name="Rectangle 6"/>
@@ -4749,8 +11374,8 @@
           </p:nvSpPr>
           <p:spPr>
             <a:xfrm>
-              <a:off x="9955643" y="3713497"/>
-              <a:ext cx="356135" cy="281539"/>
+              <a:off x="8387404" y="2245977"/>
+              <a:ext cx="395129" cy="339409"/>
             </a:xfrm>
             <a:prstGeom prst="rect">
               <a:avLst/>
@@ -4787,8 +11412,46 @@
           </p:nvSpPr>
           <p:spPr>
             <a:xfrm>
-              <a:off x="9702264" y="4230852"/>
-              <a:ext cx="356135" cy="281539"/>
+              <a:off x="8387404" y="2755091"/>
+              <a:ext cx="395129" cy="339409"/>
+            </a:xfrm>
+            <a:prstGeom prst="rect">
+              <a:avLst/>
+            </a:prstGeom>
+          </p:spPr>
+          <p:style>
+            <a:lnRef idx="1">
+              <a:schemeClr val="accent4"/>
+            </a:lnRef>
+            <a:fillRef idx="3">
+              <a:schemeClr val="accent4"/>
+            </a:fillRef>
+            <a:effectRef idx="2">
+              <a:schemeClr val="accent4"/>
+            </a:effectRef>
+            <a:fontRef idx="minor">
+              <a:schemeClr val="lt1"/>
+            </a:fontRef>
+          </p:style>
+          <p:txBody>
+            <a:bodyPr rtlCol="0" anchor="ctr"/>
+            <a:lstStyle/>
+            <a:p>
+              <a:pPr algn="ctr"/>
+              <a:endParaRPr lang="en-US"/>
+            </a:p>
+          </p:txBody>
+        </p:sp>
+        <p:sp>
+          <p:nvSpPr>
+            <p:cNvPr id="9" name="Rectangle 8"/>
+            <p:cNvSpPr/>
+            <p:nvPr/>
+          </p:nvSpPr>
+          <p:spPr>
+            <a:xfrm>
+              <a:off x="8387404" y="3266677"/>
+              <a:ext cx="395129" cy="339409"/>
             </a:xfrm>
             <a:prstGeom prst="rect">
               <a:avLst/>
@@ -4819,22 +11482,25 @@
         </p:sp>
         <p:cxnSp>
           <p:nvCxnSpPr>
-            <p:cNvPr id="9" name="Straight Arrow Connector 8"/>
+            <p:cNvPr id="10" name="Straight Arrow Connector 9"/>
             <p:cNvCxnSpPr>
-              <a:stCxn id="4" idx="2"/>
-              <a:endCxn id="5" idx="0"/>
+              <a:stCxn id="7" idx="2"/>
+              <a:endCxn id="8" idx="0"/>
             </p:cNvCxnSpPr>
             <p:nvPr/>
           </p:nvCxnSpPr>
           <p:spPr>
-            <a:xfrm flipH="1">
-              <a:off x="9620448" y="3042138"/>
-              <a:ext cx="3" cy="215364"/>
+            <a:xfrm>
+              <a:off x="8584969" y="2585386"/>
+              <a:ext cx="0" cy="169705"/>
             </a:xfrm>
             <a:prstGeom prst="straightConnector1">
               <a:avLst/>
             </a:prstGeom>
-            <a:ln>
+            <a:ln w="25400">
+              <a:solidFill>
+                <a:schemeClr val="tx2"/>
+              </a:solidFill>
               <a:tailEnd type="triangle"/>
             </a:ln>
           </p:spPr>
@@ -4855,22 +11521,25 @@
         </p:cxnSp>
         <p:cxnSp>
           <p:nvCxnSpPr>
-            <p:cNvPr id="10" name="Straight Arrow Connector 9"/>
+            <p:cNvPr id="11" name="Straight Arrow Connector 10"/>
             <p:cNvCxnSpPr>
-              <a:stCxn id="5" idx="2"/>
-              <a:endCxn id="6" idx="0"/>
+              <a:stCxn id="8" idx="2"/>
+              <a:endCxn id="9" idx="0"/>
             </p:cNvCxnSpPr>
             <p:nvPr/>
           </p:nvCxnSpPr>
           <p:spPr>
             <a:xfrm>
-              <a:off x="9620448" y="3539041"/>
-              <a:ext cx="1" cy="174456"/>
+              <a:off x="8584969" y="3094500"/>
+              <a:ext cx="0" cy="172177"/>
             </a:xfrm>
             <a:prstGeom prst="straightConnector1">
               <a:avLst/>
             </a:prstGeom>
-            <a:ln>
+            <a:ln w="25400">
+              <a:solidFill>
+                <a:schemeClr val="tx2"/>
+              </a:solidFill>
               <a:tailEnd type="triangle"/>
             </a:ln>
           </p:spPr>
@@ -4889,24 +11558,64 @@
             </a:fontRef>
           </p:style>
         </p:cxnSp>
+        <p:sp>
+          <p:nvSpPr>
+            <p:cNvPr id="12" name="Rectangle 11"/>
+            <p:cNvSpPr/>
+            <p:nvPr/>
+          </p:nvSpPr>
+          <p:spPr>
+            <a:xfrm>
+              <a:off x="8387404" y="3778263"/>
+              <a:ext cx="395129" cy="339409"/>
+            </a:xfrm>
+            <a:prstGeom prst="rect">
+              <a:avLst/>
+            </a:prstGeom>
+          </p:spPr>
+          <p:style>
+            <a:lnRef idx="1">
+              <a:schemeClr val="accent4"/>
+            </a:lnRef>
+            <a:fillRef idx="3">
+              <a:schemeClr val="accent4"/>
+            </a:fillRef>
+            <a:effectRef idx="2">
+              <a:schemeClr val="accent4"/>
+            </a:effectRef>
+            <a:fontRef idx="minor">
+              <a:schemeClr val="lt1"/>
+            </a:fontRef>
+          </p:style>
+          <p:txBody>
+            <a:bodyPr rtlCol="0" anchor="ctr"/>
+            <a:lstStyle/>
+            <a:p>
+              <a:pPr algn="ctr"/>
+              <a:endParaRPr lang="en-US"/>
+            </a:p>
+          </p:txBody>
+        </p:sp>
         <p:cxnSp>
           <p:nvCxnSpPr>
-            <p:cNvPr id="11" name="Elbow Connector 10"/>
+            <p:cNvPr id="13" name="Straight Arrow Connector 12"/>
             <p:cNvCxnSpPr>
-              <a:stCxn id="7" idx="2"/>
-              <a:endCxn id="8" idx="0"/>
+              <a:endCxn id="12" idx="0"/>
             </p:cNvCxnSpPr>
             <p:nvPr/>
           </p:nvCxnSpPr>
           <p:spPr>
-            <a:xfrm rot="5400000">
-              <a:off x="9889114" y="3986255"/>
-              <a:ext cx="235816" cy="253379"/>
+            <a:xfrm>
+              <a:off x="8584969" y="3606086"/>
+              <a:ext cx="0" cy="172177"/>
             </a:xfrm>
-            <a:prstGeom prst="bentConnector3">
+            <a:prstGeom prst="straightConnector1">
               <a:avLst/>
             </a:prstGeom>
-            <a:ln>
+            <a:ln w="25400">
+              <a:solidFill>
+                <a:schemeClr val="tx2"/>
+              </a:solidFill>
               <a:tailEnd type="triangle"/>
             </a:ln>
           </p:spPr>
@@ -4925,24 +11634,64 @@
             </a:fontRef>
           </p:style>
         </p:cxnSp>
+        <p:sp>
+          <p:nvSpPr>
+            <p:cNvPr id="14" name="Rectangle 13"/>
+            <p:cNvSpPr/>
+            <p:nvPr/>
+          </p:nvSpPr>
+          <p:spPr>
+            <a:xfrm>
+              <a:off x="8387404" y="4290892"/>
+              <a:ext cx="395129" cy="339409"/>
+            </a:xfrm>
+            <a:prstGeom prst="rect">
+              <a:avLst/>
+            </a:prstGeom>
+          </p:spPr>
+          <p:style>
+            <a:lnRef idx="1">
+              <a:schemeClr val="accent4"/>
+            </a:lnRef>
+            <a:fillRef idx="3">
+              <a:schemeClr val="accent4"/>
+            </a:fillRef>
+            <a:effectRef idx="2">
+              <a:schemeClr val="accent4"/>
+            </a:effectRef>
+            <a:fontRef idx="minor">
+              <a:schemeClr val="lt1"/>
+            </a:fontRef>
+          </p:style>
+          <p:txBody>
+            <a:bodyPr rtlCol="0" anchor="ctr"/>
+            <a:lstStyle/>
+            <a:p>
+              <a:pPr algn="ctr"/>
+              <a:endParaRPr lang="en-US"/>
+            </a:p>
+          </p:txBody>
+        </p:sp>
         <p:cxnSp>
           <p:nvCxnSpPr>
-            <p:cNvPr id="12" name="Elbow Connector 11"/>
+            <p:cNvPr id="15" name="Straight Arrow Connector 14"/>
             <p:cNvCxnSpPr>
-              <a:stCxn id="6" idx="2"/>
-              <a:endCxn id="8" idx="0"/>
+              <a:endCxn id="14" idx="0"/>
             </p:cNvCxnSpPr>
             <p:nvPr/>
           </p:nvCxnSpPr>
           <p:spPr>
-            <a:xfrm rot="16200000" flipH="1">
-              <a:off x="9632482" y="3983002"/>
-              <a:ext cx="235816" cy="259883"/>
+            <a:xfrm>
+              <a:off x="8584969" y="4118715"/>
+              <a:ext cx="0" cy="172177"/>
             </a:xfrm>
-            <a:prstGeom prst="bentConnector3">
+            <a:prstGeom prst="straightConnector1">
               <a:avLst/>
             </a:prstGeom>
-            <a:ln>
+            <a:ln w="25400">
+              <a:solidFill>
+                <a:schemeClr val="tx2"/>
+              </a:solidFill>
               <a:tailEnd type="triangle"/>
             </a:ln>
           </p:spPr>
@@ -4961,83 +11710,409 @@
             </a:fontRef>
           </p:style>
         </p:cxnSp>
+        <p:sp>
+          <p:nvSpPr>
+            <p:cNvPr id="16" name="TextBox 15"/>
+            <p:cNvSpPr txBox="1"/>
+            <p:nvPr/>
+          </p:nvSpPr>
+          <p:spPr>
+            <a:xfrm>
+              <a:off x="8782534" y="2279472"/>
+              <a:ext cx="642840" cy="276999"/>
+            </a:xfrm>
+            <a:prstGeom prst="rect">
+              <a:avLst/>
+            </a:prstGeom>
+            <a:noFill/>
+          </p:spPr>
+          <p:txBody>
+            <a:bodyPr wrap="square" rtlCol="0">
+              <a:spAutoFit/>
+            </a:bodyPr>
+            <a:lstStyle/>
+            <a:p>
+              <a:r>
+                <a:rPr lang="en-US" sz="1200" dirty="0" smtClean="0"/>
+                <a:t>reader</a:t>
+              </a:r>
+              <a:endParaRPr lang="en-US" sz="1200" dirty="0"/>
+            </a:p>
+          </p:txBody>
+        </p:sp>
+        <p:sp>
+          <p:nvSpPr>
+            <p:cNvPr id="17" name="TextBox 16"/>
+            <p:cNvSpPr txBox="1"/>
+            <p:nvPr/>
+          </p:nvSpPr>
+          <p:spPr>
+            <a:xfrm>
+              <a:off x="8782532" y="2789010"/>
+              <a:ext cx="782885" cy="276999"/>
+            </a:xfrm>
+            <a:prstGeom prst="rect">
+              <a:avLst/>
+            </a:prstGeom>
+            <a:noFill/>
+          </p:spPr>
+          <p:txBody>
+            <a:bodyPr wrap="none" rtlCol="0">
+              <a:normAutofit/>
+            </a:bodyPr>
+            <a:lstStyle/>
+            <a:p>
+              <a:r>
+                <a:rPr lang="en-US" sz="1200" dirty="0" smtClean="0"/>
+                <a:t>time </a:t>
+              </a:r>
+              <a:r>
+                <a:rPr lang="en-US" sz="1200" dirty="0" err="1" smtClean="0"/>
+                <a:t>avg</a:t>
+              </a:r>
+              <a:endParaRPr lang="en-US" sz="1200" dirty="0"/>
+            </a:p>
+          </p:txBody>
+        </p:sp>
+        <p:sp>
+          <p:nvSpPr>
+            <p:cNvPr id="18" name="TextBox 17"/>
+            <p:cNvSpPr txBox="1"/>
+            <p:nvPr/>
+          </p:nvSpPr>
+          <p:spPr>
+            <a:xfrm>
+              <a:off x="8782531" y="3304143"/>
+              <a:ext cx="782885" cy="276999"/>
+            </a:xfrm>
+            <a:prstGeom prst="rect">
+              <a:avLst/>
+            </a:prstGeom>
+            <a:noFill/>
+          </p:spPr>
+          <p:txBody>
+            <a:bodyPr wrap="none" rtlCol="0">
+              <a:normAutofit/>
+            </a:bodyPr>
+            <a:lstStyle/>
+            <a:p>
+              <a:r>
+                <a:rPr lang="en-US" sz="1200" dirty="0" smtClean="0"/>
+                <a:t>parallel comp/detect</a:t>
+              </a:r>
+              <a:endParaRPr lang="en-US" sz="1200" dirty="0"/>
+            </a:p>
+          </p:txBody>
+        </p:sp>
+        <p:sp>
+          <p:nvSpPr>
+            <p:cNvPr id="19" name="TextBox 18"/>
+            <p:cNvSpPr txBox="1"/>
+            <p:nvPr/>
+          </p:nvSpPr>
+          <p:spPr>
+            <a:xfrm>
+              <a:off x="8782530" y="3794842"/>
+              <a:ext cx="782885" cy="276999"/>
+            </a:xfrm>
+            <a:prstGeom prst="rect">
+              <a:avLst/>
+            </a:prstGeom>
+            <a:noFill/>
+          </p:spPr>
+          <p:txBody>
+            <a:bodyPr wrap="none" rtlCol="0">
+              <a:normAutofit/>
+            </a:bodyPr>
+            <a:lstStyle/>
+            <a:p>
+              <a:r>
+                <a:rPr lang="en-US" sz="1200" dirty="0" smtClean="0"/>
+                <a:t>reduce/stitch</a:t>
+              </a:r>
+              <a:endParaRPr lang="en-US" sz="1200" dirty="0"/>
+            </a:p>
+          </p:txBody>
+        </p:sp>
+        <p:sp>
+          <p:nvSpPr>
+            <p:cNvPr id="20" name="TextBox 19"/>
+            <p:cNvSpPr txBox="1"/>
+            <p:nvPr/>
+          </p:nvSpPr>
+          <p:spPr>
+            <a:xfrm>
+              <a:off x="8782529" y="4322096"/>
+              <a:ext cx="782885" cy="276999"/>
+            </a:xfrm>
+            <a:prstGeom prst="rect">
+              <a:avLst/>
+            </a:prstGeom>
+            <a:noFill/>
+          </p:spPr>
+          <p:txBody>
+            <a:bodyPr wrap="none" rtlCol="0">
+              <a:normAutofit/>
+            </a:bodyPr>
+            <a:lstStyle/>
+            <a:p>
+              <a:r>
+                <a:rPr lang="en-US" sz="1200" dirty="0" smtClean="0"/>
+                <a:t>serial comp/stats</a:t>
+              </a:r>
+              <a:endParaRPr lang="en-US" sz="1200" dirty="0"/>
+            </a:p>
+          </p:txBody>
+        </p:sp>
+        <p:sp>
+          <p:nvSpPr>
+            <p:cNvPr id="21" name="Rectangle 20"/>
+            <p:cNvSpPr/>
+            <p:nvPr/>
+          </p:nvSpPr>
+          <p:spPr>
+            <a:xfrm>
+              <a:off x="8387400" y="4801633"/>
+              <a:ext cx="395129" cy="339409"/>
+            </a:xfrm>
+            <a:prstGeom prst="rect">
+              <a:avLst/>
+            </a:prstGeom>
+          </p:spPr>
+          <p:style>
+            <a:lnRef idx="1">
+              <a:schemeClr val="accent4"/>
+            </a:lnRef>
+            <a:fillRef idx="3">
+              <a:schemeClr val="accent4"/>
+            </a:fillRef>
+            <a:effectRef idx="2">
+              <a:schemeClr val="accent4"/>
+            </a:effectRef>
+            <a:fontRef idx="minor">
+              <a:schemeClr val="lt1"/>
+            </a:fontRef>
+          </p:style>
+          <p:txBody>
+            <a:bodyPr rtlCol="0" anchor="ctr"/>
+            <a:lstStyle/>
+            <a:p>
+              <a:pPr algn="ctr"/>
+              <a:endParaRPr lang="en-US"/>
+            </a:p>
+          </p:txBody>
+        </p:sp>
+        <p:cxnSp>
+          <p:nvCxnSpPr>
+            <p:cNvPr id="22" name="Straight Arrow Connector 21"/>
+            <p:cNvCxnSpPr>
+              <a:endCxn id="21" idx="0"/>
+            </p:cNvCxnSpPr>
+            <p:nvPr/>
+          </p:nvCxnSpPr>
+          <p:spPr>
+            <a:xfrm>
+              <a:off x="8584965" y="4629456"/>
+              <a:ext cx="0" cy="172177"/>
+            </a:xfrm>
+            <a:prstGeom prst="straightConnector1">
+              <a:avLst/>
+            </a:prstGeom>
+            <a:ln w="25400">
+              <a:solidFill>
+                <a:schemeClr val="tx2"/>
+              </a:solidFill>
+              <a:tailEnd type="triangle"/>
+            </a:ln>
+          </p:spPr>
+          <p:style>
+            <a:lnRef idx="1">
+              <a:schemeClr val="accent1"/>
+            </a:lnRef>
+            <a:fillRef idx="0">
+              <a:schemeClr val="accent1"/>
+            </a:fillRef>
+            <a:effectRef idx="0">
+              <a:schemeClr val="accent1"/>
+            </a:effectRef>
+            <a:fontRef idx="minor">
+              <a:schemeClr val="tx1"/>
+            </a:fontRef>
+          </p:style>
+        </p:cxnSp>
+        <p:sp>
+          <p:nvSpPr>
+            <p:cNvPr id="23" name="TextBox 22"/>
+            <p:cNvSpPr txBox="1"/>
+            <p:nvPr/>
+          </p:nvSpPr>
+          <p:spPr>
+            <a:xfrm>
+              <a:off x="8782525" y="4832837"/>
+              <a:ext cx="782885" cy="276999"/>
+            </a:xfrm>
+            <a:prstGeom prst="rect">
+              <a:avLst/>
+            </a:prstGeom>
+            <a:noFill/>
+          </p:spPr>
+          <p:txBody>
+            <a:bodyPr wrap="none" rtlCol="0">
+              <a:normAutofit/>
+            </a:bodyPr>
+            <a:lstStyle/>
+            <a:p>
+              <a:r>
+                <a:rPr lang="en-US" sz="1200" dirty="0" smtClean="0"/>
+                <a:t>writer</a:t>
+              </a:r>
+              <a:endParaRPr lang="en-US" sz="1200" dirty="0"/>
+            </a:p>
+          </p:txBody>
+        </p:sp>
+        <p:sp>
+          <p:nvSpPr>
+            <p:cNvPr id="24" name="TextBox 23"/>
+            <p:cNvSpPr txBox="1"/>
+            <p:nvPr/>
+          </p:nvSpPr>
+          <p:spPr>
+            <a:xfrm>
+              <a:off x="6697540" y="3944221"/>
+              <a:ext cx="1492784" cy="280702"/>
+            </a:xfrm>
+            <a:prstGeom prst="rect">
+              <a:avLst/>
+            </a:prstGeom>
+            <a:noFill/>
+          </p:spPr>
+          <p:txBody>
+            <a:bodyPr wrap="square" rtlCol="0">
+              <a:normAutofit fontScale="77500" lnSpcReduction="20000"/>
+            </a:bodyPr>
+            <a:lstStyle/>
+            <a:p>
+              <a:r>
+                <a:rPr lang="en-US" dirty="0"/>
+                <a:t>m</a:t>
+              </a:r>
+              <a:r>
+                <a:rPr lang="en-US" dirty="0" smtClean="0"/>
+                <a:t>assively parallel</a:t>
+              </a:r>
+              <a:endParaRPr lang="en-US" dirty="0"/>
+            </a:p>
+          </p:txBody>
+        </p:sp>
+        <p:cxnSp>
+          <p:nvCxnSpPr>
+            <p:cNvPr id="25" name="Straight Arrow Connector 24"/>
+            <p:cNvCxnSpPr/>
+            <p:nvPr/>
+          </p:nvCxnSpPr>
+          <p:spPr>
+            <a:xfrm flipV="1">
+              <a:off x="7444870" y="3567984"/>
+              <a:ext cx="0" cy="376237"/>
+            </a:xfrm>
+            <a:prstGeom prst="straightConnector1">
+              <a:avLst/>
+            </a:prstGeom>
+            <a:ln w="31750" cmpd="dbl">
+              <a:solidFill>
+                <a:schemeClr val="accent6"/>
+              </a:solidFill>
+              <a:tailEnd type="triangle"/>
+            </a:ln>
+          </p:spPr>
+          <p:style>
+            <a:lnRef idx="1">
+              <a:schemeClr val="accent1"/>
+            </a:lnRef>
+            <a:fillRef idx="0">
+              <a:schemeClr val="accent1"/>
+            </a:fillRef>
+            <a:effectRef idx="0">
+              <a:schemeClr val="accent1"/>
+            </a:effectRef>
+            <a:fontRef idx="minor">
+              <a:schemeClr val="tx1"/>
+            </a:fontRef>
+          </p:style>
+        </p:cxnSp>
+        <p:sp>
+          <p:nvSpPr>
+            <p:cNvPr id="26" name="TextBox 25"/>
+            <p:cNvSpPr txBox="1"/>
+            <p:nvPr/>
+          </p:nvSpPr>
+          <p:spPr>
+            <a:xfrm>
+              <a:off x="6691190" y="4198221"/>
+              <a:ext cx="1492784" cy="280702"/>
+            </a:xfrm>
+            <a:prstGeom prst="rect">
+              <a:avLst/>
+            </a:prstGeom>
+            <a:noFill/>
+          </p:spPr>
+          <p:txBody>
+            <a:bodyPr wrap="square" rtlCol="0">
+              <a:normAutofit fontScale="85000" lnSpcReduction="20000"/>
+            </a:bodyPr>
+            <a:lstStyle/>
+            <a:p>
+              <a:pPr algn="ctr"/>
+              <a:r>
+                <a:rPr lang="en-US" dirty="0" smtClean="0"/>
+                <a:t>serial</a:t>
+              </a:r>
+              <a:endParaRPr lang="en-US" dirty="0"/>
+            </a:p>
+          </p:txBody>
+        </p:sp>
+        <p:cxnSp>
+          <p:nvCxnSpPr>
+            <p:cNvPr id="27" name="Straight Arrow Connector 26"/>
+            <p:cNvCxnSpPr/>
+            <p:nvPr/>
+          </p:nvCxnSpPr>
+          <p:spPr>
+            <a:xfrm flipV="1">
+              <a:off x="7438520" y="4418884"/>
+              <a:ext cx="0" cy="376237"/>
+            </a:xfrm>
+            <a:prstGeom prst="straightConnector1">
+              <a:avLst/>
+            </a:prstGeom>
+            <a:ln w="31750" cmpd="dbl">
+              <a:solidFill>
+                <a:schemeClr val="accent6"/>
+              </a:solidFill>
+              <a:headEnd type="triangle"/>
+              <a:tailEnd type="none"/>
+            </a:ln>
+          </p:spPr>
+          <p:style>
+            <a:lnRef idx="1">
+              <a:schemeClr val="accent1"/>
+            </a:lnRef>
+            <a:fillRef idx="0">
+              <a:schemeClr val="accent1"/>
+            </a:fillRef>
+            <a:effectRef idx="0">
+              <a:schemeClr val="accent1"/>
+            </a:effectRef>
+            <a:fontRef idx="minor">
+              <a:schemeClr val="tx1"/>
+            </a:fontRef>
+          </p:style>
+        </p:cxnSp>
       </p:grpSp>
-      <p:cxnSp>
-        <p:nvCxnSpPr>
-          <p:cNvPr id="15" name="Straight Arrow Connector 14"/>
-          <p:cNvCxnSpPr/>
-          <p:nvPr/>
-        </p:nvCxnSpPr>
-        <p:spPr>
-          <a:xfrm>
-            <a:off x="9201752" y="2377441"/>
-            <a:ext cx="0" cy="386520"/>
-          </a:xfrm>
-          <a:prstGeom prst="straightConnector1">
-            <a:avLst/>
-          </a:prstGeom>
-          <a:ln w="31750">
-            <a:solidFill>
-              <a:srgbClr val="0070C0"/>
-            </a:solidFill>
-            <a:tailEnd type="triangle"/>
-          </a:ln>
-        </p:spPr>
-        <p:style>
-          <a:lnRef idx="1">
-            <a:schemeClr val="accent1"/>
-          </a:lnRef>
-          <a:fillRef idx="0">
-            <a:schemeClr val="accent1"/>
-          </a:fillRef>
-          <a:effectRef idx="0">
-            <a:schemeClr val="accent1"/>
-          </a:effectRef>
-          <a:fontRef idx="minor">
-            <a:schemeClr val="tx1"/>
-          </a:fontRef>
-        </p:style>
-      </p:cxnSp>
-      <p:cxnSp>
-        <p:nvCxnSpPr>
-          <p:cNvPr id="21" name="Straight Arrow Connector 20"/>
-          <p:cNvCxnSpPr/>
-          <p:nvPr/>
-        </p:nvCxnSpPr>
-        <p:spPr>
-          <a:xfrm>
-            <a:off x="10686312" y="4472088"/>
-            <a:ext cx="0" cy="386520"/>
-          </a:xfrm>
-          <a:prstGeom prst="straightConnector1">
-            <a:avLst/>
-          </a:prstGeom>
-          <a:ln w="31750">
-            <a:solidFill>
-              <a:srgbClr val="0070C0"/>
-            </a:solidFill>
-            <a:tailEnd type="triangle"/>
-          </a:ln>
-        </p:spPr>
-        <p:style>
-          <a:lnRef idx="1">
-            <a:schemeClr val="accent1"/>
-          </a:lnRef>
-          <a:fillRef idx="0">
-            <a:schemeClr val="accent1"/>
-          </a:fillRef>
-          <a:effectRef idx="0">
-            <a:schemeClr val="accent1"/>
-          </a:effectRef>
-          <a:fontRef idx="minor">
-            <a:schemeClr val="tx1"/>
-          </a:fontRef>
-        </p:style>
-      </p:cxnSp>
     </p:spTree>
     <p:extLst>
       <p:ext uri="{BB962C8B-B14F-4D97-AF65-F5344CB8AC3E}">
-        <p14:creationId xmlns:p14="http://schemas.microsoft.com/office/powerpoint/2010/main" val="621250292"/>
+        <p14:creationId xmlns:p14="http://schemas.microsoft.com/office/powerpoint/2010/main" val="2351168392"/>
       </p:ext>
     </p:extLst>
   </p:cSld>
@@ -5047,110 +12122,7 @@
   <p:timing>
     <p:tnLst>
       <p:par>
-        <p:cTn id="1" dur="indefinite" restart="never" nodeType="tmRoot">
-          <p:childTnLst>
-            <p:seq concurrent="1" nextAc="seek">
-              <p:cTn id="2" dur="indefinite" nodeType="mainSeq">
-                <p:childTnLst>
-                  <p:par>
-                    <p:cTn id="3" fill="hold">
-                      <p:stCondLst>
-                        <p:cond delay="indefinite"/>
-                      </p:stCondLst>
-                      <p:childTnLst>
-                        <p:par>
-                          <p:cTn id="4" fill="hold">
-                            <p:stCondLst>
-                              <p:cond delay="0"/>
-                            </p:stCondLst>
-                            <p:childTnLst>
-                              <p:par>
-                                <p:cTn id="5" presetID="0" presetClass="path" presetSubtype="0" accel="50000" decel="50000" fill="hold" nodeType="clickEffect">
-                                  <p:stCondLst>
-                                    <p:cond delay="0"/>
-                                  </p:stCondLst>
-                                  <p:childTnLst>
-                                    <p:animMotion origin="layout" path="M -0.00013 1.48148E-6 C -0.00039 0.09629 -0.00065 0.19259 -0.00078 0.28912 L 0.0664 0.35648 " pathEditMode="relative" rAng="0" ptsTypes="AAA">
-                                      <p:cBhvr>
-                                        <p:cTn id="6" dur="2000" fill="hold"/>
-                                        <p:tgtEl>
-                                          <p:spTgt spid="15"/>
-                                        </p:tgtEl>
-                                        <p:attrNameLst>
-                                          <p:attrName>ppt_x</p:attrName>
-                                          <p:attrName>ppt_y</p:attrName>
-                                        </p:attrNameLst>
-                                      </p:cBhvr>
-                                      <p:rCtr x="3294" y="17824"/>
-                                    </p:animMotion>
-                                  </p:childTnLst>
-                                </p:cTn>
-                              </p:par>
-                            </p:childTnLst>
-                          </p:cTn>
-                        </p:par>
-                      </p:childTnLst>
-                    </p:cTn>
-                  </p:par>
-                  <p:par>
-                    <p:cTn id="7" fill="hold">
-                      <p:stCondLst>
-                        <p:cond delay="indefinite"/>
-                      </p:stCondLst>
-                      <p:childTnLst>
-                        <p:par>
-                          <p:cTn id="8" fill="hold">
-                            <p:stCondLst>
-                              <p:cond delay="0"/>
-                            </p:stCondLst>
-                            <p:childTnLst>
-                              <p:par>
-                                <p:cTn id="9" presetID="42" presetClass="path" presetSubtype="0" accel="50000" decel="50000" fill="hold" nodeType="clickEffect">
-                                  <p:stCondLst>
-                                    <p:cond delay="0"/>
-                                  </p:stCondLst>
-                                  <p:childTnLst>
-                                    <p:animMotion origin="layout" path="M -2.5E-6 -4.07407E-6 L -0.04922 0.05 " pathEditMode="relative" rAng="0" ptsTypes="AA">
-                                      <p:cBhvr>
-                                        <p:cTn id="10" dur="2000" fill="hold"/>
-                                        <p:tgtEl>
-                                          <p:spTgt spid="21"/>
-                                        </p:tgtEl>
-                                        <p:attrNameLst>
-                                          <p:attrName>ppt_x</p:attrName>
-                                          <p:attrName>ppt_y</p:attrName>
-                                        </p:attrNameLst>
-                                      </p:cBhvr>
-                                      <p:rCtr x="-2461" y="2500"/>
-                                    </p:animMotion>
-                                  </p:childTnLst>
-                                </p:cTn>
-                              </p:par>
-                            </p:childTnLst>
-                          </p:cTn>
-                        </p:par>
-                      </p:childTnLst>
-                    </p:cTn>
-                  </p:par>
-                </p:childTnLst>
-              </p:cTn>
-              <p:prevCondLst>
-                <p:cond evt="onPrev" delay="0">
-                  <p:tgtEl>
-                    <p:sldTgt/>
-                  </p:tgtEl>
-                </p:cond>
-              </p:prevCondLst>
-              <p:nextCondLst>
-                <p:cond evt="onNext" delay="0">
-                  <p:tgtEl>
-                    <p:sldTgt/>
-                  </p:tgtEl>
-                </p:cond>
-              </p:nextCondLst>
-            </p:seq>
-          </p:childTnLst>
-        </p:cTn>
+        <p:cTn id="1" dur="indefinite" restart="never" nodeType="tmRoot"/>
       </p:par>
     </p:tnLst>
   </p:timing>
@@ -5230,26 +12202,6 @@
             <a:r>
               <a:rPr lang="en-US" sz="1200" dirty="0" smtClean="0">
                 <a:solidFill>
-                  <a:srgbClr val="0000FF"/>
-                </a:solidFill>
-                <a:latin typeface="Consolas" panose="020B0609020204030204" pitchFamily="49" charset="0"/>
-              </a:rPr>
-              <a:t>private</a:t>
-            </a:r>
-            <a:r>
-              <a:rPr lang="en-US" sz="1200" dirty="0">
-                <a:solidFill>
-                  <a:prstClr val="black"/>
-                </a:solidFill>
-                <a:latin typeface="Consolas" panose="020B0609020204030204" pitchFamily="49" charset="0"/>
-              </a:rPr>
-              <a:t>:</a:t>
-            </a:r>
-          </a:p>
-          <a:p>
-            <a:r>
-              <a:rPr lang="en-US" sz="1200" dirty="0">
-                <a:solidFill>
                   <a:prstClr val="black"/>
                 </a:solidFill>
                 <a:latin typeface="Consolas" panose="020B0609020204030204" pitchFamily="49" charset="0"/>
@@ -6222,16 +13174,7 @@
                 </a:solidFill>
                 <a:latin typeface="Consolas" panose="020B0609020204030204" pitchFamily="49" charset="0"/>
               </a:rPr>
-              <a:t>   // </a:t>
-            </a:r>
-            <a:r>
-              <a:rPr lang="en-US" sz="1200" dirty="0" smtClean="0">
-                <a:solidFill>
-                  <a:srgbClr val="008000"/>
-                </a:solidFill>
-                <a:latin typeface="Consolas" panose="020B0609020204030204" pitchFamily="49" charset="0"/>
-              </a:rPr>
-              <a:t>a request</a:t>
+              <a:t>   // a request</a:t>
             </a:r>
             <a:r>
               <a:rPr lang="en-US" sz="1200" dirty="0" smtClean="0">
@@ -6516,7 +13459,7 @@
                 </a:solidFill>
                 <a:latin typeface="Consolas" panose="020B0609020204030204" pitchFamily="49" charset="0"/>
               </a:rPr>
-              <a:t>) = 0;</a:t>
+              <a:t>);</a:t>
             </a:r>
             <a:endParaRPr lang="en-US" sz="1200" dirty="0">
               <a:solidFill>
@@ -6581,7 +13524,7 @@
           <a:p>
             <a:r>
               <a:rPr lang="en-US" dirty="0" smtClean="0"/>
-              <a:t>The Executive</a:t>
+              <a:t>threaded algorithm</a:t>
             </a:r>
             <a:endParaRPr lang="en-US" dirty="0"/>
           </a:p>
@@ -6604,34 +13547,38 @@
           <a:p>
             <a:r>
               <a:rPr lang="en-US" dirty="0" smtClean="0"/>
-              <a:t>Strategy pattern</a:t>
-            </a:r>
+              <a:t>from user point of view override same methods as </a:t>
+            </a:r>
+            <a:r>
+              <a:rPr lang="en-US" dirty="0" err="1" smtClean="0"/>
+              <a:t>teca_algorithm</a:t>
+            </a:r>
+            <a:endParaRPr lang="en-US" dirty="0" smtClean="0"/>
           </a:p>
           <a:p>
             <a:r>
               <a:rPr lang="en-US" dirty="0" smtClean="0"/>
-              <a:t>To run a pipeline set the desired executive and call “update”</a:t>
+              <a:t>needs to partition work into multiple requests</a:t>
             </a:r>
           </a:p>
           <a:p>
             <a:r>
               <a:rPr lang="en-US" dirty="0"/>
-              <a:t>Generates requests to drive the pipeline execution</a:t>
-            </a:r>
-          </a:p>
-          <a:p>
-            <a:pPr lvl="1"/>
+              <a:t>upstream requests are mapped onto </a:t>
+            </a:r>
             <a:r>
               <a:rPr lang="en-US" dirty="0" smtClean="0"/>
-              <a:t>Handles spatial/temporal domain decomposition and partitioning across MPI ranks	</a:t>
-            </a:r>
-          </a:p>
-          <a:p>
-            <a:pPr lvl="1"/>
+              <a:t>threads</a:t>
+            </a:r>
+          </a:p>
+          <a:p>
             <a:r>
               <a:rPr lang="en-US" dirty="0" smtClean="0"/>
-              <a:t>A set of requests are assigned to a rank, the algorithm executes the local requests in parallel using threads</a:t>
-            </a:r>
+              <a:t>Readers need to be smart</a:t>
+            </a:r>
+            <a:endParaRPr lang="en-US" dirty="0"/>
+          </a:p>
+          <a:p>
             <a:endParaRPr lang="en-US" dirty="0"/>
           </a:p>
         </p:txBody>
@@ -6639,7 +13586,1421 @@
     </p:spTree>
     <p:extLst>
       <p:ext uri="{BB962C8B-B14F-4D97-AF65-F5344CB8AC3E}">
-        <p14:creationId xmlns:p14="http://schemas.microsoft.com/office/powerpoint/2010/main" val="3741734138"/>
+        <p14:creationId xmlns:p14="http://schemas.microsoft.com/office/powerpoint/2010/main" val="133334168"/>
+      </p:ext>
+    </p:extLst>
+  </p:cSld>
+  <p:clrMapOvr>
+    <a:masterClrMapping/>
+  </p:clrMapOvr>
+  <p:timing>
+    <p:tnLst>
+      <p:par>
+        <p:cTn id="1" dur="indefinite" restart="never" nodeType="tmRoot"/>
+      </p:par>
+    </p:tnLst>
+  </p:timing>
+</p:sld>
+</file>
+
+<file path=ppt/slides/slide8.xml><?xml version="1.0" encoding="utf-8"?>
+<p:sld xmlns:a="http://schemas.openxmlformats.org/drawingml/2006/main" xmlns:r="http://schemas.openxmlformats.org/officeDocument/2006/relationships" xmlns:p="http://schemas.openxmlformats.org/presentationml/2006/main">
+  <p:cSld>
+    <p:spTree>
+      <p:nvGrpSpPr>
+        <p:cNvPr id="1" name=""/>
+        <p:cNvGrpSpPr/>
+        <p:nvPr/>
+      </p:nvGrpSpPr>
+      <p:grpSpPr>
+        <a:xfrm>
+          <a:off x="0" y="0"/>
+          <a:ext cx="0" cy="0"/>
+          <a:chOff x="0" y="0"/>
+          <a:chExt cx="0" cy="0"/>
+        </a:xfrm>
+      </p:grpSpPr>
+      <p:sp>
+        <p:nvSpPr>
+          <p:cNvPr id="2" name="Title 1"/>
+          <p:cNvSpPr>
+            <a:spLocks noGrp="1"/>
+          </p:cNvSpPr>
+          <p:nvPr>
+            <p:ph type="title"/>
+          </p:nvPr>
+        </p:nvSpPr>
+        <p:spPr/>
+        <p:txBody>
+          <a:bodyPr/>
+          <a:lstStyle/>
+          <a:p>
+            <a:r>
+              <a:rPr lang="en-US" dirty="0" err="1" smtClean="0"/>
+              <a:t>teca_temporal_reduction</a:t>
+            </a:r>
+            <a:endParaRPr lang="en-US" dirty="0"/>
+          </a:p>
+        </p:txBody>
+      </p:sp>
+      <p:sp>
+        <p:nvSpPr>
+          <p:cNvPr id="5" name="TextBox 4"/>
+          <p:cNvSpPr txBox="1"/>
+          <p:nvPr/>
+        </p:nvSpPr>
+        <p:spPr>
+          <a:xfrm>
+            <a:off x="1261533" y="1761067"/>
+            <a:ext cx="9756987" cy="4616648"/>
+          </a:xfrm>
+          <a:prstGeom prst="rect">
+            <a:avLst/>
+          </a:prstGeom>
+          <a:noFill/>
+        </p:spPr>
+        <p:txBody>
+          <a:bodyPr wrap="square" rtlCol="0">
+            <a:spAutoFit/>
+          </a:bodyPr>
+          <a:lstStyle/>
+          <a:p>
+            <a:r>
+              <a:rPr lang="en-US" dirty="0">
+                <a:solidFill>
+                  <a:srgbClr val="000000"/>
+                </a:solidFill>
+                <a:highlight>
+                  <a:srgbClr val="FFFFFF"/>
+                </a:highlight>
+                <a:latin typeface="Consolas" panose="020B0609020204030204" pitchFamily="49" charset="0"/>
+              </a:rPr>
+              <a:t> </a:t>
+            </a:r>
+            <a:r>
+              <a:rPr lang="en-US" dirty="0" smtClean="0">
+                <a:solidFill>
+                  <a:srgbClr val="000000"/>
+                </a:solidFill>
+                <a:highlight>
+                  <a:srgbClr val="FFFFFF"/>
+                </a:highlight>
+                <a:latin typeface="Consolas" panose="020B0609020204030204" pitchFamily="49" charset="0"/>
+              </a:rPr>
+              <a:t>  </a:t>
+            </a:r>
+            <a:r>
+              <a:rPr lang="en-US" sz="1200" dirty="0" smtClean="0">
+                <a:solidFill>
+                  <a:srgbClr val="008000"/>
+                </a:solidFill>
+                <a:highlight>
+                  <a:srgbClr val="FFFFFF"/>
+                </a:highlight>
+                <a:latin typeface="Consolas" panose="020B0609020204030204" pitchFamily="49" charset="0"/>
+              </a:rPr>
+              <a:t>// </a:t>
+            </a:r>
+            <a:r>
+              <a:rPr lang="en-US" sz="1200" dirty="0">
+                <a:solidFill>
+                  <a:srgbClr val="008000"/>
+                </a:solidFill>
+                <a:highlight>
+                  <a:srgbClr val="FFFFFF"/>
+                </a:highlight>
+                <a:latin typeface="Consolas" panose="020B0609020204030204" pitchFamily="49" charset="0"/>
+              </a:rPr>
+              <a:t>override that implements the reduction. given two datasets</a:t>
+            </a:r>
+            <a:endParaRPr lang="en-US" sz="1200" dirty="0">
+              <a:solidFill>
+                <a:srgbClr val="000000"/>
+              </a:solidFill>
+              <a:highlight>
+                <a:srgbClr val="FFFFFF"/>
+              </a:highlight>
+              <a:latin typeface="Consolas" panose="020B0609020204030204" pitchFamily="49" charset="0"/>
+            </a:endParaRPr>
+          </a:p>
+          <a:p>
+            <a:r>
+              <a:rPr lang="en-US" sz="1200" dirty="0">
+                <a:solidFill>
+                  <a:srgbClr val="000000"/>
+                </a:solidFill>
+                <a:highlight>
+                  <a:srgbClr val="FFFFFF"/>
+                </a:highlight>
+                <a:latin typeface="Consolas" panose="020B0609020204030204" pitchFamily="49" charset="0"/>
+              </a:rPr>
+              <a:t>    </a:t>
+            </a:r>
+            <a:r>
+              <a:rPr lang="en-US" sz="1200" dirty="0">
+                <a:solidFill>
+                  <a:srgbClr val="008000"/>
+                </a:solidFill>
+                <a:highlight>
+                  <a:srgbClr val="FFFFFF"/>
+                </a:highlight>
+                <a:latin typeface="Consolas" panose="020B0609020204030204" pitchFamily="49" charset="0"/>
+              </a:rPr>
+              <a:t>// a left and right, reduce into a single dataset and return.</a:t>
+            </a:r>
+            <a:endParaRPr lang="en-US" sz="1200" dirty="0">
+              <a:solidFill>
+                <a:srgbClr val="000000"/>
+              </a:solidFill>
+              <a:highlight>
+                <a:srgbClr val="FFFFFF"/>
+              </a:highlight>
+              <a:latin typeface="Consolas" panose="020B0609020204030204" pitchFamily="49" charset="0"/>
+            </a:endParaRPr>
+          </a:p>
+          <a:p>
+            <a:r>
+              <a:rPr lang="en-US" sz="1200" dirty="0">
+                <a:solidFill>
+                  <a:srgbClr val="000000"/>
+                </a:solidFill>
+                <a:highlight>
+                  <a:srgbClr val="FFFFFF"/>
+                </a:highlight>
+                <a:latin typeface="Consolas" panose="020B0609020204030204" pitchFamily="49" charset="0"/>
+              </a:rPr>
+              <a:t>    </a:t>
+            </a:r>
+            <a:r>
+              <a:rPr lang="en-US" sz="1200" dirty="0">
+                <a:solidFill>
+                  <a:srgbClr val="0000FF"/>
+                </a:solidFill>
+                <a:highlight>
+                  <a:srgbClr val="FFFFFF"/>
+                </a:highlight>
+                <a:latin typeface="Consolas" panose="020B0609020204030204" pitchFamily="49" charset="0"/>
+              </a:rPr>
+              <a:t>virtual</a:t>
+            </a:r>
+            <a:r>
+              <a:rPr lang="en-US" sz="1200" dirty="0">
+                <a:solidFill>
+                  <a:srgbClr val="000000"/>
+                </a:solidFill>
+                <a:highlight>
+                  <a:srgbClr val="FFFFFF"/>
+                </a:highlight>
+                <a:latin typeface="Consolas" panose="020B0609020204030204" pitchFamily="49" charset="0"/>
+              </a:rPr>
+              <a:t> </a:t>
+            </a:r>
+            <a:r>
+              <a:rPr lang="en-US" sz="1200" dirty="0" err="1">
+                <a:solidFill>
+                  <a:srgbClr val="000000"/>
+                </a:solidFill>
+                <a:highlight>
+                  <a:srgbClr val="FFFFFF"/>
+                </a:highlight>
+                <a:latin typeface="Consolas" panose="020B0609020204030204" pitchFamily="49" charset="0"/>
+              </a:rPr>
+              <a:t>p_teca_dataset</a:t>
+            </a:r>
+            <a:r>
+              <a:rPr lang="en-US" sz="1200" dirty="0">
+                <a:solidFill>
+                  <a:srgbClr val="000000"/>
+                </a:solidFill>
+                <a:highlight>
+                  <a:srgbClr val="FFFFFF"/>
+                </a:highlight>
+                <a:latin typeface="Consolas" panose="020B0609020204030204" pitchFamily="49" charset="0"/>
+              </a:rPr>
+              <a:t> reduce(</a:t>
+            </a:r>
+          </a:p>
+          <a:p>
+            <a:r>
+              <a:rPr lang="en-US" sz="1200" dirty="0">
+                <a:solidFill>
+                  <a:srgbClr val="000000"/>
+                </a:solidFill>
+                <a:highlight>
+                  <a:srgbClr val="FFFFFF"/>
+                </a:highlight>
+                <a:latin typeface="Consolas" panose="020B0609020204030204" pitchFamily="49" charset="0"/>
+              </a:rPr>
+              <a:t>        </a:t>
+            </a:r>
+            <a:r>
+              <a:rPr lang="en-US" sz="1200" dirty="0" err="1">
+                <a:solidFill>
+                  <a:srgbClr val="0000FF"/>
+                </a:solidFill>
+                <a:highlight>
+                  <a:srgbClr val="FFFFFF"/>
+                </a:highlight>
+                <a:latin typeface="Consolas" panose="020B0609020204030204" pitchFamily="49" charset="0"/>
+              </a:rPr>
+              <a:t>const</a:t>
+            </a:r>
+            <a:r>
+              <a:rPr lang="en-US" sz="1200" dirty="0">
+                <a:solidFill>
+                  <a:srgbClr val="000000"/>
+                </a:solidFill>
+                <a:highlight>
+                  <a:srgbClr val="FFFFFF"/>
+                </a:highlight>
+                <a:latin typeface="Consolas" panose="020B0609020204030204" pitchFamily="49" charset="0"/>
+              </a:rPr>
+              <a:t> </a:t>
+            </a:r>
+            <a:r>
+              <a:rPr lang="en-US" sz="1200" dirty="0" err="1">
+                <a:solidFill>
+                  <a:srgbClr val="000000"/>
+                </a:solidFill>
+                <a:highlight>
+                  <a:srgbClr val="FFFFFF"/>
+                </a:highlight>
+                <a:latin typeface="Consolas" panose="020B0609020204030204" pitchFamily="49" charset="0"/>
+              </a:rPr>
+              <a:t>p_teca_dataset</a:t>
+            </a:r>
+            <a:r>
+              <a:rPr lang="en-US" sz="1200" dirty="0">
+                <a:solidFill>
+                  <a:srgbClr val="000000"/>
+                </a:solidFill>
+                <a:highlight>
+                  <a:srgbClr val="FFFFFF"/>
+                </a:highlight>
+                <a:latin typeface="Consolas" panose="020B0609020204030204" pitchFamily="49" charset="0"/>
+              </a:rPr>
+              <a:t> &amp;left,</a:t>
+            </a:r>
+          </a:p>
+          <a:p>
+            <a:r>
+              <a:rPr lang="en-US" sz="1200" dirty="0">
+                <a:solidFill>
+                  <a:srgbClr val="000000"/>
+                </a:solidFill>
+                <a:highlight>
+                  <a:srgbClr val="FFFFFF"/>
+                </a:highlight>
+                <a:latin typeface="Consolas" panose="020B0609020204030204" pitchFamily="49" charset="0"/>
+              </a:rPr>
+              <a:t>        </a:t>
+            </a:r>
+            <a:r>
+              <a:rPr lang="en-US" sz="1200" dirty="0" err="1">
+                <a:solidFill>
+                  <a:srgbClr val="0000FF"/>
+                </a:solidFill>
+                <a:highlight>
+                  <a:srgbClr val="FFFFFF"/>
+                </a:highlight>
+                <a:latin typeface="Consolas" panose="020B0609020204030204" pitchFamily="49" charset="0"/>
+              </a:rPr>
+              <a:t>const</a:t>
+            </a:r>
+            <a:r>
+              <a:rPr lang="en-US" sz="1200" dirty="0">
+                <a:solidFill>
+                  <a:srgbClr val="000000"/>
+                </a:solidFill>
+                <a:highlight>
+                  <a:srgbClr val="FFFFFF"/>
+                </a:highlight>
+                <a:latin typeface="Consolas" panose="020B0609020204030204" pitchFamily="49" charset="0"/>
+              </a:rPr>
+              <a:t> </a:t>
+            </a:r>
+            <a:r>
+              <a:rPr lang="en-US" sz="1200" dirty="0" err="1">
+                <a:solidFill>
+                  <a:srgbClr val="000000"/>
+                </a:solidFill>
+                <a:highlight>
+                  <a:srgbClr val="FFFFFF"/>
+                </a:highlight>
+                <a:latin typeface="Consolas" panose="020B0609020204030204" pitchFamily="49" charset="0"/>
+              </a:rPr>
+              <a:t>p_teca_dataset</a:t>
+            </a:r>
+            <a:r>
+              <a:rPr lang="en-US" sz="1200" dirty="0">
+                <a:solidFill>
+                  <a:srgbClr val="000000"/>
+                </a:solidFill>
+                <a:highlight>
+                  <a:srgbClr val="FFFFFF"/>
+                </a:highlight>
+                <a:latin typeface="Consolas" panose="020B0609020204030204" pitchFamily="49" charset="0"/>
+              </a:rPr>
+              <a:t> &amp;right) = 0;</a:t>
+            </a:r>
+          </a:p>
+          <a:p>
+            <a:endParaRPr lang="en-US" sz="1200" dirty="0">
+              <a:solidFill>
+                <a:srgbClr val="000000"/>
+              </a:solidFill>
+              <a:highlight>
+                <a:srgbClr val="FFFFFF"/>
+              </a:highlight>
+              <a:latin typeface="Consolas" panose="020B0609020204030204" pitchFamily="49" charset="0"/>
+            </a:endParaRPr>
+          </a:p>
+          <a:p>
+            <a:r>
+              <a:rPr lang="en-US" sz="1200" dirty="0">
+                <a:solidFill>
+                  <a:srgbClr val="000000"/>
+                </a:solidFill>
+                <a:highlight>
+                  <a:srgbClr val="FFFFFF"/>
+                </a:highlight>
+                <a:latin typeface="Consolas" panose="020B0609020204030204" pitchFamily="49" charset="0"/>
+              </a:rPr>
+              <a:t>    </a:t>
+            </a:r>
+            <a:r>
+              <a:rPr lang="en-US" sz="1200" dirty="0">
+                <a:solidFill>
+                  <a:srgbClr val="008000"/>
+                </a:solidFill>
+                <a:highlight>
+                  <a:srgbClr val="FFFFFF"/>
+                </a:highlight>
+                <a:latin typeface="Consolas" panose="020B0609020204030204" pitchFamily="49" charset="0"/>
+              </a:rPr>
+              <a:t>// override that allows derived classes to generate upstream</a:t>
+            </a:r>
+            <a:endParaRPr lang="en-US" sz="1200" dirty="0">
+              <a:solidFill>
+                <a:srgbClr val="000000"/>
+              </a:solidFill>
+              <a:highlight>
+                <a:srgbClr val="FFFFFF"/>
+              </a:highlight>
+              <a:latin typeface="Consolas" panose="020B0609020204030204" pitchFamily="49" charset="0"/>
+            </a:endParaRPr>
+          </a:p>
+          <a:p>
+            <a:r>
+              <a:rPr lang="en-US" sz="1200" dirty="0">
+                <a:solidFill>
+                  <a:srgbClr val="000000"/>
+                </a:solidFill>
+                <a:highlight>
+                  <a:srgbClr val="FFFFFF"/>
+                </a:highlight>
+                <a:latin typeface="Consolas" panose="020B0609020204030204" pitchFamily="49" charset="0"/>
+              </a:rPr>
+              <a:t>    </a:t>
+            </a:r>
+            <a:r>
+              <a:rPr lang="en-US" sz="1200" dirty="0">
+                <a:solidFill>
+                  <a:srgbClr val="008000"/>
+                </a:solidFill>
+                <a:highlight>
+                  <a:srgbClr val="FFFFFF"/>
+                </a:highlight>
+                <a:latin typeface="Consolas" panose="020B0609020204030204" pitchFamily="49" charset="0"/>
+              </a:rPr>
+              <a:t>// requests that will be applied over all time steps. derived</a:t>
+            </a:r>
+            <a:endParaRPr lang="en-US" sz="1200" dirty="0">
+              <a:solidFill>
+                <a:srgbClr val="000000"/>
+              </a:solidFill>
+              <a:highlight>
+                <a:srgbClr val="FFFFFF"/>
+              </a:highlight>
+              <a:latin typeface="Consolas" panose="020B0609020204030204" pitchFamily="49" charset="0"/>
+            </a:endParaRPr>
+          </a:p>
+          <a:p>
+            <a:r>
+              <a:rPr lang="en-US" sz="1200" dirty="0">
+                <a:solidFill>
+                  <a:srgbClr val="000000"/>
+                </a:solidFill>
+                <a:highlight>
+                  <a:srgbClr val="FFFFFF"/>
+                </a:highlight>
+                <a:latin typeface="Consolas" panose="020B0609020204030204" pitchFamily="49" charset="0"/>
+              </a:rPr>
+              <a:t>    </a:t>
+            </a:r>
+            <a:r>
+              <a:rPr lang="en-US" sz="1200" dirty="0">
+                <a:solidFill>
+                  <a:srgbClr val="008000"/>
+                </a:solidFill>
+                <a:highlight>
+                  <a:srgbClr val="FFFFFF"/>
+                </a:highlight>
+                <a:latin typeface="Consolas" panose="020B0609020204030204" pitchFamily="49" charset="0"/>
+              </a:rPr>
+              <a:t>// classes implement this method instead of </a:t>
+            </a:r>
+            <a:r>
+              <a:rPr lang="en-US" sz="1200" dirty="0" err="1">
+                <a:solidFill>
+                  <a:srgbClr val="008000"/>
+                </a:solidFill>
+                <a:highlight>
+                  <a:srgbClr val="FFFFFF"/>
+                </a:highlight>
+                <a:latin typeface="Consolas" panose="020B0609020204030204" pitchFamily="49" charset="0"/>
+              </a:rPr>
+              <a:t>get_upstream_request</a:t>
+            </a:r>
+            <a:r>
+              <a:rPr lang="en-US" sz="1200" dirty="0">
+                <a:solidFill>
+                  <a:srgbClr val="008000"/>
+                </a:solidFill>
+                <a:highlight>
+                  <a:srgbClr val="FFFFFF"/>
+                </a:highlight>
+                <a:latin typeface="Consolas" panose="020B0609020204030204" pitchFamily="49" charset="0"/>
+              </a:rPr>
+              <a:t>,</a:t>
+            </a:r>
+            <a:endParaRPr lang="en-US" sz="1200" dirty="0">
+              <a:solidFill>
+                <a:srgbClr val="000000"/>
+              </a:solidFill>
+              <a:highlight>
+                <a:srgbClr val="FFFFFF"/>
+              </a:highlight>
+              <a:latin typeface="Consolas" panose="020B0609020204030204" pitchFamily="49" charset="0"/>
+            </a:endParaRPr>
+          </a:p>
+          <a:p>
+            <a:r>
+              <a:rPr lang="en-US" sz="1200" dirty="0">
+                <a:solidFill>
+                  <a:srgbClr val="000000"/>
+                </a:solidFill>
+                <a:highlight>
+                  <a:srgbClr val="FFFFFF"/>
+                </a:highlight>
+                <a:latin typeface="Consolas" panose="020B0609020204030204" pitchFamily="49" charset="0"/>
+              </a:rPr>
+              <a:t>    </a:t>
+            </a:r>
+            <a:r>
+              <a:rPr lang="en-US" sz="1200" dirty="0">
+                <a:solidFill>
+                  <a:srgbClr val="008000"/>
+                </a:solidFill>
+                <a:highlight>
+                  <a:srgbClr val="FFFFFF"/>
+                </a:highlight>
+                <a:latin typeface="Consolas" panose="020B0609020204030204" pitchFamily="49" charset="0"/>
+              </a:rPr>
+              <a:t>// which here is already implemented to handle the application</a:t>
+            </a:r>
+            <a:endParaRPr lang="en-US" sz="1200" dirty="0">
+              <a:solidFill>
+                <a:srgbClr val="000000"/>
+              </a:solidFill>
+              <a:highlight>
+                <a:srgbClr val="FFFFFF"/>
+              </a:highlight>
+              <a:latin typeface="Consolas" panose="020B0609020204030204" pitchFamily="49" charset="0"/>
+            </a:endParaRPr>
+          </a:p>
+          <a:p>
+            <a:r>
+              <a:rPr lang="en-US" sz="1200" dirty="0">
+                <a:solidFill>
+                  <a:srgbClr val="000000"/>
+                </a:solidFill>
+                <a:highlight>
+                  <a:srgbClr val="FFFFFF"/>
+                </a:highlight>
+                <a:latin typeface="Consolas" panose="020B0609020204030204" pitchFamily="49" charset="0"/>
+              </a:rPr>
+              <a:t>    </a:t>
+            </a:r>
+            <a:r>
+              <a:rPr lang="en-US" sz="1200" dirty="0">
+                <a:solidFill>
+                  <a:srgbClr val="008000"/>
+                </a:solidFill>
+                <a:highlight>
+                  <a:srgbClr val="FFFFFF"/>
+                </a:highlight>
+                <a:latin typeface="Consolas" panose="020B0609020204030204" pitchFamily="49" charset="0"/>
+              </a:rPr>
+              <a:t>// of requests over all </a:t>
+            </a:r>
+            <a:r>
+              <a:rPr lang="en-US" sz="1200" dirty="0" err="1">
+                <a:solidFill>
+                  <a:srgbClr val="008000"/>
+                </a:solidFill>
+                <a:highlight>
+                  <a:srgbClr val="FFFFFF"/>
+                </a:highlight>
+                <a:latin typeface="Consolas" panose="020B0609020204030204" pitchFamily="49" charset="0"/>
+              </a:rPr>
+              <a:t>timesteps</a:t>
+            </a:r>
+            <a:r>
+              <a:rPr lang="en-US" sz="1200" dirty="0">
+                <a:solidFill>
+                  <a:srgbClr val="008000"/>
+                </a:solidFill>
+                <a:highlight>
+                  <a:srgbClr val="FFFFFF"/>
+                </a:highlight>
+                <a:latin typeface="Consolas" panose="020B0609020204030204" pitchFamily="49" charset="0"/>
+              </a:rPr>
+              <a:t>.</a:t>
+            </a:r>
+            <a:endParaRPr lang="en-US" sz="1200" dirty="0">
+              <a:solidFill>
+                <a:srgbClr val="000000"/>
+              </a:solidFill>
+              <a:highlight>
+                <a:srgbClr val="FFFFFF"/>
+              </a:highlight>
+              <a:latin typeface="Consolas" panose="020B0609020204030204" pitchFamily="49" charset="0"/>
+            </a:endParaRPr>
+          </a:p>
+          <a:p>
+            <a:r>
+              <a:rPr lang="en-US" sz="1200" dirty="0">
+                <a:solidFill>
+                  <a:srgbClr val="000000"/>
+                </a:solidFill>
+                <a:highlight>
+                  <a:srgbClr val="FFFFFF"/>
+                </a:highlight>
+                <a:latin typeface="Consolas" panose="020B0609020204030204" pitchFamily="49" charset="0"/>
+              </a:rPr>
+              <a:t>    </a:t>
+            </a:r>
+            <a:r>
+              <a:rPr lang="en-US" sz="1200" dirty="0">
+                <a:solidFill>
+                  <a:srgbClr val="0000FF"/>
+                </a:solidFill>
+                <a:highlight>
+                  <a:srgbClr val="FFFFFF"/>
+                </a:highlight>
+                <a:latin typeface="Consolas" panose="020B0609020204030204" pitchFamily="49" charset="0"/>
+              </a:rPr>
+              <a:t>virtual</a:t>
+            </a:r>
+            <a:endParaRPr lang="en-US" sz="1200" dirty="0">
+              <a:solidFill>
+                <a:srgbClr val="000000"/>
+              </a:solidFill>
+              <a:highlight>
+                <a:srgbClr val="FFFFFF"/>
+              </a:highlight>
+              <a:latin typeface="Consolas" panose="020B0609020204030204" pitchFamily="49" charset="0"/>
+            </a:endParaRPr>
+          </a:p>
+          <a:p>
+            <a:r>
+              <a:rPr lang="en-US" sz="1200" dirty="0">
+                <a:solidFill>
+                  <a:srgbClr val="000000"/>
+                </a:solidFill>
+                <a:highlight>
+                  <a:srgbClr val="FFFFFF"/>
+                </a:highlight>
+                <a:latin typeface="Consolas" panose="020B0609020204030204" pitchFamily="49" charset="0"/>
+              </a:rPr>
+              <a:t>    </a:t>
+            </a:r>
+            <a:r>
+              <a:rPr lang="en-US" sz="1200" dirty="0" err="1">
+                <a:solidFill>
+                  <a:srgbClr val="000000"/>
+                </a:solidFill>
+                <a:highlight>
+                  <a:srgbClr val="FFFFFF"/>
+                </a:highlight>
+                <a:latin typeface="Consolas" panose="020B0609020204030204" pitchFamily="49" charset="0"/>
+              </a:rPr>
+              <a:t>std</a:t>
+            </a:r>
+            <a:r>
+              <a:rPr lang="en-US" sz="1200" dirty="0">
+                <a:solidFill>
+                  <a:srgbClr val="000000"/>
+                </a:solidFill>
+                <a:highlight>
+                  <a:srgbClr val="FFFFFF"/>
+                </a:highlight>
+                <a:latin typeface="Consolas" panose="020B0609020204030204" pitchFamily="49" charset="0"/>
+              </a:rPr>
+              <a:t>::vector&lt;</a:t>
+            </a:r>
+            <a:r>
+              <a:rPr lang="en-US" sz="1200" dirty="0" err="1">
+                <a:solidFill>
+                  <a:srgbClr val="000000"/>
+                </a:solidFill>
+                <a:highlight>
+                  <a:srgbClr val="FFFFFF"/>
+                </a:highlight>
+                <a:latin typeface="Consolas" panose="020B0609020204030204" pitchFamily="49" charset="0"/>
+              </a:rPr>
+              <a:t>teca_meta_data</a:t>
+            </a:r>
+            <a:r>
+              <a:rPr lang="en-US" sz="1200" dirty="0">
+                <a:solidFill>
+                  <a:srgbClr val="000000"/>
+                </a:solidFill>
+                <a:highlight>
+                  <a:srgbClr val="FFFFFF"/>
+                </a:highlight>
+                <a:latin typeface="Consolas" panose="020B0609020204030204" pitchFamily="49" charset="0"/>
+              </a:rPr>
+              <a:t>&gt; </a:t>
+            </a:r>
+            <a:r>
+              <a:rPr lang="en-US" sz="1200" dirty="0" err="1">
+                <a:solidFill>
+                  <a:srgbClr val="000000"/>
+                </a:solidFill>
+                <a:highlight>
+                  <a:srgbClr val="FFFFFF"/>
+                </a:highlight>
+                <a:latin typeface="Consolas" panose="020B0609020204030204" pitchFamily="49" charset="0"/>
+              </a:rPr>
+              <a:t>initialize_upstream_request</a:t>
+            </a:r>
+            <a:r>
+              <a:rPr lang="en-US" sz="1200" dirty="0">
+                <a:solidFill>
+                  <a:srgbClr val="000000"/>
+                </a:solidFill>
+                <a:highlight>
+                  <a:srgbClr val="FFFFFF"/>
+                </a:highlight>
+                <a:latin typeface="Consolas" panose="020B0609020204030204" pitchFamily="49" charset="0"/>
+              </a:rPr>
+              <a:t>(</a:t>
+            </a:r>
+          </a:p>
+          <a:p>
+            <a:r>
+              <a:rPr lang="en-US" sz="1200" dirty="0">
+                <a:solidFill>
+                  <a:srgbClr val="000000"/>
+                </a:solidFill>
+                <a:highlight>
+                  <a:srgbClr val="FFFFFF"/>
+                </a:highlight>
+                <a:latin typeface="Consolas" panose="020B0609020204030204" pitchFamily="49" charset="0"/>
+              </a:rPr>
+              <a:t>        </a:t>
+            </a:r>
+            <a:r>
+              <a:rPr lang="en-US" sz="1200" dirty="0">
+                <a:solidFill>
+                  <a:srgbClr val="0000FF"/>
+                </a:solidFill>
+                <a:highlight>
+                  <a:srgbClr val="FFFFFF"/>
+                </a:highlight>
+                <a:latin typeface="Consolas" panose="020B0609020204030204" pitchFamily="49" charset="0"/>
+              </a:rPr>
+              <a:t>unsigned</a:t>
+            </a:r>
+            <a:r>
+              <a:rPr lang="en-US" sz="1200" dirty="0">
+                <a:solidFill>
+                  <a:srgbClr val="000000"/>
+                </a:solidFill>
+                <a:highlight>
+                  <a:srgbClr val="FFFFFF"/>
+                </a:highlight>
+                <a:latin typeface="Consolas" panose="020B0609020204030204" pitchFamily="49" charset="0"/>
+              </a:rPr>
+              <a:t> </a:t>
+            </a:r>
+            <a:r>
+              <a:rPr lang="en-US" sz="1200" dirty="0" err="1">
+                <a:solidFill>
+                  <a:srgbClr val="0000FF"/>
+                </a:solidFill>
+                <a:highlight>
+                  <a:srgbClr val="FFFFFF"/>
+                </a:highlight>
+                <a:latin typeface="Consolas" panose="020B0609020204030204" pitchFamily="49" charset="0"/>
+              </a:rPr>
+              <a:t>int</a:t>
+            </a:r>
+            <a:r>
+              <a:rPr lang="en-US" sz="1200" dirty="0">
+                <a:solidFill>
+                  <a:srgbClr val="000000"/>
+                </a:solidFill>
+                <a:highlight>
+                  <a:srgbClr val="FFFFFF"/>
+                </a:highlight>
+                <a:latin typeface="Consolas" panose="020B0609020204030204" pitchFamily="49" charset="0"/>
+              </a:rPr>
+              <a:t> port,</a:t>
+            </a:r>
+          </a:p>
+          <a:p>
+            <a:r>
+              <a:rPr lang="en-US" sz="1200" dirty="0">
+                <a:solidFill>
+                  <a:srgbClr val="000000"/>
+                </a:solidFill>
+                <a:highlight>
+                  <a:srgbClr val="FFFFFF"/>
+                </a:highlight>
+                <a:latin typeface="Consolas" panose="020B0609020204030204" pitchFamily="49" charset="0"/>
+              </a:rPr>
+              <a:t>        </a:t>
+            </a:r>
+            <a:r>
+              <a:rPr lang="en-US" sz="1200" dirty="0" err="1">
+                <a:solidFill>
+                  <a:srgbClr val="0000FF"/>
+                </a:solidFill>
+                <a:highlight>
+                  <a:srgbClr val="FFFFFF"/>
+                </a:highlight>
+                <a:latin typeface="Consolas" panose="020B0609020204030204" pitchFamily="49" charset="0"/>
+              </a:rPr>
+              <a:t>const</a:t>
+            </a:r>
+            <a:r>
+              <a:rPr lang="en-US" sz="1200" dirty="0">
+                <a:solidFill>
+                  <a:srgbClr val="000000"/>
+                </a:solidFill>
+                <a:highlight>
+                  <a:srgbClr val="FFFFFF"/>
+                </a:highlight>
+                <a:latin typeface="Consolas" panose="020B0609020204030204" pitchFamily="49" charset="0"/>
+              </a:rPr>
+              <a:t> </a:t>
+            </a:r>
+            <a:r>
+              <a:rPr lang="en-US" sz="1200" dirty="0" err="1">
+                <a:solidFill>
+                  <a:srgbClr val="000000"/>
+                </a:solidFill>
+                <a:highlight>
+                  <a:srgbClr val="FFFFFF"/>
+                </a:highlight>
+                <a:latin typeface="Consolas" panose="020B0609020204030204" pitchFamily="49" charset="0"/>
+              </a:rPr>
+              <a:t>std</a:t>
+            </a:r>
+            <a:r>
+              <a:rPr lang="en-US" sz="1200" dirty="0">
+                <a:solidFill>
+                  <a:srgbClr val="000000"/>
+                </a:solidFill>
+                <a:highlight>
+                  <a:srgbClr val="FFFFFF"/>
+                </a:highlight>
+                <a:latin typeface="Consolas" panose="020B0609020204030204" pitchFamily="49" charset="0"/>
+              </a:rPr>
+              <a:t>::vector&lt;</a:t>
+            </a:r>
+            <a:r>
+              <a:rPr lang="en-US" sz="1200" dirty="0" err="1">
+                <a:solidFill>
+                  <a:srgbClr val="000000"/>
+                </a:solidFill>
+                <a:highlight>
+                  <a:srgbClr val="FFFFFF"/>
+                </a:highlight>
+                <a:latin typeface="Consolas" panose="020B0609020204030204" pitchFamily="49" charset="0"/>
+              </a:rPr>
+              <a:t>teca_meta_data</a:t>
+            </a:r>
+            <a:r>
+              <a:rPr lang="en-US" sz="1200" dirty="0">
+                <a:solidFill>
+                  <a:srgbClr val="000000"/>
+                </a:solidFill>
+                <a:highlight>
+                  <a:srgbClr val="FFFFFF"/>
+                </a:highlight>
+                <a:latin typeface="Consolas" panose="020B0609020204030204" pitchFamily="49" charset="0"/>
+              </a:rPr>
+              <a:t>&gt; &amp;</a:t>
+            </a:r>
+            <a:r>
+              <a:rPr lang="en-US" sz="1200" dirty="0" err="1">
+                <a:solidFill>
+                  <a:srgbClr val="000000"/>
+                </a:solidFill>
+                <a:highlight>
+                  <a:srgbClr val="FFFFFF"/>
+                </a:highlight>
+                <a:latin typeface="Consolas" panose="020B0609020204030204" pitchFamily="49" charset="0"/>
+              </a:rPr>
+              <a:t>input_md</a:t>
+            </a:r>
+            <a:r>
+              <a:rPr lang="en-US" sz="1200" dirty="0">
+                <a:solidFill>
+                  <a:srgbClr val="000000"/>
+                </a:solidFill>
+                <a:highlight>
+                  <a:srgbClr val="FFFFFF"/>
+                </a:highlight>
+                <a:latin typeface="Consolas" panose="020B0609020204030204" pitchFamily="49" charset="0"/>
+              </a:rPr>
+              <a:t>,</a:t>
+            </a:r>
+          </a:p>
+          <a:p>
+            <a:r>
+              <a:rPr lang="en-US" sz="1200" dirty="0">
+                <a:solidFill>
+                  <a:srgbClr val="000000"/>
+                </a:solidFill>
+                <a:highlight>
+                  <a:srgbClr val="FFFFFF"/>
+                </a:highlight>
+                <a:latin typeface="Consolas" panose="020B0609020204030204" pitchFamily="49" charset="0"/>
+              </a:rPr>
+              <a:t>        </a:t>
+            </a:r>
+            <a:r>
+              <a:rPr lang="en-US" sz="1200" dirty="0" err="1">
+                <a:solidFill>
+                  <a:srgbClr val="0000FF"/>
+                </a:solidFill>
+                <a:highlight>
+                  <a:srgbClr val="FFFFFF"/>
+                </a:highlight>
+                <a:latin typeface="Consolas" panose="020B0609020204030204" pitchFamily="49" charset="0"/>
+              </a:rPr>
+              <a:t>const</a:t>
+            </a:r>
+            <a:r>
+              <a:rPr lang="en-US" sz="1200" dirty="0">
+                <a:solidFill>
+                  <a:srgbClr val="000000"/>
+                </a:solidFill>
+                <a:highlight>
+                  <a:srgbClr val="FFFFFF"/>
+                </a:highlight>
+                <a:latin typeface="Consolas" panose="020B0609020204030204" pitchFamily="49" charset="0"/>
+              </a:rPr>
+              <a:t> </a:t>
+            </a:r>
+            <a:r>
+              <a:rPr lang="en-US" sz="1200" dirty="0" err="1">
+                <a:solidFill>
+                  <a:srgbClr val="000000"/>
+                </a:solidFill>
+                <a:highlight>
+                  <a:srgbClr val="FFFFFF"/>
+                </a:highlight>
+                <a:latin typeface="Consolas" panose="020B0609020204030204" pitchFamily="49" charset="0"/>
+              </a:rPr>
+              <a:t>teca_meta_data</a:t>
+            </a:r>
+            <a:r>
+              <a:rPr lang="en-US" sz="1200" dirty="0">
+                <a:solidFill>
+                  <a:srgbClr val="000000"/>
+                </a:solidFill>
+                <a:highlight>
+                  <a:srgbClr val="FFFFFF"/>
+                </a:highlight>
+                <a:latin typeface="Consolas" panose="020B0609020204030204" pitchFamily="49" charset="0"/>
+              </a:rPr>
+              <a:t> &amp;request) = 0;</a:t>
+            </a:r>
+          </a:p>
+          <a:p>
+            <a:endParaRPr lang="en-US" sz="1200" dirty="0">
+              <a:solidFill>
+                <a:srgbClr val="000000"/>
+              </a:solidFill>
+              <a:highlight>
+                <a:srgbClr val="FFFFFF"/>
+              </a:highlight>
+              <a:latin typeface="Consolas" panose="020B0609020204030204" pitchFamily="49" charset="0"/>
+            </a:endParaRPr>
+          </a:p>
+          <a:p>
+            <a:r>
+              <a:rPr lang="en-US" sz="1200" dirty="0">
+                <a:solidFill>
+                  <a:srgbClr val="000000"/>
+                </a:solidFill>
+                <a:highlight>
+                  <a:srgbClr val="FFFFFF"/>
+                </a:highlight>
+                <a:latin typeface="Consolas" panose="020B0609020204030204" pitchFamily="49" charset="0"/>
+              </a:rPr>
+              <a:t>    </a:t>
+            </a:r>
+            <a:r>
+              <a:rPr lang="en-US" sz="1200" dirty="0">
+                <a:solidFill>
+                  <a:srgbClr val="008000"/>
+                </a:solidFill>
+                <a:highlight>
+                  <a:srgbClr val="FFFFFF"/>
+                </a:highlight>
+                <a:latin typeface="Consolas" panose="020B0609020204030204" pitchFamily="49" charset="0"/>
+              </a:rPr>
+              <a:t>// override that allows derived classes to report what they can</a:t>
+            </a:r>
+            <a:endParaRPr lang="en-US" sz="1200" dirty="0">
+              <a:solidFill>
+                <a:srgbClr val="000000"/>
+              </a:solidFill>
+              <a:highlight>
+                <a:srgbClr val="FFFFFF"/>
+              </a:highlight>
+              <a:latin typeface="Consolas" panose="020B0609020204030204" pitchFamily="49" charset="0"/>
+            </a:endParaRPr>
+          </a:p>
+          <a:p>
+            <a:r>
+              <a:rPr lang="en-US" sz="1200" dirty="0">
+                <a:solidFill>
+                  <a:srgbClr val="000000"/>
+                </a:solidFill>
+                <a:highlight>
+                  <a:srgbClr val="FFFFFF"/>
+                </a:highlight>
+                <a:latin typeface="Consolas" panose="020B0609020204030204" pitchFamily="49" charset="0"/>
+              </a:rPr>
+              <a:t>    </a:t>
+            </a:r>
+            <a:r>
+              <a:rPr lang="en-US" sz="1200" dirty="0">
+                <a:solidFill>
+                  <a:srgbClr val="008000"/>
+                </a:solidFill>
+                <a:highlight>
+                  <a:srgbClr val="FFFFFF"/>
+                </a:highlight>
+                <a:latin typeface="Consolas" panose="020B0609020204030204" pitchFamily="49" charset="0"/>
+              </a:rPr>
+              <a:t>// produce. this will be called from </a:t>
+            </a:r>
+            <a:r>
+              <a:rPr lang="en-US" sz="1200" dirty="0" err="1">
+                <a:solidFill>
+                  <a:srgbClr val="008000"/>
+                </a:solidFill>
+                <a:highlight>
+                  <a:srgbClr val="FFFFFF"/>
+                </a:highlight>
+                <a:latin typeface="Consolas" panose="020B0609020204030204" pitchFamily="49" charset="0"/>
+              </a:rPr>
+              <a:t>get_output_meta_data</a:t>
+            </a:r>
+            <a:r>
+              <a:rPr lang="en-US" sz="1200" dirty="0">
+                <a:solidFill>
+                  <a:srgbClr val="008000"/>
+                </a:solidFill>
+                <a:highlight>
+                  <a:srgbClr val="FFFFFF"/>
+                </a:highlight>
+                <a:latin typeface="Consolas" panose="020B0609020204030204" pitchFamily="49" charset="0"/>
+              </a:rPr>
+              <a:t> which</a:t>
+            </a:r>
+            <a:endParaRPr lang="en-US" sz="1200" dirty="0">
+              <a:solidFill>
+                <a:srgbClr val="000000"/>
+              </a:solidFill>
+              <a:highlight>
+                <a:srgbClr val="FFFFFF"/>
+              </a:highlight>
+              <a:latin typeface="Consolas" panose="020B0609020204030204" pitchFamily="49" charset="0"/>
+            </a:endParaRPr>
+          </a:p>
+          <a:p>
+            <a:r>
+              <a:rPr lang="en-US" sz="1200" dirty="0">
+                <a:solidFill>
+                  <a:srgbClr val="000000"/>
+                </a:solidFill>
+                <a:highlight>
+                  <a:srgbClr val="FFFFFF"/>
+                </a:highlight>
+                <a:latin typeface="Consolas" panose="020B0609020204030204" pitchFamily="49" charset="0"/>
+              </a:rPr>
+              <a:t>    </a:t>
+            </a:r>
+            <a:r>
+              <a:rPr lang="en-US" sz="1200" dirty="0">
+                <a:solidFill>
+                  <a:srgbClr val="008000"/>
+                </a:solidFill>
+                <a:highlight>
+                  <a:srgbClr val="FFFFFF"/>
+                </a:highlight>
+                <a:latin typeface="Consolas" panose="020B0609020204030204" pitchFamily="49" charset="0"/>
+              </a:rPr>
+              <a:t>// will strip out time and partition time across MPI ranks.</a:t>
+            </a:r>
+            <a:endParaRPr lang="en-US" sz="1200" dirty="0">
+              <a:solidFill>
+                <a:srgbClr val="000000"/>
+              </a:solidFill>
+              <a:highlight>
+                <a:srgbClr val="FFFFFF"/>
+              </a:highlight>
+              <a:latin typeface="Consolas" panose="020B0609020204030204" pitchFamily="49" charset="0"/>
+            </a:endParaRPr>
+          </a:p>
+          <a:p>
+            <a:r>
+              <a:rPr lang="en-US" sz="1200" dirty="0">
+                <a:solidFill>
+                  <a:srgbClr val="000000"/>
+                </a:solidFill>
+                <a:highlight>
+                  <a:srgbClr val="FFFFFF"/>
+                </a:highlight>
+                <a:latin typeface="Consolas" panose="020B0609020204030204" pitchFamily="49" charset="0"/>
+              </a:rPr>
+              <a:t>    </a:t>
+            </a:r>
+            <a:r>
+              <a:rPr lang="en-US" sz="1200" dirty="0">
+                <a:solidFill>
+                  <a:srgbClr val="0000FF"/>
+                </a:solidFill>
+                <a:highlight>
+                  <a:srgbClr val="FFFFFF"/>
+                </a:highlight>
+                <a:latin typeface="Consolas" panose="020B0609020204030204" pitchFamily="49" charset="0"/>
+              </a:rPr>
+              <a:t>virtual</a:t>
+            </a:r>
+            <a:endParaRPr lang="en-US" sz="1200" dirty="0">
+              <a:solidFill>
+                <a:srgbClr val="000000"/>
+              </a:solidFill>
+              <a:highlight>
+                <a:srgbClr val="FFFFFF"/>
+              </a:highlight>
+              <a:latin typeface="Consolas" panose="020B0609020204030204" pitchFamily="49" charset="0"/>
+            </a:endParaRPr>
+          </a:p>
+          <a:p>
+            <a:r>
+              <a:rPr lang="en-US" sz="1200" dirty="0">
+                <a:solidFill>
+                  <a:srgbClr val="000000"/>
+                </a:solidFill>
+                <a:highlight>
+                  <a:srgbClr val="FFFFFF"/>
+                </a:highlight>
+                <a:latin typeface="Consolas" panose="020B0609020204030204" pitchFamily="49" charset="0"/>
+              </a:rPr>
+              <a:t>    </a:t>
+            </a:r>
+            <a:r>
+              <a:rPr lang="en-US" sz="1200" dirty="0" err="1">
+                <a:solidFill>
+                  <a:srgbClr val="000000"/>
+                </a:solidFill>
+                <a:highlight>
+                  <a:srgbClr val="FFFFFF"/>
+                </a:highlight>
+                <a:latin typeface="Consolas" panose="020B0609020204030204" pitchFamily="49" charset="0"/>
+              </a:rPr>
+              <a:t>teca_meta_data</a:t>
+            </a:r>
+            <a:r>
+              <a:rPr lang="en-US" sz="1200" dirty="0">
+                <a:solidFill>
+                  <a:srgbClr val="000000"/>
+                </a:solidFill>
+                <a:highlight>
+                  <a:srgbClr val="FFFFFF"/>
+                </a:highlight>
+                <a:latin typeface="Consolas" panose="020B0609020204030204" pitchFamily="49" charset="0"/>
+              </a:rPr>
+              <a:t> </a:t>
+            </a:r>
+            <a:r>
+              <a:rPr lang="en-US" sz="1200" dirty="0" err="1">
+                <a:solidFill>
+                  <a:srgbClr val="000000"/>
+                </a:solidFill>
+                <a:highlight>
+                  <a:srgbClr val="FFFFFF"/>
+                </a:highlight>
+                <a:latin typeface="Consolas" panose="020B0609020204030204" pitchFamily="49" charset="0"/>
+              </a:rPr>
+              <a:t>initialize_output_meta_data</a:t>
+            </a:r>
+            <a:r>
+              <a:rPr lang="en-US" sz="1200" dirty="0">
+                <a:solidFill>
+                  <a:srgbClr val="000000"/>
+                </a:solidFill>
+                <a:highlight>
+                  <a:srgbClr val="FFFFFF"/>
+                </a:highlight>
+                <a:latin typeface="Consolas" panose="020B0609020204030204" pitchFamily="49" charset="0"/>
+              </a:rPr>
+              <a:t>(</a:t>
+            </a:r>
+          </a:p>
+          <a:p>
+            <a:r>
+              <a:rPr lang="en-US" sz="1200" dirty="0">
+                <a:solidFill>
+                  <a:srgbClr val="000000"/>
+                </a:solidFill>
+                <a:highlight>
+                  <a:srgbClr val="FFFFFF"/>
+                </a:highlight>
+                <a:latin typeface="Consolas" panose="020B0609020204030204" pitchFamily="49" charset="0"/>
+              </a:rPr>
+              <a:t>        </a:t>
+            </a:r>
+            <a:r>
+              <a:rPr lang="en-US" sz="1200" dirty="0">
+                <a:solidFill>
+                  <a:srgbClr val="0000FF"/>
+                </a:solidFill>
+                <a:highlight>
+                  <a:srgbClr val="FFFFFF"/>
+                </a:highlight>
+                <a:latin typeface="Consolas" panose="020B0609020204030204" pitchFamily="49" charset="0"/>
+              </a:rPr>
+              <a:t>unsigned</a:t>
+            </a:r>
+            <a:r>
+              <a:rPr lang="en-US" sz="1200" dirty="0">
+                <a:solidFill>
+                  <a:srgbClr val="000000"/>
+                </a:solidFill>
+                <a:highlight>
+                  <a:srgbClr val="FFFFFF"/>
+                </a:highlight>
+                <a:latin typeface="Consolas" panose="020B0609020204030204" pitchFamily="49" charset="0"/>
+              </a:rPr>
+              <a:t> </a:t>
+            </a:r>
+            <a:r>
+              <a:rPr lang="en-US" sz="1200" dirty="0" err="1">
+                <a:solidFill>
+                  <a:srgbClr val="0000FF"/>
+                </a:solidFill>
+                <a:highlight>
+                  <a:srgbClr val="FFFFFF"/>
+                </a:highlight>
+                <a:latin typeface="Consolas" panose="020B0609020204030204" pitchFamily="49" charset="0"/>
+              </a:rPr>
+              <a:t>int</a:t>
+            </a:r>
+            <a:r>
+              <a:rPr lang="en-US" sz="1200" dirty="0">
+                <a:solidFill>
+                  <a:srgbClr val="000000"/>
+                </a:solidFill>
+                <a:highlight>
+                  <a:srgbClr val="FFFFFF"/>
+                </a:highlight>
+                <a:latin typeface="Consolas" panose="020B0609020204030204" pitchFamily="49" charset="0"/>
+              </a:rPr>
+              <a:t> port,</a:t>
+            </a:r>
+          </a:p>
+          <a:p>
+            <a:r>
+              <a:rPr lang="pt-BR" sz="1200" dirty="0">
+                <a:solidFill>
+                  <a:srgbClr val="000000"/>
+                </a:solidFill>
+                <a:highlight>
+                  <a:srgbClr val="FFFFFF"/>
+                </a:highlight>
+                <a:latin typeface="Consolas" panose="020B0609020204030204" pitchFamily="49" charset="0"/>
+              </a:rPr>
+              <a:t>        </a:t>
+            </a:r>
+            <a:r>
+              <a:rPr lang="pt-BR" sz="1200" dirty="0">
+                <a:solidFill>
+                  <a:srgbClr val="0000FF"/>
+                </a:solidFill>
+                <a:highlight>
+                  <a:srgbClr val="FFFFFF"/>
+                </a:highlight>
+                <a:latin typeface="Consolas" panose="020B0609020204030204" pitchFamily="49" charset="0"/>
+              </a:rPr>
+              <a:t>const</a:t>
+            </a:r>
+            <a:r>
+              <a:rPr lang="pt-BR" sz="1200" dirty="0">
+                <a:solidFill>
+                  <a:srgbClr val="000000"/>
+                </a:solidFill>
+                <a:highlight>
+                  <a:srgbClr val="FFFFFF"/>
+                </a:highlight>
+                <a:latin typeface="Consolas" panose="020B0609020204030204" pitchFamily="49" charset="0"/>
+              </a:rPr>
+              <a:t> std::vector&lt;teca_meta_data&gt; &amp;input_md) = 0;</a:t>
+            </a:r>
+            <a:endParaRPr lang="en-US" sz="1200" dirty="0"/>
+          </a:p>
+        </p:txBody>
+      </p:sp>
+    </p:spTree>
+    <p:extLst>
+      <p:ext uri="{BB962C8B-B14F-4D97-AF65-F5344CB8AC3E}">
+        <p14:creationId xmlns:p14="http://schemas.microsoft.com/office/powerpoint/2010/main" val="2947181651"/>
+      </p:ext>
+    </p:extLst>
+  </p:cSld>
+  <p:clrMapOvr>
+    <a:masterClrMapping/>
+  </p:clrMapOvr>
+  <p:timing>
+    <p:tnLst>
+      <p:par>
+        <p:cTn id="1" dur="indefinite" restart="never" nodeType="tmRoot"/>
+      </p:par>
+    </p:tnLst>
+  </p:timing>
+</p:sld>
+</file>
+
+<file path=ppt/slides/slide9.xml><?xml version="1.0" encoding="utf-8"?>
+<p:sld xmlns:a="http://schemas.openxmlformats.org/drawingml/2006/main" xmlns:r="http://schemas.openxmlformats.org/officeDocument/2006/relationships" xmlns:p="http://schemas.openxmlformats.org/presentationml/2006/main">
+  <p:cSld>
+    <p:spTree>
+      <p:nvGrpSpPr>
+        <p:cNvPr id="1" name=""/>
+        <p:cNvGrpSpPr/>
+        <p:nvPr/>
+      </p:nvGrpSpPr>
+      <p:grpSpPr>
+        <a:xfrm>
+          <a:off x="0" y="0"/>
+          <a:ext cx="0" cy="0"/>
+          <a:chOff x="0" y="0"/>
+          <a:chExt cx="0" cy="0"/>
+        </a:xfrm>
+      </p:grpSpPr>
+      <p:sp>
+        <p:nvSpPr>
+          <p:cNvPr id="2" name="Title 1"/>
+          <p:cNvSpPr>
+            <a:spLocks noGrp="1"/>
+          </p:cNvSpPr>
+          <p:nvPr>
+            <p:ph type="title"/>
+          </p:nvPr>
+        </p:nvSpPr>
+        <p:spPr/>
+        <p:txBody>
+          <a:bodyPr/>
+          <a:lstStyle/>
+          <a:p>
+            <a:r>
+              <a:rPr lang="en-US" dirty="0" smtClean="0"/>
+              <a:t>Meta data</a:t>
+            </a:r>
+            <a:endParaRPr lang="en-US" dirty="0"/>
+          </a:p>
+        </p:txBody>
+      </p:sp>
+      <p:sp>
+        <p:nvSpPr>
+          <p:cNvPr id="3" name="Content Placeholder 2"/>
+          <p:cNvSpPr>
+            <a:spLocks noGrp="1"/>
+          </p:cNvSpPr>
+          <p:nvPr>
+            <p:ph idx="1"/>
+          </p:nvPr>
+        </p:nvSpPr>
+        <p:spPr/>
+        <p:txBody>
+          <a:bodyPr/>
+          <a:lstStyle/>
+          <a:p>
+            <a:r>
+              <a:rPr lang="en-US" dirty="0" smtClean="0"/>
+              <a:t>both </a:t>
+            </a:r>
+            <a:r>
+              <a:rPr lang="en-US" dirty="0" smtClean="0"/>
+              <a:t>downstream reporting of data and upstream requests for data are made through </a:t>
+            </a:r>
+            <a:r>
+              <a:rPr lang="en-US" dirty="0" err="1" smtClean="0"/>
+              <a:t>teca_meta_data</a:t>
+            </a:r>
+            <a:r>
+              <a:rPr lang="en-US" dirty="0" smtClean="0"/>
+              <a:t> objects</a:t>
+            </a:r>
+          </a:p>
+          <a:p>
+            <a:r>
+              <a:rPr lang="en-US" dirty="0" smtClean="0"/>
+              <a:t>Dictionary of name value pairs</a:t>
+            </a:r>
+          </a:p>
+          <a:p>
+            <a:r>
+              <a:rPr lang="en-US" dirty="0" smtClean="0"/>
+              <a:t>Lightweight</a:t>
+            </a:r>
+            <a:r>
+              <a:rPr lang="en-US" dirty="0" smtClean="0"/>
+              <a:t>, fast copy / move</a:t>
+            </a:r>
+          </a:p>
+          <a:p>
+            <a:r>
+              <a:rPr lang="en-US" dirty="0" smtClean="0"/>
+              <a:t>Nesting allows for description of complex aggregate datasets, Meshes, AMR, </a:t>
+            </a:r>
+            <a:r>
+              <a:rPr lang="en-US" dirty="0" err="1" smtClean="0"/>
+              <a:t>etc</a:t>
+            </a:r>
+            <a:endParaRPr lang="en-US" dirty="0" smtClean="0"/>
+          </a:p>
+          <a:p>
+            <a:endParaRPr lang="en-US" dirty="0"/>
+          </a:p>
+        </p:txBody>
+      </p:sp>
+    </p:spTree>
+    <p:extLst>
+      <p:ext uri="{BB962C8B-B14F-4D97-AF65-F5344CB8AC3E}">
+        <p14:creationId xmlns:p14="http://schemas.microsoft.com/office/powerpoint/2010/main" val="712278246"/>
       </p:ext>
     </p:extLst>
   </p:cSld>
